--- a/slides.pptx
+++ b/slides.pptx
@@ -107,15 +107,28 @@
       </a:defRPr>
     </a:lvl9pPr>
   </p:defaultTextStyle>
+  <p:extLst>
+    <p:ext uri="{EFAFB233-063F-42B5-8137-9DF3F51BA10A}">
+      <p15:sldGuideLst xmlns:p15="http://schemas.microsoft.com/office/powerpoint/2012/main"/>
+    </p:ext>
+  </p:extLst>
 </p:presentation>
+</file>
+
+<file path=ppt/revisionInfo.xml><?xml version="1.0" encoding="utf-8"?>
+<p1510:revInfo xmlns:a="http://schemas.openxmlformats.org/drawingml/2006/main" xmlns:r="http://schemas.openxmlformats.org/officeDocument/2006/relationships" xmlns:p1510="http://schemas.microsoft.com/office/powerpoint/2015/10/main">
+  <p1510:revLst>
+    <p1510:client id="{F1320959-C026-4817-A7A9-DCDF9DAD347B}" v="10" dt="2024-09-17T09:21:31.440"/>
+  </p1510:revLst>
+</p1510:revInfo>
 </file>
 
 <file path=ppt/changesInfos/changesInfo1.xml><?xml version="1.0" encoding="utf-8"?>
 <pc:chgInfo xmlns:a="http://schemas.openxmlformats.org/drawingml/2006/main" xmlns:r="http://schemas.openxmlformats.org/officeDocument/2006/relationships" xmlns:ac="http://schemas.microsoft.com/office/drawing/2013/main/command" xmlns:pc="http://schemas.microsoft.com/office/powerpoint/2013/main/command">
   <pc:docChgLst>
     <pc:chgData name="Souto, LA (Luis)" userId="6293e4ac-383c-4cd2-a14b-39b4aa20a10f" providerId="ADAL" clId="{F1320959-C026-4817-A7A9-DCDF9DAD347B}"/>
-    <pc:docChg chg="addSld modSld">
-      <pc:chgData name="Souto, LA (Luis)" userId="6293e4ac-383c-4cd2-a14b-39b4aa20a10f" providerId="ADAL" clId="{F1320959-C026-4817-A7A9-DCDF9DAD347B}" dt="2024-09-17T08:02:48.574" v="103" actId="20577"/>
+    <pc:docChg chg="undo custSel addSld modSld">
+      <pc:chgData name="Souto, LA (Luis)" userId="6293e4ac-383c-4cd2-a14b-39b4aa20a10f" providerId="ADAL" clId="{F1320959-C026-4817-A7A9-DCDF9DAD347B}" dt="2024-09-17T09:24:01.903" v="267" actId="1076"/>
       <pc:docMkLst>
         <pc:docMk/>
       </pc:docMkLst>
@@ -164,12 +177,52 @@
           </ac:spMkLst>
         </pc:spChg>
       </pc:sldChg>
-      <pc:sldChg chg="new">
-        <pc:chgData name="Souto, LA (Luis)" userId="6293e4ac-383c-4cd2-a14b-39b4aa20a10f" providerId="ADAL" clId="{F1320959-C026-4817-A7A9-DCDF9DAD347B}" dt="2024-09-17T07:35:04.960" v="2" actId="680"/>
+      <pc:sldChg chg="addSp delSp modSp new mod">
+        <pc:chgData name="Souto, LA (Luis)" userId="6293e4ac-383c-4cd2-a14b-39b4aa20a10f" providerId="ADAL" clId="{F1320959-C026-4817-A7A9-DCDF9DAD347B}" dt="2024-09-17T09:24:01.903" v="267" actId="1076"/>
         <pc:sldMkLst>
           <pc:docMk/>
           <pc:sldMk cId="3678909553" sldId="259"/>
         </pc:sldMkLst>
+        <pc:spChg chg="mod">
+          <ac:chgData name="Souto, LA (Luis)" userId="6293e4ac-383c-4cd2-a14b-39b4aa20a10f" providerId="ADAL" clId="{F1320959-C026-4817-A7A9-DCDF9DAD347B}" dt="2024-09-17T09:18:36.585" v="132" actId="20577"/>
+          <ac:spMkLst>
+            <pc:docMk/>
+            <pc:sldMk cId="3678909553" sldId="259"/>
+            <ac:spMk id="2" creationId="{BA2A60FF-5871-64A5-ABEB-6CC8D3D8BC61}"/>
+          </ac:spMkLst>
+        </pc:spChg>
+        <pc:spChg chg="mod">
+          <ac:chgData name="Souto, LA (Luis)" userId="6293e4ac-383c-4cd2-a14b-39b4aa20a10f" providerId="ADAL" clId="{F1320959-C026-4817-A7A9-DCDF9DAD347B}" dt="2024-09-17T09:23:32.851" v="263" actId="20577"/>
+          <ac:spMkLst>
+            <pc:docMk/>
+            <pc:sldMk cId="3678909553" sldId="259"/>
+            <ac:spMk id="3" creationId="{14A4DC80-4868-5885-71EB-B6553F1DF86C}"/>
+          </ac:spMkLst>
+        </pc:spChg>
+        <pc:spChg chg="add del mod">
+          <ac:chgData name="Souto, LA (Luis)" userId="6293e4ac-383c-4cd2-a14b-39b4aa20a10f" providerId="ADAL" clId="{F1320959-C026-4817-A7A9-DCDF9DAD347B}" dt="2024-09-17T09:21:31.440" v="248" actId="478"/>
+          <ac:spMkLst>
+            <pc:docMk/>
+            <pc:sldMk cId="3678909553" sldId="259"/>
+            <ac:spMk id="4" creationId="{A7176F2E-EED3-8DC4-FC35-47EBB03B093C}"/>
+          </ac:spMkLst>
+        </pc:spChg>
+        <pc:picChg chg="add del mod">
+          <ac:chgData name="Souto, LA (Luis)" userId="6293e4ac-383c-4cd2-a14b-39b4aa20a10f" providerId="ADAL" clId="{F1320959-C026-4817-A7A9-DCDF9DAD347B}" dt="2024-09-17T09:23:34.765" v="264" actId="478"/>
+          <ac:picMkLst>
+            <pc:docMk/>
+            <pc:sldMk cId="3678909553" sldId="259"/>
+            <ac:picMk id="6" creationId="{1534F957-E068-3B0C-2869-2F6F6942C1F2}"/>
+          </ac:picMkLst>
+        </pc:picChg>
+        <pc:picChg chg="add mod">
+          <ac:chgData name="Souto, LA (Luis)" userId="6293e4ac-383c-4cd2-a14b-39b4aa20a10f" providerId="ADAL" clId="{F1320959-C026-4817-A7A9-DCDF9DAD347B}" dt="2024-09-17T09:24:01.903" v="267" actId="1076"/>
+          <ac:picMkLst>
+            <pc:docMk/>
+            <pc:sldMk cId="3678909553" sldId="259"/>
+            <ac:picMk id="8" creationId="{46156D67-0575-C7FF-656E-5F5BC1FA8D10}"/>
+          </ac:picMkLst>
+        </pc:picChg>
       </pc:sldChg>
     </pc:docChg>
   </pc:docChgLst>
@@ -3696,7 +3749,11 @@
           <a:bodyPr/>
           <a:lstStyle/>
           <a:p>
-            <a:endParaRPr lang="en-NL"/>
+            <a:r>
+              <a:rPr lang="en-GB" dirty="0"/>
+              <a:t>var vs new()</a:t>
+            </a:r>
+            <a:endParaRPr lang="en-NL" dirty="0"/>
           </a:p>
         </p:txBody>
       </p:sp>
@@ -3716,15 +3773,71 @@
             <p:ph idx="1"/>
           </p:nvPr>
         </p:nvSpPr>
-        <p:spPr/>
-        <p:txBody>
-          <a:bodyPr/>
-          <a:lstStyle/>
-          <a:p>
-            <a:endParaRPr lang="en-NL"/>
-          </a:p>
-        </p:txBody>
-      </p:sp>
+        <p:spPr>
+          <a:xfrm>
+            <a:off x="838200" y="1865382"/>
+            <a:ext cx="10515600" cy="4351338"/>
+          </a:xfrm>
+        </p:spPr>
+        <p:txBody>
+          <a:bodyPr/>
+          <a:lstStyle/>
+          <a:p>
+            <a:pPr marL="0" indent="0">
+              <a:buNone/>
+            </a:pPr>
+            <a:r>
+              <a:rPr lang="en-GB" dirty="0"/>
+              <a:t>Since C# 9.0 class initialization can be simplified</a:t>
+            </a:r>
+          </a:p>
+          <a:p>
+            <a:endParaRPr lang="en-GB" dirty="0"/>
+          </a:p>
+          <a:p>
+            <a:endParaRPr lang="en-GB" dirty="0"/>
+          </a:p>
+          <a:p>
+            <a:endParaRPr lang="en-GB" dirty="0"/>
+          </a:p>
+          <a:p>
+            <a:pPr marL="0" indent="0">
+              <a:buNone/>
+            </a:pPr>
+            <a:endParaRPr lang="en-GB" dirty="0"/>
+          </a:p>
+        </p:txBody>
+      </p:sp>
+      <p:pic>
+        <p:nvPicPr>
+          <p:cNvPr id="8" name="Picture 7">
+            <a:extLst>
+              <a:ext uri="{FF2B5EF4-FFF2-40B4-BE49-F238E27FC236}">
+                <a16:creationId xmlns:a16="http://schemas.microsoft.com/office/drawing/2014/main" id="{46156D67-0575-C7FF-656E-5F5BC1FA8D10}"/>
+              </a:ext>
+            </a:extLst>
+          </p:cNvPr>
+          <p:cNvPicPr>
+            <a:picLocks noChangeAspect="1"/>
+          </p:cNvPicPr>
+          <p:nvPr/>
+        </p:nvPicPr>
+        <p:blipFill>
+          <a:blip r:embed="rId2"/>
+          <a:stretch>
+            <a:fillRect/>
+          </a:stretch>
+        </p:blipFill>
+        <p:spPr>
+          <a:xfrm>
+            <a:off x="973062" y="2546773"/>
+            <a:ext cx="7328283" cy="1155431"/>
+          </a:xfrm>
+          <a:prstGeom prst="rect">
+            <a:avLst/>
+          </a:prstGeom>
+        </p:spPr>
+      </p:pic>
     </p:spTree>
     <p:extLst>
       <p:ext uri="{BB962C8B-B14F-4D97-AF65-F5344CB8AC3E}">

--- a/slides.pptx
+++ b/slides.pptx
@@ -9,6 +9,7 @@
     <p:sldId id="257" r:id="rId3"/>
     <p:sldId id="258" r:id="rId4"/>
     <p:sldId id="259" r:id="rId5"/>
+    <p:sldId id="260" r:id="rId6"/>
   </p:sldIdLst>
   <p:sldSz cx="12192000" cy="6858000"/>
   <p:notesSz cx="6858000" cy="9144000"/>
@@ -128,7 +129,7 @@
   <pc:docChgLst>
     <pc:chgData name="Souto, LA (Luis)" userId="6293e4ac-383c-4cd2-a14b-39b4aa20a10f" providerId="ADAL" clId="{F1320959-C026-4817-A7A9-DCDF9DAD347B}"/>
     <pc:docChg chg="undo custSel addSld modSld">
-      <pc:chgData name="Souto, LA (Luis)" userId="6293e4ac-383c-4cd2-a14b-39b4aa20a10f" providerId="ADAL" clId="{F1320959-C026-4817-A7A9-DCDF9DAD347B}" dt="2024-09-17T09:24:01.903" v="267" actId="1076"/>
+      <pc:chgData name="Souto, LA (Luis)" userId="6293e4ac-383c-4cd2-a14b-39b4aa20a10f" providerId="ADAL" clId="{F1320959-C026-4817-A7A9-DCDF9DAD347B}" dt="2024-09-17T10:02:42.652" v="399" actId="1076"/>
       <pc:docMkLst>
         <pc:docMk/>
       </pc:docMkLst>
@@ -221,6 +222,37 @@
             <pc:docMk/>
             <pc:sldMk cId="3678909553" sldId="259"/>
             <ac:picMk id="8" creationId="{46156D67-0575-C7FF-656E-5F5BC1FA8D10}"/>
+          </ac:picMkLst>
+        </pc:picChg>
+      </pc:sldChg>
+      <pc:sldChg chg="addSp modSp new mod">
+        <pc:chgData name="Souto, LA (Luis)" userId="6293e4ac-383c-4cd2-a14b-39b4aa20a10f" providerId="ADAL" clId="{F1320959-C026-4817-A7A9-DCDF9DAD347B}" dt="2024-09-17T10:02:42.652" v="399" actId="1076"/>
+        <pc:sldMkLst>
+          <pc:docMk/>
+          <pc:sldMk cId="3229911202" sldId="260"/>
+        </pc:sldMkLst>
+        <pc:spChg chg="mod">
+          <ac:chgData name="Souto, LA (Luis)" userId="6293e4ac-383c-4cd2-a14b-39b4aa20a10f" providerId="ADAL" clId="{F1320959-C026-4817-A7A9-DCDF9DAD347B}" dt="2024-09-17T10:00:51.882" v="309" actId="20577"/>
+          <ac:spMkLst>
+            <pc:docMk/>
+            <pc:sldMk cId="3229911202" sldId="260"/>
+            <ac:spMk id="2" creationId="{4FF3484B-CD1A-9E83-7AC1-66D89171B1C4}"/>
+          </ac:spMkLst>
+        </pc:spChg>
+        <pc:spChg chg="mod">
+          <ac:chgData name="Souto, LA (Luis)" userId="6293e4ac-383c-4cd2-a14b-39b4aa20a10f" providerId="ADAL" clId="{F1320959-C026-4817-A7A9-DCDF9DAD347B}" dt="2024-09-17T10:02:26.293" v="395" actId="20577"/>
+          <ac:spMkLst>
+            <pc:docMk/>
+            <pc:sldMk cId="3229911202" sldId="260"/>
+            <ac:spMk id="3" creationId="{A34E517C-2BDC-F78B-964E-7453D201DC23}"/>
+          </ac:spMkLst>
+        </pc:spChg>
+        <pc:picChg chg="add mod">
+          <ac:chgData name="Souto, LA (Luis)" userId="6293e4ac-383c-4cd2-a14b-39b4aa20a10f" providerId="ADAL" clId="{F1320959-C026-4817-A7A9-DCDF9DAD347B}" dt="2024-09-17T10:02:42.652" v="399" actId="1076"/>
+          <ac:picMkLst>
+            <pc:docMk/>
+            <pc:sldMk cId="3229911202" sldId="260"/>
+            <ac:picMk id="5" creationId="{FBF9A715-C0F8-532A-FCE5-65DDD4EE3340}"/>
           </ac:picMkLst>
         </pc:picChg>
       </pc:sldChg>
@@ -3842,6 +3874,137 @@
     <p:extLst>
       <p:ext uri="{BB962C8B-B14F-4D97-AF65-F5344CB8AC3E}">
         <p14:creationId xmlns:p14="http://schemas.microsoft.com/office/powerpoint/2010/main" val="3678909553"/>
+      </p:ext>
+    </p:extLst>
+  </p:cSld>
+  <p:clrMapOvr>
+    <a:masterClrMapping/>
+  </p:clrMapOvr>
+</p:sld>
+</file>
+
+<file path=ppt/slides/slide5.xml><?xml version="1.0" encoding="utf-8"?>
+<p:sld xmlns:a="http://schemas.openxmlformats.org/drawingml/2006/main" xmlns:r="http://schemas.openxmlformats.org/officeDocument/2006/relationships" xmlns:p="http://schemas.openxmlformats.org/presentationml/2006/main">
+  <p:cSld>
+    <p:spTree>
+      <p:nvGrpSpPr>
+        <p:cNvPr id="1" name=""/>
+        <p:cNvGrpSpPr/>
+        <p:nvPr/>
+      </p:nvGrpSpPr>
+      <p:grpSpPr>
+        <a:xfrm>
+          <a:off x="0" y="0"/>
+          <a:ext cx="0" cy="0"/>
+          <a:chOff x="0" y="0"/>
+          <a:chExt cx="0" cy="0"/>
+        </a:xfrm>
+      </p:grpSpPr>
+      <p:sp>
+        <p:nvSpPr>
+          <p:cNvPr id="2" name="Title 1">
+            <a:extLst>
+              <a:ext uri="{FF2B5EF4-FFF2-40B4-BE49-F238E27FC236}">
+                <a16:creationId xmlns:a16="http://schemas.microsoft.com/office/drawing/2014/main" id="{4FF3484B-CD1A-9E83-7AC1-66D89171B1C4}"/>
+              </a:ext>
+            </a:extLst>
+          </p:cNvPr>
+          <p:cNvSpPr>
+            <a:spLocks noGrp="1"/>
+          </p:cNvSpPr>
+          <p:nvPr>
+            <p:ph type="title"/>
+          </p:nvPr>
+        </p:nvSpPr>
+        <p:spPr/>
+        <p:txBody>
+          <a:bodyPr/>
+          <a:lstStyle/>
+          <a:p>
+            <a:r>
+              <a:rPr lang="en-GB" dirty="0"/>
+              <a:t>Collection initialization</a:t>
+            </a:r>
+            <a:endParaRPr lang="en-NL" dirty="0"/>
+          </a:p>
+        </p:txBody>
+      </p:sp>
+      <p:sp>
+        <p:nvSpPr>
+          <p:cNvPr id="3" name="Content Placeholder 2">
+            <a:extLst>
+              <a:ext uri="{FF2B5EF4-FFF2-40B4-BE49-F238E27FC236}">
+                <a16:creationId xmlns:a16="http://schemas.microsoft.com/office/drawing/2014/main" id="{A34E517C-2BDC-F78B-964E-7453D201DC23}"/>
+              </a:ext>
+            </a:extLst>
+          </p:cNvPr>
+          <p:cNvSpPr>
+            <a:spLocks noGrp="1"/>
+          </p:cNvSpPr>
+          <p:nvPr>
+            <p:ph idx="1"/>
+          </p:nvPr>
+        </p:nvSpPr>
+        <p:spPr>
+          <a:xfrm>
+            <a:off x="838200" y="1805747"/>
+            <a:ext cx="10515600" cy="4351338"/>
+          </a:xfrm>
+        </p:spPr>
+        <p:txBody>
+          <a:bodyPr/>
+          <a:lstStyle/>
+          <a:p>
+            <a:pPr marL="0" indent="0">
+              <a:buNone/>
+            </a:pPr>
+            <a:r>
+              <a:rPr lang="en-GB" dirty="0"/>
+              <a:t>Initialization of collections such as lists and arrays can be simplified.</a:t>
+            </a:r>
+          </a:p>
+          <a:p>
+            <a:pPr marL="0" indent="0">
+              <a:buNone/>
+            </a:pPr>
+            <a:endParaRPr lang="en-NL" dirty="0"/>
+          </a:p>
+        </p:txBody>
+      </p:sp>
+      <p:pic>
+        <p:nvPicPr>
+          <p:cNvPr id="5" name="Picture 4">
+            <a:extLst>
+              <a:ext uri="{FF2B5EF4-FFF2-40B4-BE49-F238E27FC236}">
+                <a16:creationId xmlns:a16="http://schemas.microsoft.com/office/drawing/2014/main" id="{FBF9A715-C0F8-532A-FCE5-65DDD4EE3340}"/>
+              </a:ext>
+            </a:extLst>
+          </p:cNvPr>
+          <p:cNvPicPr>
+            <a:picLocks noChangeAspect="1"/>
+          </p:cNvPicPr>
+          <p:nvPr/>
+        </p:nvPicPr>
+        <p:blipFill>
+          <a:blip r:embed="rId2"/>
+          <a:stretch>
+            <a:fillRect/>
+          </a:stretch>
+        </p:blipFill>
+        <p:spPr>
+          <a:xfrm>
+            <a:off x="941574" y="2786976"/>
+            <a:ext cx="6984223" cy="1046731"/>
+          </a:xfrm>
+          <a:prstGeom prst="rect">
+            <a:avLst/>
+          </a:prstGeom>
+        </p:spPr>
+      </p:pic>
+    </p:spTree>
+    <p:extLst>
+      <p:ext uri="{BB962C8B-B14F-4D97-AF65-F5344CB8AC3E}">
+        <p14:creationId xmlns:p14="http://schemas.microsoft.com/office/powerpoint/2010/main" val="3229911202"/>
       </p:ext>
     </p:extLst>
   </p:cSld>

--- a/slides.pptx
+++ b/slides.pptx
@@ -10,6 +10,7 @@
     <p:sldId id="258" r:id="rId4"/>
     <p:sldId id="259" r:id="rId5"/>
     <p:sldId id="260" r:id="rId6"/>
+    <p:sldId id="261" r:id="rId7"/>
   </p:sldIdLst>
   <p:sldSz cx="12192000" cy="6858000"/>
   <p:notesSz cx="6858000" cy="9144000"/>
@@ -129,7 +130,7 @@
   <pc:docChgLst>
     <pc:chgData name="Souto, LA (Luis)" userId="6293e4ac-383c-4cd2-a14b-39b4aa20a10f" providerId="ADAL" clId="{F1320959-C026-4817-A7A9-DCDF9DAD347B}"/>
     <pc:docChg chg="undo custSel addSld modSld">
-      <pc:chgData name="Souto, LA (Luis)" userId="6293e4ac-383c-4cd2-a14b-39b4aa20a10f" providerId="ADAL" clId="{F1320959-C026-4817-A7A9-DCDF9DAD347B}" dt="2024-09-17T10:02:42.652" v="399" actId="1076"/>
+      <pc:chgData name="Souto, LA (Luis)" userId="6293e4ac-383c-4cd2-a14b-39b4aa20a10f" providerId="ADAL" clId="{F1320959-C026-4817-A7A9-DCDF9DAD347B}" dt="2024-09-17T13:03:21.923" v="532" actId="1076"/>
       <pc:docMkLst>
         <pc:docMk/>
       </pc:docMkLst>
@@ -253,6 +254,37 @@
             <pc:docMk/>
             <pc:sldMk cId="3229911202" sldId="260"/>
             <ac:picMk id="5" creationId="{FBF9A715-C0F8-532A-FCE5-65DDD4EE3340}"/>
+          </ac:picMkLst>
+        </pc:picChg>
+      </pc:sldChg>
+      <pc:sldChg chg="addSp modSp new mod">
+        <pc:chgData name="Souto, LA (Luis)" userId="6293e4ac-383c-4cd2-a14b-39b4aa20a10f" providerId="ADAL" clId="{F1320959-C026-4817-A7A9-DCDF9DAD347B}" dt="2024-09-17T13:03:21.923" v="532" actId="1076"/>
+        <pc:sldMkLst>
+          <pc:docMk/>
+          <pc:sldMk cId="4006858124" sldId="261"/>
+        </pc:sldMkLst>
+        <pc:spChg chg="mod">
+          <ac:chgData name="Souto, LA (Luis)" userId="6293e4ac-383c-4cd2-a14b-39b4aa20a10f" providerId="ADAL" clId="{F1320959-C026-4817-A7A9-DCDF9DAD347B}" dt="2024-09-17T13:02:21.672" v="440" actId="20577"/>
+          <ac:spMkLst>
+            <pc:docMk/>
+            <pc:sldMk cId="4006858124" sldId="261"/>
+            <ac:spMk id="2" creationId="{B6C4EF8B-9CBB-613B-03FC-1CECBCF2F744}"/>
+          </ac:spMkLst>
+        </pc:spChg>
+        <pc:spChg chg="mod">
+          <ac:chgData name="Souto, LA (Luis)" userId="6293e4ac-383c-4cd2-a14b-39b4aa20a10f" providerId="ADAL" clId="{F1320959-C026-4817-A7A9-DCDF9DAD347B}" dt="2024-09-17T13:02:45.022" v="529" actId="20577"/>
+          <ac:spMkLst>
+            <pc:docMk/>
+            <pc:sldMk cId="4006858124" sldId="261"/>
+            <ac:spMk id="3" creationId="{1A49A3F4-1AFE-612A-C36D-73550A5FB4CA}"/>
+          </ac:spMkLst>
+        </pc:spChg>
+        <pc:picChg chg="add mod">
+          <ac:chgData name="Souto, LA (Luis)" userId="6293e4ac-383c-4cd2-a14b-39b4aa20a10f" providerId="ADAL" clId="{F1320959-C026-4817-A7A9-DCDF9DAD347B}" dt="2024-09-17T13:03:21.923" v="532" actId="1076"/>
+          <ac:picMkLst>
+            <pc:docMk/>
+            <pc:sldMk cId="4006858124" sldId="261"/>
+            <ac:picMk id="5" creationId="{71FC10E6-2074-A79B-F6EC-770DD511D8A3}"/>
           </ac:picMkLst>
         </pc:picChg>
       </pc:sldChg>
@@ -4005,6 +4037,127 @@
     <p:extLst>
       <p:ext uri="{BB962C8B-B14F-4D97-AF65-F5344CB8AC3E}">
         <p14:creationId xmlns:p14="http://schemas.microsoft.com/office/powerpoint/2010/main" val="3229911202"/>
+      </p:ext>
+    </p:extLst>
+  </p:cSld>
+  <p:clrMapOvr>
+    <a:masterClrMapping/>
+  </p:clrMapOvr>
+</p:sld>
+</file>
+
+<file path=ppt/slides/slide6.xml><?xml version="1.0" encoding="utf-8"?>
+<p:sld xmlns:a="http://schemas.openxmlformats.org/drawingml/2006/main" xmlns:r="http://schemas.openxmlformats.org/officeDocument/2006/relationships" xmlns:p="http://schemas.openxmlformats.org/presentationml/2006/main">
+  <p:cSld>
+    <p:spTree>
+      <p:nvGrpSpPr>
+        <p:cNvPr id="1" name=""/>
+        <p:cNvGrpSpPr/>
+        <p:nvPr/>
+      </p:nvGrpSpPr>
+      <p:grpSpPr>
+        <a:xfrm>
+          <a:off x="0" y="0"/>
+          <a:ext cx="0" cy="0"/>
+          <a:chOff x="0" y="0"/>
+          <a:chExt cx="0" cy="0"/>
+        </a:xfrm>
+      </p:grpSpPr>
+      <p:sp>
+        <p:nvSpPr>
+          <p:cNvPr id="2" name="Title 1">
+            <a:extLst>
+              <a:ext uri="{FF2B5EF4-FFF2-40B4-BE49-F238E27FC236}">
+                <a16:creationId xmlns:a16="http://schemas.microsoft.com/office/drawing/2014/main" id="{B6C4EF8B-9CBB-613B-03FC-1CECBCF2F744}"/>
+              </a:ext>
+            </a:extLst>
+          </p:cNvPr>
+          <p:cNvSpPr>
+            <a:spLocks noGrp="1"/>
+          </p:cNvSpPr>
+          <p:nvPr>
+            <p:ph type="title"/>
+          </p:nvPr>
+        </p:nvSpPr>
+        <p:spPr/>
+        <p:txBody>
+          <a:bodyPr/>
+          <a:lstStyle/>
+          <a:p>
+            <a:r>
+              <a:rPr lang="en-GB" dirty="0"/>
+              <a:t>Concatenation of collections</a:t>
+            </a:r>
+            <a:endParaRPr lang="en-NL" dirty="0"/>
+          </a:p>
+        </p:txBody>
+      </p:sp>
+      <p:sp>
+        <p:nvSpPr>
+          <p:cNvPr id="3" name="Content Placeholder 2">
+            <a:extLst>
+              <a:ext uri="{FF2B5EF4-FFF2-40B4-BE49-F238E27FC236}">
+                <a16:creationId xmlns:a16="http://schemas.microsoft.com/office/drawing/2014/main" id="{1A49A3F4-1AFE-612A-C36D-73550A5FB4CA}"/>
+              </a:ext>
+            </a:extLst>
+          </p:cNvPr>
+          <p:cNvSpPr>
+            <a:spLocks noGrp="1"/>
+          </p:cNvSpPr>
+          <p:nvPr>
+            <p:ph idx="1"/>
+          </p:nvPr>
+        </p:nvSpPr>
+        <p:spPr/>
+        <p:txBody>
+          <a:bodyPr/>
+          <a:lstStyle/>
+          <a:p>
+            <a:pPr marL="0" indent="0">
+              <a:buNone/>
+            </a:pPr>
+            <a:r>
+              <a:rPr lang="en-GB" dirty="0"/>
+              <a:t>Now it is possible to use the spread element “..” to concatenate lists/arrays.</a:t>
+            </a:r>
+            <a:endParaRPr lang="en-NL" dirty="0"/>
+          </a:p>
+        </p:txBody>
+      </p:sp>
+      <p:pic>
+        <p:nvPicPr>
+          <p:cNvPr id="5" name="Picture 4">
+            <a:extLst>
+              <a:ext uri="{FF2B5EF4-FFF2-40B4-BE49-F238E27FC236}">
+                <a16:creationId xmlns:a16="http://schemas.microsoft.com/office/drawing/2014/main" id="{71FC10E6-2074-A79B-F6EC-770DD511D8A3}"/>
+              </a:ext>
+            </a:extLst>
+          </p:cNvPr>
+          <p:cNvPicPr>
+            <a:picLocks noChangeAspect="1"/>
+          </p:cNvPicPr>
+          <p:nvPr/>
+        </p:nvPicPr>
+        <p:blipFill>
+          <a:blip r:embed="rId2"/>
+          <a:stretch>
+            <a:fillRect/>
+          </a:stretch>
+        </p:blipFill>
+        <p:spPr>
+          <a:xfrm>
+            <a:off x="939826" y="2814594"/>
+            <a:ext cx="8195687" cy="849632"/>
+          </a:xfrm>
+          <a:prstGeom prst="rect">
+            <a:avLst/>
+          </a:prstGeom>
+        </p:spPr>
+      </p:pic>
+    </p:spTree>
+    <p:extLst>
+      <p:ext uri="{BB962C8B-B14F-4D97-AF65-F5344CB8AC3E}">
+        <p14:creationId xmlns:p14="http://schemas.microsoft.com/office/powerpoint/2010/main" val="4006858124"/>
       </p:ext>
     </p:extLst>
   </p:cSld>

--- a/slides.pptx
+++ b/slides.pptx
@@ -8,9 +8,10 @@
     <p:sldId id="256" r:id="rId2"/>
     <p:sldId id="257" r:id="rId3"/>
     <p:sldId id="258" r:id="rId4"/>
-    <p:sldId id="259" r:id="rId5"/>
-    <p:sldId id="260" r:id="rId6"/>
-    <p:sldId id="261" r:id="rId7"/>
+    <p:sldId id="262" r:id="rId5"/>
+    <p:sldId id="259" r:id="rId6"/>
+    <p:sldId id="263" r:id="rId7"/>
+    <p:sldId id="264" r:id="rId8"/>
   </p:sldIdLst>
   <p:sldSz cx="12192000" cy="6858000"/>
   <p:notesSz cx="6858000" cy="9144000"/>
@@ -120,7 +121,7 @@
 <file path=ppt/revisionInfo.xml><?xml version="1.0" encoding="utf-8"?>
 <p1510:revInfo xmlns:a="http://schemas.openxmlformats.org/drawingml/2006/main" xmlns:r="http://schemas.openxmlformats.org/officeDocument/2006/relationships" xmlns:p1510="http://schemas.microsoft.com/office/powerpoint/2015/10/main">
   <p1510:revLst>
-    <p1510:client id="{F1320959-C026-4817-A7A9-DCDF9DAD347B}" v="10" dt="2024-09-17T09:21:31.440"/>
+    <p1510:client id="{F1320959-C026-4817-A7A9-DCDF9DAD347B}" v="32" dt="2024-09-17T13:40:47.565"/>
   </p1510:revLst>
 </p1510:revInfo>
 </file>
@@ -129,8 +130,8 @@
 <pc:chgInfo xmlns:a="http://schemas.openxmlformats.org/drawingml/2006/main" xmlns:r="http://schemas.openxmlformats.org/officeDocument/2006/relationships" xmlns:ac="http://schemas.microsoft.com/office/drawing/2013/main/command" xmlns:pc="http://schemas.microsoft.com/office/powerpoint/2013/main/command">
   <pc:docChgLst>
     <pc:chgData name="Souto, LA (Luis)" userId="6293e4ac-383c-4cd2-a14b-39b4aa20a10f" providerId="ADAL" clId="{F1320959-C026-4817-A7A9-DCDF9DAD347B}"/>
-    <pc:docChg chg="undo custSel addSld modSld">
-      <pc:chgData name="Souto, LA (Luis)" userId="6293e4ac-383c-4cd2-a14b-39b4aa20a10f" providerId="ADAL" clId="{F1320959-C026-4817-A7A9-DCDF9DAD347B}" dt="2024-09-17T13:03:21.923" v="532" actId="1076"/>
+    <pc:docChg chg="undo custSel addSld delSld modSld">
+      <pc:chgData name="Souto, LA (Luis)" userId="6293e4ac-383c-4cd2-a14b-39b4aa20a10f" providerId="ADAL" clId="{F1320959-C026-4817-A7A9-DCDF9DAD347B}" dt="2024-09-17T13:40:47.565" v="1075"/>
       <pc:docMkLst>
         <pc:docMk/>
       </pc:docMkLst>
@@ -149,52 +150,164 @@
           </ac:spMkLst>
         </pc:spChg>
       </pc:sldChg>
-      <pc:sldChg chg="modSp new mod">
-        <pc:chgData name="Souto, LA (Luis)" userId="6293e4ac-383c-4cd2-a14b-39b4aa20a10f" providerId="ADAL" clId="{F1320959-C026-4817-A7A9-DCDF9DAD347B}" dt="2024-09-17T07:36:32.656" v="73" actId="20577"/>
+      <pc:sldChg chg="modSp new mod setBg">
+        <pc:chgData name="Souto, LA (Luis)" userId="6293e4ac-383c-4cd2-a14b-39b4aa20a10f" providerId="ADAL" clId="{F1320959-C026-4817-A7A9-DCDF9DAD347B}" dt="2024-09-17T13:40:47.565" v="1075"/>
         <pc:sldMkLst>
           <pc:docMk/>
           <pc:sldMk cId="265969760" sldId="257"/>
         </pc:sldMkLst>
         <pc:spChg chg="mod">
-          <ac:chgData name="Souto, LA (Luis)" userId="6293e4ac-383c-4cd2-a14b-39b4aa20a10f" providerId="ADAL" clId="{F1320959-C026-4817-A7A9-DCDF9DAD347B}" dt="2024-09-17T07:36:32.656" v="73" actId="20577"/>
+          <ac:chgData name="Souto, LA (Luis)" userId="6293e4ac-383c-4cd2-a14b-39b4aa20a10f" providerId="ADAL" clId="{F1320959-C026-4817-A7A9-DCDF9DAD347B}" dt="2024-09-17T13:40:47.565" v="1075"/>
           <ac:spMkLst>
             <pc:docMk/>
             <pc:sldMk cId="265969760" sldId="257"/>
             <ac:spMk id="2" creationId="{501F0B1A-84F3-ADA6-1719-D3A524894D11}"/>
           </ac:spMkLst>
         </pc:spChg>
+        <pc:spChg chg="mod">
+          <ac:chgData name="Souto, LA (Luis)" userId="6293e4ac-383c-4cd2-a14b-39b4aa20a10f" providerId="ADAL" clId="{F1320959-C026-4817-A7A9-DCDF9DAD347B}" dt="2024-09-17T13:40:47.565" v="1075"/>
+          <ac:spMkLst>
+            <pc:docMk/>
+            <pc:sldMk cId="265969760" sldId="257"/>
+            <ac:spMk id="3" creationId="{7F1EAC36-36AB-72B5-84B7-11603C3317EA}"/>
+          </ac:spMkLst>
+        </pc:spChg>
       </pc:sldChg>
-      <pc:sldChg chg="modSp new mod">
-        <pc:chgData name="Souto, LA (Luis)" userId="6293e4ac-383c-4cd2-a14b-39b4aa20a10f" providerId="ADAL" clId="{F1320959-C026-4817-A7A9-DCDF9DAD347B}" dt="2024-09-17T08:02:48.574" v="103" actId="20577"/>
+      <pc:sldChg chg="addSp delSp modSp new mod setBg">
+        <pc:chgData name="Souto, LA (Luis)" userId="6293e4ac-383c-4cd2-a14b-39b4aa20a10f" providerId="ADAL" clId="{F1320959-C026-4817-A7A9-DCDF9DAD347B}" dt="2024-09-17T13:34:29.941" v="1041" actId="20577"/>
         <pc:sldMkLst>
           <pc:docMk/>
           <pc:sldMk cId="682547770" sldId="258"/>
         </pc:sldMkLst>
         <pc:spChg chg="mod">
-          <ac:chgData name="Souto, LA (Luis)" userId="6293e4ac-383c-4cd2-a14b-39b4aa20a10f" providerId="ADAL" clId="{F1320959-C026-4817-A7A9-DCDF9DAD347B}" dt="2024-09-17T08:02:48.574" v="103" actId="20577"/>
+          <ac:chgData name="Souto, LA (Luis)" userId="6293e4ac-383c-4cd2-a14b-39b4aa20a10f" providerId="ADAL" clId="{F1320959-C026-4817-A7A9-DCDF9DAD347B}" dt="2024-09-17T13:27:34.969" v="907" actId="26606"/>
           <ac:spMkLst>
             <pc:docMk/>
             <pc:sldMk cId="682547770" sldId="258"/>
             <ac:spMk id="2" creationId="{EE6CFEBF-3B0B-49CF-AECB-82F91D455D13}"/>
           </ac:spMkLst>
         </pc:spChg>
+        <pc:spChg chg="mod">
+          <ac:chgData name="Souto, LA (Luis)" userId="6293e4ac-383c-4cd2-a14b-39b4aa20a10f" providerId="ADAL" clId="{F1320959-C026-4817-A7A9-DCDF9DAD347B}" dt="2024-09-17T13:34:29.941" v="1041" actId="20577"/>
+          <ac:spMkLst>
+            <pc:docMk/>
+            <pc:sldMk cId="682547770" sldId="258"/>
+            <ac:spMk id="3" creationId="{F78E95FE-D71E-F2BD-B9CC-83362D0976A7}"/>
+          </ac:spMkLst>
+        </pc:spChg>
+        <pc:spChg chg="add del mod">
+          <ac:chgData name="Souto, LA (Luis)" userId="6293e4ac-383c-4cd2-a14b-39b4aa20a10f" providerId="ADAL" clId="{F1320959-C026-4817-A7A9-DCDF9DAD347B}" dt="2024-09-17T13:27:15.707" v="903" actId="478"/>
+          <ac:spMkLst>
+            <pc:docMk/>
+            <pc:sldMk cId="682547770" sldId="258"/>
+            <ac:spMk id="8" creationId="{717956D0-55A2-070A-AD91-D122F25CE00F}"/>
+          </ac:spMkLst>
+        </pc:spChg>
+        <pc:spChg chg="add del mod">
+          <ac:chgData name="Souto, LA (Luis)" userId="6293e4ac-383c-4cd2-a14b-39b4aa20a10f" providerId="ADAL" clId="{F1320959-C026-4817-A7A9-DCDF9DAD347B}" dt="2024-09-17T13:27:20.271" v="904" actId="478"/>
+          <ac:spMkLst>
+            <pc:docMk/>
+            <pc:sldMk cId="682547770" sldId="258"/>
+            <ac:spMk id="9" creationId="{054DCFB2-C2F3-E9AF-008D-74D9FBA235EB}"/>
+          </ac:spMkLst>
+        </pc:spChg>
+        <pc:spChg chg="add mod">
+          <ac:chgData name="Souto, LA (Luis)" userId="6293e4ac-383c-4cd2-a14b-39b4aa20a10f" providerId="ADAL" clId="{F1320959-C026-4817-A7A9-DCDF9DAD347B}" dt="2024-09-17T13:30:41.702" v="955" actId="122"/>
+          <ac:spMkLst>
+            <pc:docMk/>
+            <pc:sldMk cId="682547770" sldId="258"/>
+            <ac:spMk id="10" creationId="{F900671C-A125-787B-4DA4-0DACECBB88C8}"/>
+          </ac:spMkLst>
+        </pc:spChg>
+        <pc:spChg chg="add mod">
+          <ac:chgData name="Souto, LA (Luis)" userId="6293e4ac-383c-4cd2-a14b-39b4aa20a10f" providerId="ADAL" clId="{F1320959-C026-4817-A7A9-DCDF9DAD347B}" dt="2024-09-17T13:30:41.702" v="955" actId="122"/>
+          <ac:spMkLst>
+            <pc:docMk/>
+            <pc:sldMk cId="682547770" sldId="258"/>
+            <ac:spMk id="11" creationId="{508A1D37-608A-B8BE-C96C-5FF9A24C31BC}"/>
+          </ac:spMkLst>
+        </pc:spChg>
+        <pc:spChg chg="add del">
+          <ac:chgData name="Souto, LA (Luis)" userId="6293e4ac-383c-4cd2-a14b-39b4aa20a10f" providerId="ADAL" clId="{F1320959-C026-4817-A7A9-DCDF9DAD347B}" dt="2024-09-17T13:27:34.963" v="906" actId="26606"/>
+          <ac:spMkLst>
+            <pc:docMk/>
+            <pc:sldMk cId="682547770" sldId="258"/>
+            <ac:spMk id="12" creationId="{04695F26-39DB-450E-B464-9C76CD233B36}"/>
+          </ac:spMkLst>
+        </pc:spChg>
+        <pc:spChg chg="add del">
+          <ac:chgData name="Souto, LA (Luis)" userId="6293e4ac-383c-4cd2-a14b-39b4aa20a10f" providerId="ADAL" clId="{F1320959-C026-4817-A7A9-DCDF9DAD347B}" dt="2024-09-17T13:27:34.963" v="906" actId="26606"/>
+          <ac:spMkLst>
+            <pc:docMk/>
+            <pc:sldMk cId="682547770" sldId="258"/>
+            <ac:spMk id="14" creationId="{2F42E55F-A297-474F-AF2D-6D3A15822BCA}"/>
+          </ac:spMkLst>
+        </pc:spChg>
+        <pc:spChg chg="add">
+          <ac:chgData name="Souto, LA (Luis)" userId="6293e4ac-383c-4cd2-a14b-39b4aa20a10f" providerId="ADAL" clId="{F1320959-C026-4817-A7A9-DCDF9DAD347B}" dt="2024-09-17T13:27:34.969" v="907" actId="26606"/>
+          <ac:spMkLst>
+            <pc:docMk/>
+            <pc:sldMk cId="682547770" sldId="258"/>
+            <ac:spMk id="22" creationId="{B712E947-0734-45F9-9C4F-41114EC3A33E}"/>
+          </ac:spMkLst>
+        </pc:spChg>
+        <pc:spChg chg="add">
+          <ac:chgData name="Souto, LA (Luis)" userId="6293e4ac-383c-4cd2-a14b-39b4aa20a10f" providerId="ADAL" clId="{F1320959-C026-4817-A7A9-DCDF9DAD347B}" dt="2024-09-17T13:27:34.969" v="907" actId="26606"/>
+          <ac:spMkLst>
+            <pc:docMk/>
+            <pc:sldMk cId="682547770" sldId="258"/>
+            <ac:spMk id="23" creationId="{5A65989E-BBD5-44D7-AA86-7AFD5D46BBC0}"/>
+          </ac:spMkLst>
+        </pc:spChg>
+        <pc:spChg chg="add">
+          <ac:chgData name="Souto, LA (Luis)" userId="6293e4ac-383c-4cd2-a14b-39b4aa20a10f" providerId="ADAL" clId="{F1320959-C026-4817-A7A9-DCDF9DAD347B}" dt="2024-09-17T13:27:34.969" v="907" actId="26606"/>
+          <ac:spMkLst>
+            <pc:docMk/>
+            <pc:sldMk cId="682547770" sldId="258"/>
+            <ac:spMk id="24" creationId="{231A2881-D8D7-4A7D-ACA3-E9F849F853D8}"/>
+          </ac:spMkLst>
+        </pc:spChg>
+        <pc:grpChg chg="add del">
+          <ac:chgData name="Souto, LA (Luis)" userId="6293e4ac-383c-4cd2-a14b-39b4aa20a10f" providerId="ADAL" clId="{F1320959-C026-4817-A7A9-DCDF9DAD347B}" dt="2024-09-17T13:27:34.963" v="906" actId="26606"/>
+          <ac:grpSpMkLst>
+            <pc:docMk/>
+            <pc:sldMk cId="682547770" sldId="258"/>
+            <ac:grpSpMk id="16" creationId="{972070F7-E065-4D60-8938-9FB8CDB8ACB0}"/>
+          </ac:grpSpMkLst>
+        </pc:grpChg>
+        <pc:picChg chg="add mod ord">
+          <ac:chgData name="Souto, LA (Luis)" userId="6293e4ac-383c-4cd2-a14b-39b4aa20a10f" providerId="ADAL" clId="{F1320959-C026-4817-A7A9-DCDF9DAD347B}" dt="2024-09-17T13:27:34.969" v="907" actId="26606"/>
+          <ac:picMkLst>
+            <pc:docMk/>
+            <pc:sldMk cId="682547770" sldId="258"/>
+            <ac:picMk id="5" creationId="{6F9048FC-A996-9113-213F-FEEA9CE75FFD}"/>
+          </ac:picMkLst>
+        </pc:picChg>
+        <pc:picChg chg="add mod">
+          <ac:chgData name="Souto, LA (Luis)" userId="6293e4ac-383c-4cd2-a14b-39b4aa20a10f" providerId="ADAL" clId="{F1320959-C026-4817-A7A9-DCDF9DAD347B}" dt="2024-09-17T13:27:34.969" v="907" actId="26606"/>
+          <ac:picMkLst>
+            <pc:docMk/>
+            <pc:sldMk cId="682547770" sldId="258"/>
+            <ac:picMk id="7" creationId="{3FDBA376-1C14-F0DC-4551-7647120274CB}"/>
+          </ac:picMkLst>
+        </pc:picChg>
       </pc:sldChg>
-      <pc:sldChg chg="addSp delSp modSp new mod">
-        <pc:chgData name="Souto, LA (Luis)" userId="6293e4ac-383c-4cd2-a14b-39b4aa20a10f" providerId="ADAL" clId="{F1320959-C026-4817-A7A9-DCDF9DAD347B}" dt="2024-09-17T09:24:01.903" v="267" actId="1076"/>
+      <pc:sldChg chg="addSp delSp modSp new mod setBg">
+        <pc:chgData name="Souto, LA (Luis)" userId="6293e4ac-383c-4cd2-a14b-39b4aa20a10f" providerId="ADAL" clId="{F1320959-C026-4817-A7A9-DCDF9DAD347B}" dt="2024-09-17T13:33:13.187" v="987" actId="1076"/>
         <pc:sldMkLst>
           <pc:docMk/>
           <pc:sldMk cId="3678909553" sldId="259"/>
         </pc:sldMkLst>
         <pc:spChg chg="mod">
-          <ac:chgData name="Souto, LA (Luis)" userId="6293e4ac-383c-4cd2-a14b-39b4aa20a10f" providerId="ADAL" clId="{F1320959-C026-4817-A7A9-DCDF9DAD347B}" dt="2024-09-17T09:18:36.585" v="132" actId="20577"/>
+          <ac:chgData name="Souto, LA (Luis)" userId="6293e4ac-383c-4cd2-a14b-39b4aa20a10f" providerId="ADAL" clId="{F1320959-C026-4817-A7A9-DCDF9DAD347B}" dt="2024-09-17T13:32:43.890" v="983" actId="26606"/>
           <ac:spMkLst>
             <pc:docMk/>
             <pc:sldMk cId="3678909553" sldId="259"/>
             <ac:spMk id="2" creationId="{BA2A60FF-5871-64A5-ABEB-6CC8D3D8BC61}"/>
           </ac:spMkLst>
         </pc:spChg>
-        <pc:spChg chg="mod">
-          <ac:chgData name="Souto, LA (Luis)" userId="6293e4ac-383c-4cd2-a14b-39b4aa20a10f" providerId="ADAL" clId="{F1320959-C026-4817-A7A9-DCDF9DAD347B}" dt="2024-09-17T09:23:32.851" v="263" actId="20577"/>
+        <pc:spChg chg="mod ord">
+          <ac:chgData name="Souto, LA (Luis)" userId="6293e4ac-383c-4cd2-a14b-39b4aa20a10f" providerId="ADAL" clId="{F1320959-C026-4817-A7A9-DCDF9DAD347B}" dt="2024-09-17T13:32:43.890" v="983" actId="26606"/>
           <ac:spMkLst>
             <pc:docMk/>
             <pc:sldMk cId="3678909553" sldId="259"/>
@@ -209,6 +322,110 @@
             <ac:spMk id="4" creationId="{A7176F2E-EED3-8DC4-FC35-47EBB03B093C}"/>
           </ac:spMkLst>
         </pc:spChg>
+        <pc:spChg chg="add">
+          <ac:chgData name="Souto, LA (Luis)" userId="6293e4ac-383c-4cd2-a14b-39b4aa20a10f" providerId="ADAL" clId="{F1320959-C026-4817-A7A9-DCDF9DAD347B}" dt="2024-09-17T13:32:43.890" v="983" actId="26606"/>
+          <ac:spMkLst>
+            <pc:docMk/>
+            <pc:sldMk cId="3678909553" sldId="259"/>
+            <ac:spMk id="10" creationId="{B712E947-0734-45F9-9C4F-41114EC3A33E}"/>
+          </ac:spMkLst>
+        </pc:spChg>
+        <pc:spChg chg="add">
+          <ac:chgData name="Souto, LA (Luis)" userId="6293e4ac-383c-4cd2-a14b-39b4aa20a10f" providerId="ADAL" clId="{F1320959-C026-4817-A7A9-DCDF9DAD347B}" dt="2024-09-17T13:32:43.890" v="983" actId="26606"/>
+          <ac:spMkLst>
+            <pc:docMk/>
+            <pc:sldMk cId="3678909553" sldId="259"/>
+            <ac:spMk id="11" creationId="{5A65989E-BBD5-44D7-AA86-7AFD5D46BBC0}"/>
+          </ac:spMkLst>
+        </pc:spChg>
+        <pc:spChg chg="add">
+          <ac:chgData name="Souto, LA (Luis)" userId="6293e4ac-383c-4cd2-a14b-39b4aa20a10f" providerId="ADAL" clId="{F1320959-C026-4817-A7A9-DCDF9DAD347B}" dt="2024-09-17T13:32:43.890" v="983" actId="26606"/>
+          <ac:spMkLst>
+            <pc:docMk/>
+            <pc:sldMk cId="3678909553" sldId="259"/>
+            <ac:spMk id="12" creationId="{231A2881-D8D7-4A7D-ACA3-E9F849F853D8}"/>
+          </ac:spMkLst>
+        </pc:spChg>
+        <pc:spChg chg="add del">
+          <ac:chgData name="Souto, LA (Luis)" userId="6293e4ac-383c-4cd2-a14b-39b4aa20a10f" providerId="ADAL" clId="{F1320959-C026-4817-A7A9-DCDF9DAD347B}" dt="2024-09-17T13:31:51.863" v="965" actId="26606"/>
+          <ac:spMkLst>
+            <pc:docMk/>
+            <pc:sldMk cId="3678909553" sldId="259"/>
+            <ac:spMk id="13" creationId="{6F4C891B-62D0-4250-AEB7-0F42BAD78D7D}"/>
+          </ac:spMkLst>
+        </pc:spChg>
+        <pc:spChg chg="add del">
+          <ac:chgData name="Souto, LA (Luis)" userId="6293e4ac-383c-4cd2-a14b-39b4aa20a10f" providerId="ADAL" clId="{F1320959-C026-4817-A7A9-DCDF9DAD347B}" dt="2024-09-17T13:31:52.869" v="967" actId="26606"/>
+          <ac:spMkLst>
+            <pc:docMk/>
+            <pc:sldMk cId="3678909553" sldId="259"/>
+            <ac:spMk id="15" creationId="{6F4C891B-62D0-4250-AEB7-0F42BAD78D7D}"/>
+          </ac:spMkLst>
+        </pc:spChg>
+        <pc:spChg chg="add del">
+          <ac:chgData name="Souto, LA (Luis)" userId="6293e4ac-383c-4cd2-a14b-39b4aa20a10f" providerId="ADAL" clId="{F1320959-C026-4817-A7A9-DCDF9DAD347B}" dt="2024-09-17T13:31:53.918" v="969" actId="26606"/>
+          <ac:spMkLst>
+            <pc:docMk/>
+            <pc:sldMk cId="3678909553" sldId="259"/>
+            <ac:spMk id="17" creationId="{572A6AC3-A5EB-4E50-B460-8B0A428F31B0}"/>
+          </ac:spMkLst>
+        </pc:spChg>
+        <pc:spChg chg="add del">
+          <ac:chgData name="Souto, LA (Luis)" userId="6293e4ac-383c-4cd2-a14b-39b4aa20a10f" providerId="ADAL" clId="{F1320959-C026-4817-A7A9-DCDF9DAD347B}" dt="2024-09-17T13:31:54.907" v="971" actId="26606"/>
+          <ac:spMkLst>
+            <pc:docMk/>
+            <pc:sldMk cId="3678909553" sldId="259"/>
+            <ac:spMk id="19" creationId="{55F7ABCA-A68A-47DD-B732-76FF34C6FB7D}"/>
+          </ac:spMkLst>
+        </pc:spChg>
+        <pc:spChg chg="add del">
+          <ac:chgData name="Souto, LA (Luis)" userId="6293e4ac-383c-4cd2-a14b-39b4aa20a10f" providerId="ADAL" clId="{F1320959-C026-4817-A7A9-DCDF9DAD347B}" dt="2024-09-17T13:31:55.417" v="973" actId="26606"/>
+          <ac:spMkLst>
+            <pc:docMk/>
+            <pc:sldMk cId="3678909553" sldId="259"/>
+            <ac:spMk id="21" creationId="{B14C2221-2B8C-494D-9442-F812DF4E8794}"/>
+          </ac:spMkLst>
+        </pc:spChg>
+        <pc:spChg chg="add del">
+          <ac:chgData name="Souto, LA (Luis)" userId="6293e4ac-383c-4cd2-a14b-39b4aa20a10f" providerId="ADAL" clId="{F1320959-C026-4817-A7A9-DCDF9DAD347B}" dt="2024-09-17T13:31:57.436" v="975" actId="26606"/>
+          <ac:spMkLst>
+            <pc:docMk/>
+            <pc:sldMk cId="3678909553" sldId="259"/>
+            <ac:spMk id="23" creationId="{E02239D2-A05D-4A1C-9F06-FBA7FC730E1B}"/>
+          </ac:spMkLst>
+        </pc:spChg>
+        <pc:spChg chg="add del">
+          <ac:chgData name="Souto, LA (Luis)" userId="6293e4ac-383c-4cd2-a14b-39b4aa20a10f" providerId="ADAL" clId="{F1320959-C026-4817-A7A9-DCDF9DAD347B}" dt="2024-09-17T13:31:58.770" v="977" actId="26606"/>
+          <ac:spMkLst>
+            <pc:docMk/>
+            <pc:sldMk cId="3678909553" sldId="259"/>
+            <ac:spMk id="25" creationId="{9D25F302-27C5-414F-97F8-6EA0A6C028BA}"/>
+          </ac:spMkLst>
+        </pc:spChg>
+        <pc:spChg chg="add del">
+          <ac:chgData name="Souto, LA (Luis)" userId="6293e4ac-383c-4cd2-a14b-39b4aa20a10f" providerId="ADAL" clId="{F1320959-C026-4817-A7A9-DCDF9DAD347B}" dt="2024-09-17T13:31:58.770" v="977" actId="26606"/>
+          <ac:spMkLst>
+            <pc:docMk/>
+            <pc:sldMk cId="3678909553" sldId="259"/>
+            <ac:spMk id="26" creationId="{830A36F8-48C2-4842-A87B-8CE8DF4E7FD2}"/>
+          </ac:spMkLst>
+        </pc:spChg>
+        <pc:spChg chg="add del">
+          <ac:chgData name="Souto, LA (Luis)" userId="6293e4ac-383c-4cd2-a14b-39b4aa20a10f" providerId="ADAL" clId="{F1320959-C026-4817-A7A9-DCDF9DAD347B}" dt="2024-09-17T13:31:58.770" v="977" actId="26606"/>
+          <ac:spMkLst>
+            <pc:docMk/>
+            <pc:sldMk cId="3678909553" sldId="259"/>
+            <ac:spMk id="27" creationId="{8F451A30-466B-4996-9BA5-CD6ABCC6D558}"/>
+          </ac:spMkLst>
+        </pc:spChg>
+        <pc:picChg chg="add mod">
+          <ac:chgData name="Souto, LA (Luis)" userId="6293e4ac-383c-4cd2-a14b-39b4aa20a10f" providerId="ADAL" clId="{F1320959-C026-4817-A7A9-DCDF9DAD347B}" dt="2024-09-17T13:33:13.187" v="987" actId="1076"/>
+          <ac:picMkLst>
+            <pc:docMk/>
+            <pc:sldMk cId="3678909553" sldId="259"/>
+            <ac:picMk id="4" creationId="{20383942-E7EC-812B-FC44-E108E7F8A033}"/>
+          </ac:picMkLst>
+        </pc:picChg>
         <pc:picChg chg="add del mod">
           <ac:chgData name="Souto, LA (Luis)" userId="6293e4ac-383c-4cd2-a14b-39b4aa20a10f" providerId="ADAL" clId="{F1320959-C026-4817-A7A9-DCDF9DAD347B}" dt="2024-09-17T09:23:34.765" v="264" actId="478"/>
           <ac:picMkLst>
@@ -217,8 +434,8 @@
             <ac:picMk id="6" creationId="{1534F957-E068-3B0C-2869-2F6F6942C1F2}"/>
           </ac:picMkLst>
         </pc:picChg>
-        <pc:picChg chg="add mod">
-          <ac:chgData name="Souto, LA (Luis)" userId="6293e4ac-383c-4cd2-a14b-39b4aa20a10f" providerId="ADAL" clId="{F1320959-C026-4817-A7A9-DCDF9DAD347B}" dt="2024-09-17T09:24:01.903" v="267" actId="1076"/>
+        <pc:picChg chg="add del mod ord">
+          <ac:chgData name="Souto, LA (Luis)" userId="6293e4ac-383c-4cd2-a14b-39b4aa20a10f" providerId="ADAL" clId="{F1320959-C026-4817-A7A9-DCDF9DAD347B}" dt="2024-09-17T13:32:47.204" v="984" actId="478"/>
           <ac:picMkLst>
             <pc:docMk/>
             <pc:sldMk cId="3678909553" sldId="259"/>
@@ -226,14 +443,14 @@
           </ac:picMkLst>
         </pc:picChg>
       </pc:sldChg>
-      <pc:sldChg chg="addSp modSp new mod">
-        <pc:chgData name="Souto, LA (Luis)" userId="6293e4ac-383c-4cd2-a14b-39b4aa20a10f" providerId="ADAL" clId="{F1320959-C026-4817-A7A9-DCDF9DAD347B}" dt="2024-09-17T10:02:42.652" v="399" actId="1076"/>
+      <pc:sldChg chg="addSp delSp modSp new del mod setBg delDesignElem">
+        <pc:chgData name="Souto, LA (Luis)" userId="6293e4ac-383c-4cd2-a14b-39b4aa20a10f" providerId="ADAL" clId="{F1320959-C026-4817-A7A9-DCDF9DAD347B}" dt="2024-09-17T13:39:02.619" v="1062" actId="2696"/>
         <pc:sldMkLst>
           <pc:docMk/>
           <pc:sldMk cId="3229911202" sldId="260"/>
         </pc:sldMkLst>
         <pc:spChg chg="mod">
-          <ac:chgData name="Souto, LA (Luis)" userId="6293e4ac-383c-4cd2-a14b-39b4aa20a10f" providerId="ADAL" clId="{F1320959-C026-4817-A7A9-DCDF9DAD347B}" dt="2024-09-17T10:00:51.882" v="309" actId="20577"/>
+          <ac:chgData name="Souto, LA (Luis)" userId="6293e4ac-383c-4cd2-a14b-39b4aa20a10f" providerId="ADAL" clId="{F1320959-C026-4817-A7A9-DCDF9DAD347B}" dt="2024-09-17T13:36:20.854" v="1045" actId="26606"/>
           <ac:spMkLst>
             <pc:docMk/>
             <pc:sldMk cId="3229911202" sldId="260"/>
@@ -241,30 +458,78 @@
           </ac:spMkLst>
         </pc:spChg>
         <pc:spChg chg="mod">
-          <ac:chgData name="Souto, LA (Luis)" userId="6293e4ac-383c-4cd2-a14b-39b4aa20a10f" providerId="ADAL" clId="{F1320959-C026-4817-A7A9-DCDF9DAD347B}" dt="2024-09-17T10:02:26.293" v="395" actId="20577"/>
+          <ac:chgData name="Souto, LA (Luis)" userId="6293e4ac-383c-4cd2-a14b-39b4aa20a10f" providerId="ADAL" clId="{F1320959-C026-4817-A7A9-DCDF9DAD347B}" dt="2024-09-17T13:36:20.854" v="1045" actId="26606"/>
           <ac:spMkLst>
             <pc:docMk/>
             <pc:sldMk cId="3229911202" sldId="260"/>
             <ac:spMk id="3" creationId="{A34E517C-2BDC-F78B-964E-7453D201DC23}"/>
           </ac:spMkLst>
         </pc:spChg>
-        <pc:picChg chg="add mod">
-          <ac:chgData name="Souto, LA (Luis)" userId="6293e4ac-383c-4cd2-a14b-39b4aa20a10f" providerId="ADAL" clId="{F1320959-C026-4817-A7A9-DCDF9DAD347B}" dt="2024-09-17T10:02:42.652" v="399" actId="1076"/>
+        <pc:spChg chg="add del">
+          <ac:chgData name="Souto, LA (Luis)" userId="6293e4ac-383c-4cd2-a14b-39b4aa20a10f" providerId="ADAL" clId="{F1320959-C026-4817-A7A9-DCDF9DAD347B}" dt="2024-09-17T13:37:56.359" v="1053"/>
+          <ac:spMkLst>
+            <pc:docMk/>
+            <pc:sldMk cId="3229911202" sldId="260"/>
+            <ac:spMk id="11" creationId="{61293230-B0F6-45B1-96D1-13D18E242995}"/>
+          </ac:spMkLst>
+        </pc:spChg>
+        <pc:spChg chg="add del">
+          <ac:chgData name="Souto, LA (Luis)" userId="6293e4ac-383c-4cd2-a14b-39b4aa20a10f" providerId="ADAL" clId="{F1320959-C026-4817-A7A9-DCDF9DAD347B}" dt="2024-09-17T13:37:56.359" v="1053"/>
+          <ac:spMkLst>
+            <pc:docMk/>
+            <pc:sldMk cId="3229911202" sldId="260"/>
+            <ac:spMk id="13" creationId="{2B573B51-C170-49C0-A3D9-8D99730C45AE}"/>
+          </ac:spMkLst>
+        </pc:spChg>
+        <pc:spChg chg="add del">
+          <ac:chgData name="Souto, LA (Luis)" userId="6293e4ac-383c-4cd2-a14b-39b4aa20a10f" providerId="ADAL" clId="{F1320959-C026-4817-A7A9-DCDF9DAD347B}" dt="2024-09-17T13:37:56.359" v="1053"/>
+          <ac:spMkLst>
+            <pc:docMk/>
+            <pc:sldMk cId="3229911202" sldId="260"/>
+            <ac:spMk id="15" creationId="{CC7BCC73-A901-44EB-B0E7-879E19267A6A}"/>
+          </ac:spMkLst>
+        </pc:spChg>
+        <pc:picChg chg="add del mod">
+          <ac:chgData name="Souto, LA (Luis)" userId="6293e4ac-383c-4cd2-a14b-39b4aa20a10f" providerId="ADAL" clId="{F1320959-C026-4817-A7A9-DCDF9DAD347B}" dt="2024-09-17T13:36:29.033" v="1047" actId="478"/>
+          <ac:picMkLst>
+            <pc:docMk/>
+            <pc:sldMk cId="3229911202" sldId="260"/>
+            <ac:picMk id="4" creationId="{99D8BB10-AC78-D96A-ABAE-3412077E8002}"/>
+          </ac:picMkLst>
+        </pc:picChg>
+        <pc:picChg chg="add del mod">
+          <ac:chgData name="Souto, LA (Luis)" userId="6293e4ac-383c-4cd2-a14b-39b4aa20a10f" providerId="ADAL" clId="{F1320959-C026-4817-A7A9-DCDF9DAD347B}" dt="2024-09-17T13:36:37.517" v="1048" actId="478"/>
           <ac:picMkLst>
             <pc:docMk/>
             <pc:sldMk cId="3229911202" sldId="260"/>
             <ac:picMk id="5" creationId="{FBF9A715-C0F8-532A-FCE5-65DDD4EE3340}"/>
           </ac:picMkLst>
         </pc:picChg>
+        <pc:picChg chg="add mod">
+          <ac:chgData name="Souto, LA (Luis)" userId="6293e4ac-383c-4cd2-a14b-39b4aa20a10f" providerId="ADAL" clId="{F1320959-C026-4817-A7A9-DCDF9DAD347B}" dt="2024-09-17T13:36:46.648" v="1049" actId="14100"/>
+          <ac:picMkLst>
+            <pc:docMk/>
+            <pc:sldMk cId="3229911202" sldId="260"/>
+            <ac:picMk id="6" creationId="{00489E94-2250-D7F3-23F9-E4379EB188C6}"/>
+          </ac:picMkLst>
+        </pc:picChg>
+        <pc:picChg chg="add del mod">
+          <ac:chgData name="Souto, LA (Luis)" userId="6293e4ac-383c-4cd2-a14b-39b4aa20a10f" providerId="ADAL" clId="{F1320959-C026-4817-A7A9-DCDF9DAD347B}" dt="2024-09-17T13:38:00.723" v="1054" actId="478"/>
+          <ac:picMkLst>
+            <pc:docMk/>
+            <pc:sldMk cId="3229911202" sldId="260"/>
+            <ac:picMk id="7" creationId="{6A60A144-22EF-A72C-7225-F36FCDA8229F}"/>
+          </ac:picMkLst>
+        </pc:picChg>
       </pc:sldChg>
-      <pc:sldChg chg="addSp modSp new mod">
-        <pc:chgData name="Souto, LA (Luis)" userId="6293e4ac-383c-4cd2-a14b-39b4aa20a10f" providerId="ADAL" clId="{F1320959-C026-4817-A7A9-DCDF9DAD347B}" dt="2024-09-17T13:03:21.923" v="532" actId="1076"/>
+      <pc:sldChg chg="addSp modSp new del mod setBg">
+        <pc:chgData name="Souto, LA (Luis)" userId="6293e4ac-383c-4cd2-a14b-39b4aa20a10f" providerId="ADAL" clId="{F1320959-C026-4817-A7A9-DCDF9DAD347B}" dt="2024-09-17T13:40:42.654" v="1074" actId="2696"/>
         <pc:sldMkLst>
           <pc:docMk/>
           <pc:sldMk cId="4006858124" sldId="261"/>
         </pc:sldMkLst>
         <pc:spChg chg="mod">
-          <ac:chgData name="Souto, LA (Luis)" userId="6293e4ac-383c-4cd2-a14b-39b4aa20a10f" providerId="ADAL" clId="{F1320959-C026-4817-A7A9-DCDF9DAD347B}" dt="2024-09-17T13:02:21.672" v="440" actId="20577"/>
+          <ac:chgData name="Souto, LA (Luis)" userId="6293e4ac-383c-4cd2-a14b-39b4aa20a10f" providerId="ADAL" clId="{F1320959-C026-4817-A7A9-DCDF9DAD347B}" dt="2024-09-17T13:39:12.869" v="1064"/>
           <ac:spMkLst>
             <pc:docMk/>
             <pc:sldMk cId="4006858124" sldId="261"/>
@@ -272,7 +537,7 @@
           </ac:spMkLst>
         </pc:spChg>
         <pc:spChg chg="mod">
-          <ac:chgData name="Souto, LA (Luis)" userId="6293e4ac-383c-4cd2-a14b-39b4aa20a10f" providerId="ADAL" clId="{F1320959-C026-4817-A7A9-DCDF9DAD347B}" dt="2024-09-17T13:02:45.022" v="529" actId="20577"/>
+          <ac:chgData name="Souto, LA (Luis)" userId="6293e4ac-383c-4cd2-a14b-39b4aa20a10f" providerId="ADAL" clId="{F1320959-C026-4817-A7A9-DCDF9DAD347B}" dt="2024-09-17T13:39:12.869" v="1064"/>
           <ac:spMkLst>
             <pc:docMk/>
             <pc:sldMk cId="4006858124" sldId="261"/>
@@ -285,6 +550,323 @@
             <pc:docMk/>
             <pc:sldMk cId="4006858124" sldId="261"/>
             <ac:picMk id="5" creationId="{71FC10E6-2074-A79B-F6EC-770DD511D8A3}"/>
+          </ac:picMkLst>
+        </pc:picChg>
+      </pc:sldChg>
+      <pc:sldChg chg="addSp delSp modSp new mod setBg">
+        <pc:chgData name="Souto, LA (Luis)" userId="6293e4ac-383c-4cd2-a14b-39b4aa20a10f" providerId="ADAL" clId="{F1320959-C026-4817-A7A9-DCDF9DAD347B}" dt="2024-09-17T13:31:22.761" v="963" actId="26606"/>
+        <pc:sldMkLst>
+          <pc:docMk/>
+          <pc:sldMk cId="2231014413" sldId="262"/>
+        </pc:sldMkLst>
+        <pc:spChg chg="mod">
+          <ac:chgData name="Souto, LA (Luis)" userId="6293e4ac-383c-4cd2-a14b-39b4aa20a10f" providerId="ADAL" clId="{F1320959-C026-4817-A7A9-DCDF9DAD347B}" dt="2024-09-17T13:31:22.761" v="963" actId="26606"/>
+          <ac:spMkLst>
+            <pc:docMk/>
+            <pc:sldMk cId="2231014413" sldId="262"/>
+            <ac:spMk id="2" creationId="{7B8D5DE6-52C5-3B41-C97C-8E651AC1DD85}"/>
+          </ac:spMkLst>
+        </pc:spChg>
+        <pc:spChg chg="add del mod">
+          <ac:chgData name="Souto, LA (Luis)" userId="6293e4ac-383c-4cd2-a14b-39b4aa20a10f" providerId="ADAL" clId="{F1320959-C026-4817-A7A9-DCDF9DAD347B}" dt="2024-09-17T13:31:22.761" v="963" actId="26606"/>
+          <ac:spMkLst>
+            <pc:docMk/>
+            <pc:sldMk cId="2231014413" sldId="262"/>
+            <ac:spMk id="3" creationId="{F311C744-8B37-C1F3-9C6F-199A326778EC}"/>
+          </ac:spMkLst>
+        </pc:spChg>
+        <pc:spChg chg="add">
+          <ac:chgData name="Souto, LA (Luis)" userId="6293e4ac-383c-4cd2-a14b-39b4aa20a10f" providerId="ADAL" clId="{F1320959-C026-4817-A7A9-DCDF9DAD347B}" dt="2024-09-17T13:09:50.843" v="585"/>
+          <ac:spMkLst>
+            <pc:docMk/>
+            <pc:sldMk cId="2231014413" sldId="262"/>
+            <ac:spMk id="4" creationId="{359D683D-1282-F0CD-9193-FBF2AE9AF6A6}"/>
+          </ac:spMkLst>
+        </pc:spChg>
+        <pc:spChg chg="add">
+          <ac:chgData name="Souto, LA (Luis)" userId="6293e4ac-383c-4cd2-a14b-39b4aa20a10f" providerId="ADAL" clId="{F1320959-C026-4817-A7A9-DCDF9DAD347B}" dt="2024-09-17T13:09:54.673" v="587"/>
+          <ac:spMkLst>
+            <pc:docMk/>
+            <pc:sldMk cId="2231014413" sldId="262"/>
+            <ac:spMk id="5" creationId="{E512A577-D986-A82D-02AB-169569CE0945}"/>
+          </ac:spMkLst>
+        </pc:spChg>
+        <pc:spChg chg="add">
+          <ac:chgData name="Souto, LA (Luis)" userId="6293e4ac-383c-4cd2-a14b-39b4aa20a10f" providerId="ADAL" clId="{F1320959-C026-4817-A7A9-DCDF9DAD347B}" dt="2024-09-17T13:10:11.960" v="588"/>
+          <ac:spMkLst>
+            <pc:docMk/>
+            <pc:sldMk cId="2231014413" sldId="262"/>
+            <ac:spMk id="6" creationId="{D0E1C26A-3242-A767-30B5-441EE3F69593}"/>
+          </ac:spMkLst>
+        </pc:spChg>
+        <pc:spChg chg="add del">
+          <ac:chgData name="Souto, LA (Luis)" userId="6293e4ac-383c-4cd2-a14b-39b4aa20a10f" providerId="ADAL" clId="{F1320959-C026-4817-A7A9-DCDF9DAD347B}" dt="2024-09-17T13:31:22.754" v="962" actId="26606"/>
+          <ac:spMkLst>
+            <pc:docMk/>
+            <pc:sldMk cId="2231014413" sldId="262"/>
+            <ac:spMk id="8" creationId="{09588DA8-065E-4F6F-8EFD-43104AB2E0CF}"/>
+          </ac:spMkLst>
+        </pc:spChg>
+        <pc:spChg chg="add del">
+          <ac:chgData name="Souto, LA (Luis)" userId="6293e4ac-383c-4cd2-a14b-39b4aa20a10f" providerId="ADAL" clId="{F1320959-C026-4817-A7A9-DCDF9DAD347B}" dt="2024-09-17T13:31:14.285" v="958" actId="26606"/>
+          <ac:spMkLst>
+            <pc:docMk/>
+            <pc:sldMk cId="2231014413" sldId="262"/>
+            <ac:spMk id="9" creationId="{BACC6370-2D7E-4714-9D71-7542949D7D5D}"/>
+          </ac:spMkLst>
+        </pc:spChg>
+        <pc:spChg chg="add del">
+          <ac:chgData name="Souto, LA (Luis)" userId="6293e4ac-383c-4cd2-a14b-39b4aa20a10f" providerId="ADAL" clId="{F1320959-C026-4817-A7A9-DCDF9DAD347B}" dt="2024-09-17T13:31:22.754" v="962" actId="26606"/>
+          <ac:spMkLst>
+            <pc:docMk/>
+            <pc:sldMk cId="2231014413" sldId="262"/>
+            <ac:spMk id="10" creationId="{C4285719-470E-454C-AF62-8323075F1F5B}"/>
+          </ac:spMkLst>
+        </pc:spChg>
+        <pc:spChg chg="add del">
+          <ac:chgData name="Souto, LA (Luis)" userId="6293e4ac-383c-4cd2-a14b-39b4aa20a10f" providerId="ADAL" clId="{F1320959-C026-4817-A7A9-DCDF9DAD347B}" dt="2024-09-17T13:31:14.285" v="958" actId="26606"/>
+          <ac:spMkLst>
+            <pc:docMk/>
+            <pc:sldMk cId="2231014413" sldId="262"/>
+            <ac:spMk id="11" creationId="{F68B3F68-107C-434F-AA38-110D5EA91B85}"/>
+          </ac:spMkLst>
+        </pc:spChg>
+        <pc:spChg chg="add del">
+          <ac:chgData name="Souto, LA (Luis)" userId="6293e4ac-383c-4cd2-a14b-39b4aa20a10f" providerId="ADAL" clId="{F1320959-C026-4817-A7A9-DCDF9DAD347B}" dt="2024-09-17T13:31:22.754" v="962" actId="26606"/>
+          <ac:spMkLst>
+            <pc:docMk/>
+            <pc:sldMk cId="2231014413" sldId="262"/>
+            <ac:spMk id="12" creationId="{CD9FE4EF-C4D8-49A0-B2FF-81D8DB7D8A24}"/>
+          </ac:spMkLst>
+        </pc:spChg>
+        <pc:spChg chg="add del">
+          <ac:chgData name="Souto, LA (Luis)" userId="6293e4ac-383c-4cd2-a14b-39b4aa20a10f" providerId="ADAL" clId="{F1320959-C026-4817-A7A9-DCDF9DAD347B}" dt="2024-09-17T13:31:14.285" v="958" actId="26606"/>
+          <ac:spMkLst>
+            <pc:docMk/>
+            <pc:sldMk cId="2231014413" sldId="262"/>
+            <ac:spMk id="13" creationId="{AAD0DBB9-1A4B-4391-81D4-CB19F9AB918A}"/>
+          </ac:spMkLst>
+        </pc:spChg>
+        <pc:spChg chg="add del">
+          <ac:chgData name="Souto, LA (Luis)" userId="6293e4ac-383c-4cd2-a14b-39b4aa20a10f" providerId="ADAL" clId="{F1320959-C026-4817-A7A9-DCDF9DAD347B}" dt="2024-09-17T13:31:22.754" v="962" actId="26606"/>
+          <ac:spMkLst>
+            <pc:docMk/>
+            <pc:sldMk cId="2231014413" sldId="262"/>
+            <ac:spMk id="14" creationId="{4300840D-0A0B-4512-BACA-B439D5B9C57C}"/>
+          </ac:spMkLst>
+        </pc:spChg>
+        <pc:spChg chg="add del">
+          <ac:chgData name="Souto, LA (Luis)" userId="6293e4ac-383c-4cd2-a14b-39b4aa20a10f" providerId="ADAL" clId="{F1320959-C026-4817-A7A9-DCDF9DAD347B}" dt="2024-09-17T13:31:14.285" v="958" actId="26606"/>
+          <ac:spMkLst>
+            <pc:docMk/>
+            <pc:sldMk cId="2231014413" sldId="262"/>
+            <ac:spMk id="15" creationId="{063BBA22-50EA-4C4D-BE05-F1CE4E63AA56}"/>
+          </ac:spMkLst>
+        </pc:spChg>
+        <pc:spChg chg="add del">
+          <ac:chgData name="Souto, LA (Luis)" userId="6293e4ac-383c-4cd2-a14b-39b4aa20a10f" providerId="ADAL" clId="{F1320959-C026-4817-A7A9-DCDF9DAD347B}" dt="2024-09-17T13:31:22.754" v="962" actId="26606"/>
+          <ac:spMkLst>
+            <pc:docMk/>
+            <pc:sldMk cId="2231014413" sldId="262"/>
+            <ac:spMk id="16" creationId="{D2B78728-A580-49A7-84F9-6EF6F583ADE0}"/>
+          </ac:spMkLst>
+        </pc:spChg>
+        <pc:spChg chg="add del">
+          <ac:chgData name="Souto, LA (Luis)" userId="6293e4ac-383c-4cd2-a14b-39b4aa20a10f" providerId="ADAL" clId="{F1320959-C026-4817-A7A9-DCDF9DAD347B}" dt="2024-09-17T13:31:17.464" v="960" actId="26606"/>
+          <ac:spMkLst>
+            <pc:docMk/>
+            <pc:sldMk cId="2231014413" sldId="262"/>
+            <ac:spMk id="17" creationId="{43F8A58B-5155-44CE-A5FF-7647B47D0A7A}"/>
+          </ac:spMkLst>
+        </pc:spChg>
+        <pc:spChg chg="add del">
+          <ac:chgData name="Souto, LA (Luis)" userId="6293e4ac-383c-4cd2-a14b-39b4aa20a10f" providerId="ADAL" clId="{F1320959-C026-4817-A7A9-DCDF9DAD347B}" dt="2024-09-17T13:31:17.464" v="960" actId="26606"/>
+          <ac:spMkLst>
+            <pc:docMk/>
+            <pc:sldMk cId="2231014413" sldId="262"/>
+            <ac:spMk id="18" creationId="{BACC6370-2D7E-4714-9D71-7542949D7D5D}"/>
+          </ac:spMkLst>
+        </pc:spChg>
+        <pc:spChg chg="add del">
+          <ac:chgData name="Souto, LA (Luis)" userId="6293e4ac-383c-4cd2-a14b-39b4aa20a10f" providerId="ADAL" clId="{F1320959-C026-4817-A7A9-DCDF9DAD347B}" dt="2024-09-17T13:31:17.464" v="960" actId="26606"/>
+          <ac:spMkLst>
+            <pc:docMk/>
+            <pc:sldMk cId="2231014413" sldId="262"/>
+            <ac:spMk id="19" creationId="{443F2ACA-E6D6-4028-82DD-F03C262D5DE6}"/>
+          </ac:spMkLst>
+        </pc:spChg>
+        <pc:spChg chg="add del">
+          <ac:chgData name="Souto, LA (Luis)" userId="6293e4ac-383c-4cd2-a14b-39b4aa20a10f" providerId="ADAL" clId="{F1320959-C026-4817-A7A9-DCDF9DAD347B}" dt="2024-09-17T13:31:17.464" v="960" actId="26606"/>
+          <ac:spMkLst>
+            <pc:docMk/>
+            <pc:sldMk cId="2231014413" sldId="262"/>
+            <ac:spMk id="20" creationId="{256B2C21-A230-48C0-8DF1-C46611373C44}"/>
+          </ac:spMkLst>
+        </pc:spChg>
+        <pc:spChg chg="add del">
+          <ac:chgData name="Souto, LA (Luis)" userId="6293e4ac-383c-4cd2-a14b-39b4aa20a10f" providerId="ADAL" clId="{F1320959-C026-4817-A7A9-DCDF9DAD347B}" dt="2024-09-17T13:31:17.464" v="960" actId="26606"/>
+          <ac:spMkLst>
+            <pc:docMk/>
+            <pc:sldMk cId="2231014413" sldId="262"/>
+            <ac:spMk id="21" creationId="{3847E18C-932D-4C95-AABA-FEC7C9499AD7}"/>
+          </ac:spMkLst>
+        </pc:spChg>
+        <pc:spChg chg="add del">
+          <ac:chgData name="Souto, LA (Luis)" userId="6293e4ac-383c-4cd2-a14b-39b4aa20a10f" providerId="ADAL" clId="{F1320959-C026-4817-A7A9-DCDF9DAD347B}" dt="2024-09-17T13:31:17.464" v="960" actId="26606"/>
+          <ac:spMkLst>
+            <pc:docMk/>
+            <pc:sldMk cId="2231014413" sldId="262"/>
+            <ac:spMk id="22" creationId="{3150CB11-0C61-439E-910F-5787759E72A0}"/>
+          </ac:spMkLst>
+        </pc:spChg>
+        <pc:spChg chg="add del">
+          <ac:chgData name="Souto, LA (Luis)" userId="6293e4ac-383c-4cd2-a14b-39b4aa20a10f" providerId="ADAL" clId="{F1320959-C026-4817-A7A9-DCDF9DAD347B}" dt="2024-09-17T13:31:22.754" v="962" actId="26606"/>
+          <ac:spMkLst>
+            <pc:docMk/>
+            <pc:sldMk cId="2231014413" sldId="262"/>
+            <ac:spMk id="25" creationId="{38FAA1A1-D861-433F-88FA-1E9D6FD31D11}"/>
+          </ac:spMkLst>
+        </pc:spChg>
+        <pc:spChg chg="add del">
+          <ac:chgData name="Souto, LA (Luis)" userId="6293e4ac-383c-4cd2-a14b-39b4aa20a10f" providerId="ADAL" clId="{F1320959-C026-4817-A7A9-DCDF9DAD347B}" dt="2024-09-17T13:31:22.754" v="962" actId="26606"/>
+          <ac:spMkLst>
+            <pc:docMk/>
+            <pc:sldMk cId="2231014413" sldId="262"/>
+            <ac:spMk id="26" creationId="{8D71EDA1-87BF-4D5D-AB79-F346FD19278A}"/>
+          </ac:spMkLst>
+        </pc:spChg>
+        <pc:spChg chg="add del">
+          <ac:chgData name="Souto, LA (Luis)" userId="6293e4ac-383c-4cd2-a14b-39b4aa20a10f" providerId="ADAL" clId="{F1320959-C026-4817-A7A9-DCDF9DAD347B}" dt="2024-09-17T13:31:22.754" v="962" actId="26606"/>
+          <ac:spMkLst>
+            <pc:docMk/>
+            <pc:sldMk cId="2231014413" sldId="262"/>
+            <ac:spMk id="27" creationId="{F311C744-8B37-C1F3-9C6F-199A326778EC}"/>
+          </ac:spMkLst>
+        </pc:spChg>
+        <pc:spChg chg="add">
+          <ac:chgData name="Souto, LA (Luis)" userId="6293e4ac-383c-4cd2-a14b-39b4aa20a10f" providerId="ADAL" clId="{F1320959-C026-4817-A7A9-DCDF9DAD347B}" dt="2024-09-17T13:31:22.761" v="963" actId="26606"/>
+          <ac:spMkLst>
+            <pc:docMk/>
+            <pc:sldMk cId="2231014413" sldId="262"/>
+            <ac:spMk id="29" creationId="{979E27D9-03C7-44E2-9FF8-15D0C8506AF7}"/>
+          </ac:spMkLst>
+        </pc:spChg>
+        <pc:spChg chg="add">
+          <ac:chgData name="Souto, LA (Luis)" userId="6293e4ac-383c-4cd2-a14b-39b4aa20a10f" providerId="ADAL" clId="{F1320959-C026-4817-A7A9-DCDF9DAD347B}" dt="2024-09-17T13:31:22.761" v="963" actId="26606"/>
+          <ac:spMkLst>
+            <pc:docMk/>
+            <pc:sldMk cId="2231014413" sldId="262"/>
+            <ac:spMk id="30" creationId="{F311C744-8B37-C1F3-9C6F-199A326778EC}"/>
+          </ac:spMkLst>
+        </pc:spChg>
+        <pc:spChg chg="add">
+          <ac:chgData name="Souto, LA (Luis)" userId="6293e4ac-383c-4cd2-a14b-39b4aa20a10f" providerId="ADAL" clId="{F1320959-C026-4817-A7A9-DCDF9DAD347B}" dt="2024-09-17T13:31:22.761" v="963" actId="26606"/>
+          <ac:spMkLst>
+            <pc:docMk/>
+            <pc:sldMk cId="2231014413" sldId="262"/>
+            <ac:spMk id="31" creationId="{EEBF1590-3B36-48EE-A89D-3B6F3CB256AB}"/>
+          </ac:spMkLst>
+        </pc:spChg>
+        <pc:spChg chg="add">
+          <ac:chgData name="Souto, LA (Luis)" userId="6293e4ac-383c-4cd2-a14b-39b4aa20a10f" providerId="ADAL" clId="{F1320959-C026-4817-A7A9-DCDF9DAD347B}" dt="2024-09-17T13:31:22.761" v="963" actId="26606"/>
+          <ac:spMkLst>
+            <pc:docMk/>
+            <pc:sldMk cId="2231014413" sldId="262"/>
+            <ac:spMk id="32" creationId="{AC8F6C8C-AB5A-4548-942D-E3FD40ACBC49}"/>
+          </ac:spMkLst>
+        </pc:spChg>
+        <pc:graphicFrameChg chg="add del">
+          <ac:chgData name="Souto, LA (Luis)" userId="6293e4ac-383c-4cd2-a14b-39b4aa20a10f" providerId="ADAL" clId="{F1320959-C026-4817-A7A9-DCDF9DAD347B}" dt="2024-09-17T13:31:14.285" v="958" actId="26606"/>
+          <ac:graphicFrameMkLst>
+            <pc:docMk/>
+            <pc:sldMk cId="2231014413" sldId="262"/>
+            <ac:graphicFrameMk id="7" creationId="{4D25FC9D-1CBA-3227-AFB7-854E113BC2AB}"/>
+          </ac:graphicFrameMkLst>
+        </pc:graphicFrameChg>
+        <pc:graphicFrameChg chg="add del">
+          <ac:chgData name="Souto, LA (Luis)" userId="6293e4ac-383c-4cd2-a14b-39b4aa20a10f" providerId="ADAL" clId="{F1320959-C026-4817-A7A9-DCDF9DAD347B}" dt="2024-09-17T13:31:17.464" v="960" actId="26606"/>
+          <ac:graphicFrameMkLst>
+            <pc:docMk/>
+            <pc:sldMk cId="2231014413" sldId="262"/>
+            <ac:graphicFrameMk id="23" creationId="{5037DC2A-2DC6-D24B-BC3A-0C6F0AC03351}"/>
+          </ac:graphicFrameMkLst>
+        </pc:graphicFrameChg>
+      </pc:sldChg>
+      <pc:sldChg chg="addSp delSp modSp add mod">
+        <pc:chgData name="Souto, LA (Luis)" userId="6293e4ac-383c-4cd2-a14b-39b4aa20a10f" providerId="ADAL" clId="{F1320959-C026-4817-A7A9-DCDF9DAD347B}" dt="2024-09-17T13:39:49.254" v="1068" actId="1076"/>
+        <pc:sldMkLst>
+          <pc:docMk/>
+          <pc:sldMk cId="1213797943" sldId="263"/>
+        </pc:sldMkLst>
+        <pc:spChg chg="mod">
+          <ac:chgData name="Souto, LA (Luis)" userId="6293e4ac-383c-4cd2-a14b-39b4aa20a10f" providerId="ADAL" clId="{F1320959-C026-4817-A7A9-DCDF9DAD347B}" dt="2024-09-17T13:38:38.595" v="1058"/>
+          <ac:spMkLst>
+            <pc:docMk/>
+            <pc:sldMk cId="1213797943" sldId="263"/>
+            <ac:spMk id="2" creationId="{BA2A60FF-5871-64A5-ABEB-6CC8D3D8BC61}"/>
+          </ac:spMkLst>
+        </pc:spChg>
+        <pc:spChg chg="mod">
+          <ac:chgData name="Souto, LA (Luis)" userId="6293e4ac-383c-4cd2-a14b-39b4aa20a10f" providerId="ADAL" clId="{F1320959-C026-4817-A7A9-DCDF9DAD347B}" dt="2024-09-17T13:39:45.288" v="1067" actId="14100"/>
+          <ac:spMkLst>
+            <pc:docMk/>
+            <pc:sldMk cId="1213797943" sldId="263"/>
+            <ac:spMk id="3" creationId="{14A4DC80-4868-5885-71EB-B6553F1DF86C}"/>
+          </ac:spMkLst>
+        </pc:spChg>
+        <pc:picChg chg="del">
+          <ac:chgData name="Souto, LA (Luis)" userId="6293e4ac-383c-4cd2-a14b-39b4aa20a10f" providerId="ADAL" clId="{F1320959-C026-4817-A7A9-DCDF9DAD347B}" dt="2024-09-17T13:38:50.587" v="1060" actId="478"/>
+          <ac:picMkLst>
+            <pc:docMk/>
+            <pc:sldMk cId="1213797943" sldId="263"/>
+            <ac:picMk id="4" creationId="{20383942-E7EC-812B-FC44-E108E7F8A033}"/>
+          </ac:picMkLst>
+        </pc:picChg>
+        <pc:picChg chg="add mod">
+          <ac:chgData name="Souto, LA (Luis)" userId="6293e4ac-383c-4cd2-a14b-39b4aa20a10f" providerId="ADAL" clId="{F1320959-C026-4817-A7A9-DCDF9DAD347B}" dt="2024-09-17T13:39:49.254" v="1068" actId="1076"/>
+          <ac:picMkLst>
+            <pc:docMk/>
+            <pc:sldMk cId="1213797943" sldId="263"/>
+            <ac:picMk id="5" creationId="{9AE0513E-7834-E42E-C784-C232A68DD92F}"/>
+          </ac:picMkLst>
+        </pc:picChg>
+      </pc:sldChg>
+      <pc:sldChg chg="addSp delSp modSp add mod">
+        <pc:chgData name="Souto, LA (Luis)" userId="6293e4ac-383c-4cd2-a14b-39b4aa20a10f" providerId="ADAL" clId="{F1320959-C026-4817-A7A9-DCDF9DAD347B}" dt="2024-09-17T13:40:34.279" v="1073" actId="1076"/>
+        <pc:sldMkLst>
+          <pc:docMk/>
+          <pc:sldMk cId="2447242993" sldId="264"/>
+        </pc:sldMkLst>
+        <pc:spChg chg="mod">
+          <ac:chgData name="Souto, LA (Luis)" userId="6293e4ac-383c-4cd2-a14b-39b4aa20a10f" providerId="ADAL" clId="{F1320959-C026-4817-A7A9-DCDF9DAD347B}" dt="2024-09-17T13:39:36.045" v="1066" actId="14100"/>
+          <ac:spMkLst>
+            <pc:docMk/>
+            <pc:sldMk cId="2447242993" sldId="264"/>
+            <ac:spMk id="2" creationId="{BA2A60FF-5871-64A5-ABEB-6CC8D3D8BC61}"/>
+          </ac:spMkLst>
+        </pc:spChg>
+        <pc:spChg chg="mod">
+          <ac:chgData name="Souto, LA (Luis)" userId="6293e4ac-383c-4cd2-a14b-39b4aa20a10f" providerId="ADAL" clId="{F1320959-C026-4817-A7A9-DCDF9DAD347B}" dt="2024-09-17T13:40:14.147" v="1070" actId="14100"/>
+          <ac:spMkLst>
+            <pc:docMk/>
+            <pc:sldMk cId="2447242993" sldId="264"/>
+            <ac:spMk id="3" creationId="{14A4DC80-4868-5885-71EB-B6553F1DF86C}"/>
+          </ac:spMkLst>
+        </pc:spChg>
+        <pc:picChg chg="add mod">
+          <ac:chgData name="Souto, LA (Luis)" userId="6293e4ac-383c-4cd2-a14b-39b4aa20a10f" providerId="ADAL" clId="{F1320959-C026-4817-A7A9-DCDF9DAD347B}" dt="2024-09-17T13:40:34.279" v="1073" actId="1076"/>
+          <ac:picMkLst>
+            <pc:docMk/>
+            <pc:sldMk cId="2447242993" sldId="264"/>
+            <ac:picMk id="4" creationId="{9B2BE1D9-3E16-9725-954E-B5335EAFF9E2}"/>
+          </ac:picMkLst>
+        </pc:picChg>
+        <pc:picChg chg="del">
+          <ac:chgData name="Souto, LA (Luis)" userId="6293e4ac-383c-4cd2-a14b-39b4aa20a10f" providerId="ADAL" clId="{F1320959-C026-4817-A7A9-DCDF9DAD347B}" dt="2024-09-17T13:40:25.827" v="1071" actId="478"/>
+          <ac:picMkLst>
+            <pc:docMk/>
+            <pc:sldMk cId="2447242993" sldId="264"/>
+            <ac:picMk id="5" creationId="{9AE0513E-7834-E42E-C784-C232A68DD92F}"/>
           </ac:picMkLst>
         </pc:picChg>
       </pc:sldChg>
@@ -3602,6 +4184,14 @@
 <file path=ppt/slides/slide2.xml><?xml version="1.0" encoding="utf-8"?>
 <p:sld xmlns:a="http://schemas.openxmlformats.org/drawingml/2006/main" xmlns:r="http://schemas.openxmlformats.org/officeDocument/2006/relationships" xmlns:p="http://schemas.openxmlformats.org/presentationml/2006/main">
   <p:cSld>
+    <p:bg>
+      <p:bgPr>
+        <a:solidFill>
+          <a:schemeClr val="bg1"/>
+        </a:solidFill>
+        <a:effectLst/>
+      </p:bgPr>
+    </p:bg>
     <p:spTree>
       <p:nvGrpSpPr>
         <p:cNvPr id="1" name=""/>
@@ -3686,7 +4276,7 @@
     </p:extLst>
   </p:cSld>
   <p:clrMapOvr>
-    <a:masterClrMapping/>
+    <a:overrideClrMapping bg1="lt1" tx1="dk1" bg2="lt2" tx2="dk2" accent1="accent1" accent2="accent2" accent3="accent3" accent4="accent4" accent5="accent5" accent6="accent6" hlink="hlink" folHlink="folHlink"/>
   </p:clrMapOvr>
 </p:sld>
 </file>
@@ -3694,6 +4284,14 @@
 <file path=ppt/slides/slide3.xml><?xml version="1.0" encoding="utf-8"?>
 <p:sld xmlns:a="http://schemas.openxmlformats.org/drawingml/2006/main" xmlns:r="http://schemas.openxmlformats.org/officeDocument/2006/relationships" xmlns:p="http://schemas.openxmlformats.org/presentationml/2006/main">
   <p:cSld>
+    <p:bg>
+      <p:bgPr>
+        <a:solidFill>
+          <a:schemeClr val="bg1"/>
+        </a:solidFill>
+        <a:effectLst/>
+      </p:bgPr>
+    </p:bg>
     <p:spTree>
       <p:nvGrpSpPr>
         <p:cNvPr id="1" name=""/>
@@ -3708,6 +4306,82 @@
           <a:chExt cx="0" cy="0"/>
         </a:xfrm>
       </p:grpSpPr>
+      <p:sp useBgFill="1">
+        <p:nvSpPr>
+          <p:cNvPr id="22" name="Rectangle 21">
+            <a:extLst>
+              <a:ext uri="{FF2B5EF4-FFF2-40B4-BE49-F238E27FC236}">
+                <a16:creationId xmlns:a16="http://schemas.microsoft.com/office/drawing/2014/main" id="{B712E947-0734-45F9-9C4F-41114EC3A33E}"/>
+              </a:ext>
+              <a:ext uri="{C183D7F6-B498-43B3-948B-1728B52AA6E4}">
+                <adec:decorative xmlns:adec="http://schemas.microsoft.com/office/drawing/2017/decorative" val="1"/>
+              </a:ext>
+            </a:extLst>
+          </p:cNvPr>
+          <p:cNvSpPr>
+            <a:spLocks noGrp="1" noRot="1" noChangeAspect="1" noMove="1" noResize="1" noEditPoints="1" noAdjustHandles="1" noChangeArrowheads="1" noChangeShapeType="1" noTextEdit="1"/>
+          </p:cNvSpPr>
+          <p:nvPr>
+            <p:extLst>
+              <p:ext uri="{386F3935-93C4-4BCD-93E2-E3B085C9AB24}">
+                <p16:designElem xmlns:p16="http://schemas.microsoft.com/office/powerpoint/2015/main" val="1"/>
+              </p:ext>
+            </p:extLst>
+          </p:nvPr>
+        </p:nvSpPr>
+        <p:spPr>
+          <a:xfrm>
+            <a:off x="0" y="0"/>
+            <a:ext cx="12192000" cy="6858000"/>
+          </a:xfrm>
+          <a:prstGeom prst="rect">
+            <a:avLst/>
+          </a:prstGeom>
+          <a:ln w="12700" cap="flat" cmpd="sng" algn="ctr">
+            <a:noFill/>
+            <a:prstDash val="solid"/>
+            <a:miter lim="800000"/>
+          </a:ln>
+          <a:effectLst/>
+          <a:extLst>
+            <a:ext uri="{91240B29-F687-4F45-9708-019B960494DF}">
+              <a14:hiddenLine xmlns:a14="http://schemas.microsoft.com/office/drawing/2010/main" w="12700" cap="flat" cmpd="sng" algn="ctr">
+                <a:solidFill>
+                  <a:schemeClr val="accent1">
+                    <a:shade val="50000"/>
+                  </a:schemeClr>
+                </a:solidFill>
+                <a:prstDash val="solid"/>
+                <a:miter lim="800000"/>
+              </a14:hiddenLine>
+            </a:ext>
+          </a:extLst>
+        </p:spPr>
+        <p:style>
+          <a:lnRef idx="2">
+            <a:schemeClr val="accent1">
+              <a:shade val="50000"/>
+            </a:schemeClr>
+          </a:lnRef>
+          <a:fillRef idx="1">
+            <a:schemeClr val="accent1"/>
+          </a:fillRef>
+          <a:effectRef idx="0">
+            <a:schemeClr val="accent1"/>
+          </a:effectRef>
+          <a:fontRef idx="minor">
+            <a:schemeClr val="lt1"/>
+          </a:fontRef>
+        </p:style>
+        <p:txBody>
+          <a:bodyPr rtlCol="0" anchor="ctr"/>
+          <a:lstStyle/>
+          <a:p>
+            <a:pPr algn="ctr"/>
+            <a:endParaRPr lang="en-US"/>
+          </a:p>
+        </p:txBody>
+      </p:sp>
       <p:sp>
         <p:nvSpPr>
           <p:cNvPr id="2" name="Title 1">
@@ -3724,16 +4398,23 @@
             <p:ph type="title"/>
           </p:nvPr>
         </p:nvSpPr>
-        <p:spPr/>
-        <p:txBody>
-          <a:bodyPr/>
-          <a:lstStyle/>
-          <a:p>
-            <a:r>
-              <a:rPr lang="en-GB"/>
+        <p:spPr>
+          <a:xfrm>
+            <a:off x="1136396" y="457201"/>
+            <a:ext cx="5814240" cy="1556870"/>
+          </a:xfrm>
+        </p:spPr>
+        <p:txBody>
+          <a:bodyPr anchor="b">
+            <a:normAutofit/>
+          </a:bodyPr>
+          <a:lstStyle/>
+          <a:p>
+            <a:r>
+              <a:rPr lang="en-GB" sz="4000" dirty="0"/>
               <a:t>File-scoped namespaces</a:t>
             </a:r>
-            <a:endParaRPr lang="en-NL"/>
+            <a:endParaRPr lang="en-NL" sz="4000" dirty="0"/>
           </a:p>
         </p:txBody>
       </p:sp>
@@ -3753,12 +4434,306 @@
             <p:ph idx="1"/>
           </p:nvPr>
         </p:nvSpPr>
-        <p:spPr/>
-        <p:txBody>
-          <a:bodyPr/>
-          <a:lstStyle/>
-          <a:p>
-            <a:endParaRPr lang="en-NL"/>
+        <p:spPr>
+          <a:xfrm>
+            <a:off x="1136396" y="2277036"/>
+            <a:ext cx="5814239" cy="3461155"/>
+          </a:xfrm>
+        </p:spPr>
+        <p:txBody>
+          <a:bodyPr>
+            <a:normAutofit/>
+          </a:bodyPr>
+          <a:lstStyle/>
+          <a:p>
+            <a:pPr marL="0" indent="0">
+              <a:buNone/>
+            </a:pPr>
+            <a:r>
+              <a:rPr lang="en-GB" sz="2000" dirty="0"/>
+              <a:t>If we only define one namespace inside a .cs file (which is what we always do) we can use file-scope namespaces to reduce indentation.</a:t>
+            </a:r>
+            <a:endParaRPr lang="en-NL" sz="2000" dirty="0"/>
+          </a:p>
+        </p:txBody>
+      </p:sp>
+      <p:pic>
+        <p:nvPicPr>
+          <p:cNvPr id="5" name="Picture 4">
+            <a:extLst>
+              <a:ext uri="{FF2B5EF4-FFF2-40B4-BE49-F238E27FC236}">
+                <a16:creationId xmlns:a16="http://schemas.microsoft.com/office/drawing/2014/main" id="{6F9048FC-A996-9113-213F-FEEA9CE75FFD}"/>
+              </a:ext>
+            </a:extLst>
+          </p:cNvPr>
+          <p:cNvPicPr>
+            <a:picLocks noChangeAspect="1"/>
+          </p:cNvPicPr>
+          <p:nvPr/>
+        </p:nvPicPr>
+        <p:blipFill>
+          <a:blip r:embed="rId2"/>
+          <a:stretch>
+            <a:fillRect/>
+          </a:stretch>
+        </p:blipFill>
+        <p:spPr>
+          <a:xfrm>
+            <a:off x="7679766" y="1261335"/>
+            <a:ext cx="3712869" cy="1286212"/>
+          </a:xfrm>
+          <a:prstGeom prst="rect">
+            <a:avLst/>
+          </a:prstGeom>
+        </p:spPr>
+      </p:pic>
+      <p:pic>
+        <p:nvPicPr>
+          <p:cNvPr id="7" name="Picture 6">
+            <a:extLst>
+              <a:ext uri="{FF2B5EF4-FFF2-40B4-BE49-F238E27FC236}">
+                <a16:creationId xmlns:a16="http://schemas.microsoft.com/office/drawing/2014/main" id="{3FDBA376-1C14-F0DC-4551-7647120274CB}"/>
+              </a:ext>
+            </a:extLst>
+          </p:cNvPr>
+          <p:cNvPicPr>
+            <a:picLocks noChangeAspect="1"/>
+          </p:cNvPicPr>
+          <p:nvPr/>
+        </p:nvPicPr>
+        <p:blipFill>
+          <a:blip r:embed="rId3"/>
+          <a:stretch>
+            <a:fillRect/>
+          </a:stretch>
+        </p:blipFill>
+        <p:spPr>
+          <a:xfrm>
+            <a:off x="7665410" y="3815827"/>
+            <a:ext cx="3712869" cy="1363256"/>
+          </a:xfrm>
+          <a:prstGeom prst="rect">
+            <a:avLst/>
+          </a:prstGeom>
+        </p:spPr>
+      </p:pic>
+      <p:sp>
+        <p:nvSpPr>
+          <p:cNvPr id="23" name="Rectangle 22">
+            <a:extLst>
+              <a:ext uri="{FF2B5EF4-FFF2-40B4-BE49-F238E27FC236}">
+                <a16:creationId xmlns:a16="http://schemas.microsoft.com/office/drawing/2014/main" id="{5A65989E-BBD5-44D7-AA86-7AFD5D46BBC0}"/>
+              </a:ext>
+              <a:ext uri="{C183D7F6-B498-43B3-948B-1728B52AA6E4}">
+                <adec:decorative xmlns:adec="http://schemas.microsoft.com/office/drawing/2017/decorative" val="1"/>
+              </a:ext>
+            </a:extLst>
+          </p:cNvPr>
+          <p:cNvSpPr>
+            <a:spLocks noGrp="1" noRot="1" noChangeAspect="1" noMove="1" noResize="1" noEditPoints="1" noAdjustHandles="1" noChangeArrowheads="1" noChangeShapeType="1" noTextEdit="1"/>
+          </p:cNvSpPr>
+          <p:nvPr>
+            <p:extLst>
+              <p:ext uri="{386F3935-93C4-4BCD-93E2-E3B085C9AB24}">
+                <p16:designElem xmlns:p16="http://schemas.microsoft.com/office/powerpoint/2015/main" val="1"/>
+              </p:ext>
+            </p:extLst>
+          </p:nvPr>
+        </p:nvSpPr>
+        <p:spPr>
+          <a:xfrm rot="10800000" flipH="1">
+            <a:off x="0" y="6400799"/>
+            <a:ext cx="12192000" cy="456773"/>
+          </a:xfrm>
+          <a:prstGeom prst="rect">
+            <a:avLst/>
+          </a:prstGeom>
+          <a:gradFill>
+            <a:gsLst>
+              <a:gs pos="0">
+                <a:schemeClr val="accent1"/>
+              </a:gs>
+              <a:gs pos="66000">
+                <a:srgbClr val="000000"/>
+              </a:gs>
+            </a:gsLst>
+            <a:lin ang="10200000" scaled="0"/>
+          </a:gradFill>
+          <a:ln>
+            <a:noFill/>
+          </a:ln>
+        </p:spPr>
+        <p:style>
+          <a:lnRef idx="2">
+            <a:schemeClr val="accent1">
+              <a:shade val="50000"/>
+            </a:schemeClr>
+          </a:lnRef>
+          <a:fillRef idx="1">
+            <a:schemeClr val="accent1"/>
+          </a:fillRef>
+          <a:effectRef idx="0">
+            <a:schemeClr val="accent1"/>
+          </a:effectRef>
+          <a:fontRef idx="minor">
+            <a:schemeClr val="lt1"/>
+          </a:fontRef>
+        </p:style>
+        <p:txBody>
+          <a:bodyPr rtlCol="0" anchor="ctr"/>
+          <a:lstStyle/>
+          <a:p>
+            <a:pPr algn="ctr"/>
+            <a:endParaRPr lang="en-US"/>
+          </a:p>
+        </p:txBody>
+      </p:sp>
+      <p:sp>
+        <p:nvSpPr>
+          <p:cNvPr id="24" name="Rectangle 23">
+            <a:extLst>
+              <a:ext uri="{FF2B5EF4-FFF2-40B4-BE49-F238E27FC236}">
+                <a16:creationId xmlns:a16="http://schemas.microsoft.com/office/drawing/2014/main" id="{231A2881-D8D7-4A7D-ACA3-E9F849F853D8}"/>
+              </a:ext>
+              <a:ext uri="{C183D7F6-B498-43B3-948B-1728B52AA6E4}">
+                <adec:decorative xmlns:adec="http://schemas.microsoft.com/office/drawing/2017/decorative" val="1"/>
+              </a:ext>
+            </a:extLst>
+          </p:cNvPr>
+          <p:cNvSpPr>
+            <a:spLocks noGrp="1" noRot="1" noChangeAspect="1" noMove="1" noResize="1" noEditPoints="1" noAdjustHandles="1" noChangeArrowheads="1" noChangeShapeType="1" noTextEdit="1"/>
+          </p:cNvSpPr>
+          <p:nvPr>
+            <p:extLst>
+              <p:ext uri="{386F3935-93C4-4BCD-93E2-E3B085C9AB24}">
+                <p16:designElem xmlns:p16="http://schemas.microsoft.com/office/powerpoint/2015/main" val="1"/>
+              </p:ext>
+            </p:extLst>
+          </p:nvPr>
+        </p:nvSpPr>
+        <p:spPr>
+          <a:xfrm flipH="1">
+            <a:off x="1" y="6400800"/>
+            <a:ext cx="8153398" cy="456772"/>
+          </a:xfrm>
+          <a:prstGeom prst="rect">
+            <a:avLst/>
+          </a:prstGeom>
+          <a:gradFill>
+            <a:gsLst>
+              <a:gs pos="0">
+                <a:srgbClr val="000000">
+                  <a:alpha val="63000"/>
+                </a:srgbClr>
+              </a:gs>
+              <a:gs pos="100000">
+                <a:schemeClr val="accent1">
+                  <a:lumMod val="75000"/>
+                </a:schemeClr>
+              </a:gs>
+            </a:gsLst>
+            <a:lin ang="17400000" scaled="0"/>
+          </a:gradFill>
+          <a:ln>
+            <a:noFill/>
+          </a:ln>
+        </p:spPr>
+        <p:style>
+          <a:lnRef idx="2">
+            <a:schemeClr val="accent1">
+              <a:shade val="50000"/>
+            </a:schemeClr>
+          </a:lnRef>
+          <a:fillRef idx="1">
+            <a:schemeClr val="accent1"/>
+          </a:fillRef>
+          <a:effectRef idx="0">
+            <a:schemeClr val="accent1"/>
+          </a:effectRef>
+          <a:fontRef idx="minor">
+            <a:schemeClr val="lt1"/>
+          </a:fontRef>
+        </p:style>
+        <p:txBody>
+          <a:bodyPr rtlCol="0" anchor="ctr"/>
+          <a:lstStyle/>
+          <a:p>
+            <a:pPr algn="ctr"/>
+            <a:endParaRPr lang="en-US"/>
+          </a:p>
+        </p:txBody>
+      </p:sp>
+      <p:sp>
+        <p:nvSpPr>
+          <p:cNvPr id="10" name="TextBox 9">
+            <a:extLst>
+              <a:ext uri="{FF2B5EF4-FFF2-40B4-BE49-F238E27FC236}">
+                <a16:creationId xmlns:a16="http://schemas.microsoft.com/office/drawing/2014/main" id="{F900671C-A125-787B-4DA4-0DACECBB88C8}"/>
+              </a:ext>
+            </a:extLst>
+          </p:cNvPr>
+          <p:cNvSpPr txBox="1"/>
+          <p:nvPr/>
+        </p:nvSpPr>
+        <p:spPr>
+          <a:xfrm>
+            <a:off x="8842432" y="3430693"/>
+            <a:ext cx="1457771" cy="369332"/>
+          </a:xfrm>
+          <a:prstGeom prst="rect">
+            <a:avLst/>
+          </a:prstGeom>
+          <a:noFill/>
+        </p:spPr>
+        <p:txBody>
+          <a:bodyPr wrap="none" rtlCol="0">
+            <a:spAutoFit/>
+          </a:bodyPr>
+          <a:lstStyle/>
+          <a:p>
+            <a:pPr algn="ctr"/>
+            <a:r>
+              <a:rPr lang="en-GB" dirty="0"/>
+              <a:t>Before C# 10</a:t>
+            </a:r>
+            <a:endParaRPr lang="en-NL" dirty="0"/>
+          </a:p>
+        </p:txBody>
+      </p:sp>
+      <p:sp>
+        <p:nvSpPr>
+          <p:cNvPr id="11" name="TextBox 10">
+            <a:extLst>
+              <a:ext uri="{FF2B5EF4-FFF2-40B4-BE49-F238E27FC236}">
+                <a16:creationId xmlns:a16="http://schemas.microsoft.com/office/drawing/2014/main" id="{508A1D37-608A-B8BE-C96C-5FF9A24C31BC}"/>
+              </a:ext>
+            </a:extLst>
+          </p:cNvPr>
+          <p:cNvSpPr txBox="1"/>
+          <p:nvPr/>
+        </p:nvSpPr>
+        <p:spPr>
+          <a:xfrm>
+            <a:off x="8816193" y="866304"/>
+            <a:ext cx="1411301" cy="369332"/>
+          </a:xfrm>
+          <a:prstGeom prst="rect">
+            <a:avLst/>
+          </a:prstGeom>
+          <a:noFill/>
+        </p:spPr>
+        <p:txBody>
+          <a:bodyPr wrap="square" rtlCol="0">
+            <a:spAutoFit/>
+          </a:bodyPr>
+          <a:lstStyle/>
+          <a:p>
+            <a:pPr algn="ctr"/>
+            <a:r>
+              <a:rPr lang="en-GB" dirty="0"/>
+              <a:t>Since C# 10</a:t>
+            </a:r>
+            <a:endParaRPr lang="en-NL" dirty="0"/>
           </a:p>
         </p:txBody>
       </p:sp>
@@ -3778,6 +4753,14 @@
 <file path=ppt/slides/slide4.xml><?xml version="1.0" encoding="utf-8"?>
 <p:sld xmlns:a="http://schemas.openxmlformats.org/drawingml/2006/main" xmlns:r="http://schemas.openxmlformats.org/officeDocument/2006/relationships" xmlns:p="http://schemas.openxmlformats.org/presentationml/2006/main">
   <p:cSld>
+    <p:bg>
+      <p:bgPr>
+        <a:solidFill>
+          <a:schemeClr val="bg1"/>
+        </a:solidFill>
+        <a:effectLst/>
+      </p:bgPr>
+    </p:bg>
     <p:spTree>
       <p:nvGrpSpPr>
         <p:cNvPr id="1" name=""/>
@@ -3792,120 +4775,349 @@
           <a:chExt cx="0" cy="0"/>
         </a:xfrm>
       </p:grpSpPr>
-      <p:sp>
-        <p:nvSpPr>
-          <p:cNvPr id="2" name="Title 1">
-            <a:extLst>
-              <a:ext uri="{FF2B5EF4-FFF2-40B4-BE49-F238E27FC236}">
-                <a16:creationId xmlns:a16="http://schemas.microsoft.com/office/drawing/2014/main" id="{BA2A60FF-5871-64A5-ABEB-6CC8D3D8BC61}"/>
-              </a:ext>
-            </a:extLst>
-          </p:cNvPr>
-          <p:cNvSpPr>
-            <a:spLocks noGrp="1"/>
-          </p:cNvSpPr>
-          <p:nvPr>
-            <p:ph type="title"/>
-          </p:nvPr>
-        </p:nvSpPr>
-        <p:spPr/>
-        <p:txBody>
-          <a:bodyPr/>
-          <a:lstStyle/>
-          <a:p>
-            <a:r>
-              <a:rPr lang="en-GB" dirty="0"/>
-              <a:t>var vs new()</a:t>
-            </a:r>
-            <a:endParaRPr lang="en-NL" dirty="0"/>
-          </a:p>
-        </p:txBody>
-      </p:sp>
-      <p:sp>
-        <p:nvSpPr>
-          <p:cNvPr id="3" name="Content Placeholder 2">
-            <a:extLst>
-              <a:ext uri="{FF2B5EF4-FFF2-40B4-BE49-F238E27FC236}">
-                <a16:creationId xmlns:a16="http://schemas.microsoft.com/office/drawing/2014/main" id="{14A4DC80-4868-5885-71EB-B6553F1DF86C}"/>
-              </a:ext>
-            </a:extLst>
-          </p:cNvPr>
-          <p:cNvSpPr>
-            <a:spLocks noGrp="1"/>
-          </p:cNvSpPr>
-          <p:nvPr>
-            <p:ph idx="1"/>
+      <p:sp useBgFill="1">
+        <p:nvSpPr>
+          <p:cNvPr id="29" name="Rectangle 28">
+            <a:extLst>
+              <a:ext uri="{FF2B5EF4-FFF2-40B4-BE49-F238E27FC236}">
+                <a16:creationId xmlns:a16="http://schemas.microsoft.com/office/drawing/2014/main" id="{979E27D9-03C7-44E2-9FF8-15D0C8506AF7}"/>
+              </a:ext>
+              <a:ext uri="{C183D7F6-B498-43B3-948B-1728B52AA6E4}">
+                <adec:decorative xmlns:adec="http://schemas.microsoft.com/office/drawing/2017/decorative" val="1"/>
+              </a:ext>
+            </a:extLst>
+          </p:cNvPr>
+          <p:cNvSpPr>
+            <a:spLocks noGrp="1" noRot="1" noChangeAspect="1" noMove="1" noResize="1" noEditPoints="1" noAdjustHandles="1" noChangeArrowheads="1" noChangeShapeType="1" noTextEdit="1"/>
+          </p:cNvSpPr>
+          <p:nvPr>
+            <p:extLst>
+              <p:ext uri="{386F3935-93C4-4BCD-93E2-E3B085C9AB24}">
+                <p16:designElem xmlns:p16="http://schemas.microsoft.com/office/powerpoint/2015/main" val="1"/>
+              </p:ext>
+            </p:extLst>
           </p:nvPr>
         </p:nvSpPr>
         <p:spPr>
           <a:xfrm>
-            <a:off x="838200" y="1865382"/>
-            <a:ext cx="10515600" cy="4351338"/>
-          </a:xfrm>
-        </p:spPr>
-        <p:txBody>
-          <a:bodyPr/>
-          <a:lstStyle/>
-          <a:p>
-            <a:pPr marL="0" indent="0">
-              <a:buNone/>
-            </a:pPr>
-            <a:r>
-              <a:rPr lang="en-GB" dirty="0"/>
-              <a:t>Since C# 9.0 class initialization can be simplified</a:t>
-            </a:r>
-          </a:p>
-          <a:p>
-            <a:endParaRPr lang="en-GB" dirty="0"/>
-          </a:p>
-          <a:p>
-            <a:endParaRPr lang="en-GB" dirty="0"/>
-          </a:p>
-          <a:p>
-            <a:endParaRPr lang="en-GB" dirty="0"/>
-          </a:p>
-          <a:p>
-            <a:pPr marL="0" indent="0">
-              <a:buNone/>
-            </a:pPr>
-            <a:endParaRPr lang="en-GB" dirty="0"/>
-          </a:p>
-        </p:txBody>
-      </p:sp>
-      <p:pic>
-        <p:nvPicPr>
-          <p:cNvPr id="8" name="Picture 7">
-            <a:extLst>
-              <a:ext uri="{FF2B5EF4-FFF2-40B4-BE49-F238E27FC236}">
-                <a16:creationId xmlns:a16="http://schemas.microsoft.com/office/drawing/2014/main" id="{46156D67-0575-C7FF-656E-5F5BC1FA8D10}"/>
-              </a:ext>
-            </a:extLst>
-          </p:cNvPr>
-          <p:cNvPicPr>
-            <a:picLocks noChangeAspect="1"/>
-          </p:cNvPicPr>
-          <p:nvPr/>
-        </p:nvPicPr>
-        <p:blipFill>
-          <a:blip r:embed="rId2"/>
-          <a:stretch>
-            <a:fillRect/>
-          </a:stretch>
-        </p:blipFill>
-        <p:spPr>
-          <a:xfrm>
-            <a:off x="973062" y="2546773"/>
-            <a:ext cx="7328283" cy="1155431"/>
+            <a:off x="0" y="0"/>
+            <a:ext cx="12192000" cy="6858000"/>
           </a:xfrm>
           <a:prstGeom prst="rect">
             <a:avLst/>
           </a:prstGeom>
+          <a:ln w="12700" cap="flat" cmpd="sng" algn="ctr">
+            <a:noFill/>
+            <a:prstDash val="solid"/>
+            <a:miter lim="800000"/>
+          </a:ln>
+          <a:effectLst/>
+          <a:extLst>
+            <a:ext uri="{91240B29-F687-4F45-9708-019B960494DF}">
+              <a14:hiddenLine xmlns:a14="http://schemas.microsoft.com/office/drawing/2010/main" w="12700" cap="flat" cmpd="sng" algn="ctr">
+                <a:solidFill>
+                  <a:schemeClr val="accent1">
+                    <a:shade val="50000"/>
+                  </a:schemeClr>
+                </a:solidFill>
+                <a:prstDash val="solid"/>
+                <a:miter lim="800000"/>
+              </a14:hiddenLine>
+            </a:ext>
+          </a:extLst>
         </p:spPr>
-      </p:pic>
+        <p:style>
+          <a:lnRef idx="2">
+            <a:schemeClr val="accent1">
+              <a:shade val="50000"/>
+            </a:schemeClr>
+          </a:lnRef>
+          <a:fillRef idx="1">
+            <a:schemeClr val="accent1"/>
+          </a:fillRef>
+          <a:effectRef idx="0">
+            <a:schemeClr val="accent1"/>
+          </a:effectRef>
+          <a:fontRef idx="minor">
+            <a:schemeClr val="lt1"/>
+          </a:fontRef>
+        </p:style>
+        <p:txBody>
+          <a:bodyPr rtlCol="0" anchor="ctr"/>
+          <a:lstStyle/>
+          <a:p>
+            <a:pPr algn="ctr"/>
+            <a:endParaRPr lang="en-US"/>
+          </a:p>
+        </p:txBody>
+      </p:sp>
+      <p:sp>
+        <p:nvSpPr>
+          <p:cNvPr id="2" name="Title 1">
+            <a:extLst>
+              <a:ext uri="{FF2B5EF4-FFF2-40B4-BE49-F238E27FC236}">
+                <a16:creationId xmlns:a16="http://schemas.microsoft.com/office/drawing/2014/main" id="{7B8D5DE6-52C5-3B41-C97C-8E651AC1DD85}"/>
+              </a:ext>
+            </a:extLst>
+          </p:cNvPr>
+          <p:cNvSpPr>
+            <a:spLocks noGrp="1"/>
+          </p:cNvSpPr>
+          <p:nvPr>
+            <p:ph type="title"/>
+          </p:nvPr>
+        </p:nvSpPr>
+        <p:spPr>
+          <a:xfrm>
+            <a:off x="1136397" y="502021"/>
+            <a:ext cx="9688296" cy="1642969"/>
+          </a:xfrm>
+        </p:spPr>
+        <p:txBody>
+          <a:bodyPr anchor="b">
+            <a:normAutofit/>
+          </a:bodyPr>
+          <a:lstStyle/>
+          <a:p>
+            <a:r>
+              <a:rPr lang="en-GB" sz="4000"/>
+              <a:t>Implicit usings</a:t>
+            </a:r>
+            <a:endParaRPr lang="en-NL" sz="4000"/>
+          </a:p>
+        </p:txBody>
+      </p:sp>
+      <p:sp>
+        <p:nvSpPr>
+          <p:cNvPr id="30" name="Content Placeholder 2">
+            <a:extLst>
+              <a:ext uri="{FF2B5EF4-FFF2-40B4-BE49-F238E27FC236}">
+                <a16:creationId xmlns:a16="http://schemas.microsoft.com/office/drawing/2014/main" id="{F311C744-8B37-C1F3-9C6F-199A326778EC}"/>
+              </a:ext>
+            </a:extLst>
+          </p:cNvPr>
+          <p:cNvSpPr>
+            <a:spLocks noGrp="1"/>
+          </p:cNvSpPr>
+          <p:nvPr>
+            <p:ph idx="1"/>
+          </p:nvPr>
+        </p:nvSpPr>
+        <p:spPr>
+          <a:xfrm>
+            <a:off x="1136397" y="2418409"/>
+            <a:ext cx="9688296" cy="3454358"/>
+          </a:xfrm>
+        </p:spPr>
+        <p:txBody>
+          <a:bodyPr anchor="t">
+            <a:normAutofit/>
+          </a:bodyPr>
+          <a:lstStyle/>
+          <a:p>
+            <a:pPr marL="0" indent="0">
+              <a:buNone/>
+            </a:pPr>
+            <a:r>
+              <a:rPr lang="en-GB" sz="2000"/>
+              <a:t>By default, every .cs file uses the following namespaces:</a:t>
+            </a:r>
+          </a:p>
+          <a:p>
+            <a:r>
+              <a:rPr lang="en-US" sz="2000"/>
+              <a:t>System</a:t>
+            </a:r>
+          </a:p>
+          <a:p>
+            <a:r>
+              <a:rPr lang="en-US" sz="2000"/>
+              <a:t>System.Collections.Generic</a:t>
+            </a:r>
+          </a:p>
+          <a:p>
+            <a:r>
+              <a:rPr lang="en-US" sz="2000"/>
+              <a:t>System.IO</a:t>
+            </a:r>
+          </a:p>
+          <a:p>
+            <a:r>
+              <a:rPr lang="en-US" sz="2000"/>
+              <a:t>System.Linq</a:t>
+            </a:r>
+          </a:p>
+          <a:p>
+            <a:r>
+              <a:rPr lang="en-US" sz="2000"/>
+              <a:t>System.Net.Http</a:t>
+            </a:r>
+          </a:p>
+          <a:p>
+            <a:r>
+              <a:rPr lang="en-US" sz="2000"/>
+              <a:t>System.Threading</a:t>
+            </a:r>
+          </a:p>
+          <a:p>
+            <a:r>
+              <a:rPr lang="en-US" sz="2000"/>
+              <a:t>System.Threading.Tasks</a:t>
+            </a:r>
+            <a:endParaRPr lang="en-NL" sz="2000"/>
+          </a:p>
+        </p:txBody>
+      </p:sp>
+      <p:sp>
+        <p:nvSpPr>
+          <p:cNvPr id="31" name="Rectangle 30">
+            <a:extLst>
+              <a:ext uri="{FF2B5EF4-FFF2-40B4-BE49-F238E27FC236}">
+                <a16:creationId xmlns:a16="http://schemas.microsoft.com/office/drawing/2014/main" id="{EEBF1590-3B36-48EE-A89D-3B6F3CB256AB}"/>
+              </a:ext>
+              <a:ext uri="{C183D7F6-B498-43B3-948B-1728B52AA6E4}">
+                <adec:decorative xmlns:adec="http://schemas.microsoft.com/office/drawing/2017/decorative" val="1"/>
+              </a:ext>
+            </a:extLst>
+          </p:cNvPr>
+          <p:cNvSpPr>
+            <a:spLocks noGrp="1" noRot="1" noChangeAspect="1" noMove="1" noResize="1" noEditPoints="1" noAdjustHandles="1" noChangeArrowheads="1" noChangeShapeType="1" noTextEdit="1"/>
+          </p:cNvSpPr>
+          <p:nvPr>
+            <p:extLst>
+              <p:ext uri="{386F3935-93C4-4BCD-93E2-E3B085C9AB24}">
+                <p16:designElem xmlns:p16="http://schemas.microsoft.com/office/powerpoint/2015/main" val="1"/>
+              </p:ext>
+            </p:extLst>
+          </p:nvPr>
+        </p:nvSpPr>
+        <p:spPr>
+          <a:xfrm rot="10800000" flipH="1">
+            <a:off x="0" y="6400799"/>
+            <a:ext cx="12192000" cy="456773"/>
+          </a:xfrm>
+          <a:prstGeom prst="rect">
+            <a:avLst/>
+          </a:prstGeom>
+          <a:gradFill>
+            <a:gsLst>
+              <a:gs pos="0">
+                <a:schemeClr val="accent1"/>
+              </a:gs>
+              <a:gs pos="78000">
+                <a:srgbClr val="000000"/>
+              </a:gs>
+            </a:gsLst>
+            <a:lin ang="2400000" scaled="0"/>
+          </a:gradFill>
+          <a:ln>
+            <a:noFill/>
+          </a:ln>
+        </p:spPr>
+        <p:style>
+          <a:lnRef idx="2">
+            <a:schemeClr val="accent1">
+              <a:shade val="50000"/>
+            </a:schemeClr>
+          </a:lnRef>
+          <a:fillRef idx="1">
+            <a:schemeClr val="accent1"/>
+          </a:fillRef>
+          <a:effectRef idx="0">
+            <a:schemeClr val="accent1"/>
+          </a:effectRef>
+          <a:fontRef idx="minor">
+            <a:schemeClr val="lt1"/>
+          </a:fontRef>
+        </p:style>
+        <p:txBody>
+          <a:bodyPr rtlCol="0" anchor="ctr"/>
+          <a:lstStyle/>
+          <a:p>
+            <a:pPr algn="ctr"/>
+            <a:endParaRPr lang="en-US"/>
+          </a:p>
+        </p:txBody>
+      </p:sp>
+      <p:sp>
+        <p:nvSpPr>
+          <p:cNvPr id="32" name="Rectangle 31">
+            <a:extLst>
+              <a:ext uri="{FF2B5EF4-FFF2-40B4-BE49-F238E27FC236}">
+                <a16:creationId xmlns:a16="http://schemas.microsoft.com/office/drawing/2014/main" id="{AC8F6C8C-AB5A-4548-942D-E3FD40ACBC49}"/>
+              </a:ext>
+              <a:ext uri="{C183D7F6-B498-43B3-948B-1728B52AA6E4}">
+                <adec:decorative xmlns:adec="http://schemas.microsoft.com/office/drawing/2017/decorative" val="1"/>
+              </a:ext>
+            </a:extLst>
+          </p:cNvPr>
+          <p:cNvSpPr>
+            <a:spLocks noGrp="1" noRot="1" noChangeAspect="1" noMove="1" noResize="1" noEditPoints="1" noAdjustHandles="1" noChangeArrowheads="1" noChangeShapeType="1" noTextEdit="1"/>
+          </p:cNvSpPr>
+          <p:nvPr>
+            <p:extLst>
+              <p:ext uri="{386F3935-93C4-4BCD-93E2-E3B085C9AB24}">
+                <p16:designElem xmlns:p16="http://schemas.microsoft.com/office/powerpoint/2015/main" val="1"/>
+              </p:ext>
+            </p:extLst>
+          </p:nvPr>
+        </p:nvSpPr>
+        <p:spPr>
+          <a:xfrm flipH="1">
+            <a:off x="4038600" y="6400799"/>
+            <a:ext cx="8153398" cy="456772"/>
+          </a:xfrm>
+          <a:prstGeom prst="rect">
+            <a:avLst/>
+          </a:prstGeom>
+          <a:gradFill>
+            <a:gsLst>
+              <a:gs pos="0">
+                <a:srgbClr val="000000">
+                  <a:alpha val="63000"/>
+                </a:srgbClr>
+              </a:gs>
+              <a:gs pos="100000">
+                <a:schemeClr val="accent1">
+                  <a:lumMod val="75000"/>
+                </a:schemeClr>
+              </a:gs>
+            </a:gsLst>
+            <a:lin ang="13800000" scaled="0"/>
+          </a:gradFill>
+          <a:ln>
+            <a:noFill/>
+          </a:ln>
+        </p:spPr>
+        <p:style>
+          <a:lnRef idx="2">
+            <a:schemeClr val="accent1">
+              <a:shade val="50000"/>
+            </a:schemeClr>
+          </a:lnRef>
+          <a:fillRef idx="1">
+            <a:schemeClr val="accent1"/>
+          </a:fillRef>
+          <a:effectRef idx="0">
+            <a:schemeClr val="accent1"/>
+          </a:effectRef>
+          <a:fontRef idx="minor">
+            <a:schemeClr val="lt1"/>
+          </a:fontRef>
+        </p:style>
+        <p:txBody>
+          <a:bodyPr rtlCol="0" anchor="ctr"/>
+          <a:lstStyle/>
+          <a:p>
+            <a:pPr algn="ctr"/>
+            <a:endParaRPr lang="en-US"/>
+          </a:p>
+        </p:txBody>
+      </p:sp>
     </p:spTree>
     <p:extLst>
       <p:ext uri="{BB962C8B-B14F-4D97-AF65-F5344CB8AC3E}">
-        <p14:creationId xmlns:p14="http://schemas.microsoft.com/office/powerpoint/2010/main" val="3678909553"/>
+        <p14:creationId xmlns:p14="http://schemas.microsoft.com/office/powerpoint/2010/main" val="2231014413"/>
       </p:ext>
     </p:extLst>
   </p:cSld>
@@ -3918,6 +5130,14 @@
 <file path=ppt/slides/slide5.xml><?xml version="1.0" encoding="utf-8"?>
 <p:sld xmlns:a="http://schemas.openxmlformats.org/drawingml/2006/main" xmlns:r="http://schemas.openxmlformats.org/officeDocument/2006/relationships" xmlns:p="http://schemas.openxmlformats.org/presentationml/2006/main">
   <p:cSld>
+    <p:bg>
+      <p:bgPr>
+        <a:solidFill>
+          <a:schemeClr val="bg1"/>
+        </a:solidFill>
+        <a:effectLst/>
+      </p:bgPr>
+    </p:bg>
     <p:spTree>
       <p:nvGrpSpPr>
         <p:cNvPr id="1" name=""/>
@@ -3932,83 +5152,177 @@
           <a:chExt cx="0" cy="0"/>
         </a:xfrm>
       </p:grpSpPr>
-      <p:sp>
-        <p:nvSpPr>
-          <p:cNvPr id="2" name="Title 1">
-            <a:extLst>
-              <a:ext uri="{FF2B5EF4-FFF2-40B4-BE49-F238E27FC236}">
-                <a16:creationId xmlns:a16="http://schemas.microsoft.com/office/drawing/2014/main" id="{4FF3484B-CD1A-9E83-7AC1-66D89171B1C4}"/>
-              </a:ext>
-            </a:extLst>
-          </p:cNvPr>
-          <p:cNvSpPr>
-            <a:spLocks noGrp="1"/>
-          </p:cNvSpPr>
-          <p:nvPr>
-            <p:ph type="title"/>
-          </p:nvPr>
-        </p:nvSpPr>
-        <p:spPr/>
-        <p:txBody>
-          <a:bodyPr/>
-          <a:lstStyle/>
-          <a:p>
-            <a:r>
-              <a:rPr lang="en-GB" dirty="0"/>
-              <a:t>Collection initialization</a:t>
-            </a:r>
-            <a:endParaRPr lang="en-NL" dirty="0"/>
-          </a:p>
-        </p:txBody>
-      </p:sp>
-      <p:sp>
-        <p:nvSpPr>
-          <p:cNvPr id="3" name="Content Placeholder 2">
-            <a:extLst>
-              <a:ext uri="{FF2B5EF4-FFF2-40B4-BE49-F238E27FC236}">
-                <a16:creationId xmlns:a16="http://schemas.microsoft.com/office/drawing/2014/main" id="{A34E517C-2BDC-F78B-964E-7453D201DC23}"/>
-              </a:ext>
-            </a:extLst>
-          </p:cNvPr>
-          <p:cNvSpPr>
-            <a:spLocks noGrp="1"/>
-          </p:cNvSpPr>
-          <p:nvPr>
-            <p:ph idx="1"/>
+      <p:sp useBgFill="1">
+        <p:nvSpPr>
+          <p:cNvPr id="10" name="Rectangle 9">
+            <a:extLst>
+              <a:ext uri="{FF2B5EF4-FFF2-40B4-BE49-F238E27FC236}">
+                <a16:creationId xmlns:a16="http://schemas.microsoft.com/office/drawing/2014/main" id="{B712E947-0734-45F9-9C4F-41114EC3A33E}"/>
+              </a:ext>
+              <a:ext uri="{C183D7F6-B498-43B3-948B-1728B52AA6E4}">
+                <adec:decorative xmlns:adec="http://schemas.microsoft.com/office/drawing/2017/decorative" val="1"/>
+              </a:ext>
+            </a:extLst>
+          </p:cNvPr>
+          <p:cNvSpPr>
+            <a:spLocks noGrp="1" noRot="1" noChangeAspect="1" noMove="1" noResize="1" noEditPoints="1" noAdjustHandles="1" noChangeArrowheads="1" noChangeShapeType="1" noTextEdit="1"/>
+          </p:cNvSpPr>
+          <p:nvPr>
+            <p:extLst>
+              <p:ext uri="{386F3935-93C4-4BCD-93E2-E3B085C9AB24}">
+                <p16:designElem xmlns:p16="http://schemas.microsoft.com/office/powerpoint/2015/main" val="1"/>
+              </p:ext>
+            </p:extLst>
           </p:nvPr>
         </p:nvSpPr>
         <p:spPr>
           <a:xfrm>
-            <a:off x="838200" y="1805747"/>
-            <a:ext cx="10515600" cy="4351338"/>
+            <a:off x="0" y="0"/>
+            <a:ext cx="12192000" cy="6858000"/>
+          </a:xfrm>
+          <a:prstGeom prst="rect">
+            <a:avLst/>
+          </a:prstGeom>
+          <a:ln w="12700" cap="flat" cmpd="sng" algn="ctr">
+            <a:noFill/>
+            <a:prstDash val="solid"/>
+            <a:miter lim="800000"/>
+          </a:ln>
+          <a:effectLst/>
+          <a:extLst>
+            <a:ext uri="{91240B29-F687-4F45-9708-019B960494DF}">
+              <a14:hiddenLine xmlns:a14="http://schemas.microsoft.com/office/drawing/2010/main" w="12700" cap="flat" cmpd="sng" algn="ctr">
+                <a:solidFill>
+                  <a:schemeClr val="accent1">
+                    <a:shade val="50000"/>
+                  </a:schemeClr>
+                </a:solidFill>
+                <a:prstDash val="solid"/>
+                <a:miter lim="800000"/>
+              </a14:hiddenLine>
+            </a:ext>
+          </a:extLst>
+        </p:spPr>
+        <p:style>
+          <a:lnRef idx="2">
+            <a:schemeClr val="accent1">
+              <a:shade val="50000"/>
+            </a:schemeClr>
+          </a:lnRef>
+          <a:fillRef idx="1">
+            <a:schemeClr val="accent1"/>
+          </a:fillRef>
+          <a:effectRef idx="0">
+            <a:schemeClr val="accent1"/>
+          </a:effectRef>
+          <a:fontRef idx="minor">
+            <a:schemeClr val="lt1"/>
+          </a:fontRef>
+        </p:style>
+        <p:txBody>
+          <a:bodyPr rtlCol="0" anchor="ctr"/>
+          <a:lstStyle/>
+          <a:p>
+            <a:pPr algn="ctr"/>
+            <a:endParaRPr lang="en-US"/>
+          </a:p>
+        </p:txBody>
+      </p:sp>
+      <p:sp>
+        <p:nvSpPr>
+          <p:cNvPr id="2" name="Title 1">
+            <a:extLst>
+              <a:ext uri="{FF2B5EF4-FFF2-40B4-BE49-F238E27FC236}">
+                <a16:creationId xmlns:a16="http://schemas.microsoft.com/office/drawing/2014/main" id="{BA2A60FF-5871-64A5-ABEB-6CC8D3D8BC61}"/>
+              </a:ext>
+            </a:extLst>
+          </p:cNvPr>
+          <p:cNvSpPr>
+            <a:spLocks noGrp="1"/>
+          </p:cNvSpPr>
+          <p:nvPr>
+            <p:ph type="title"/>
+          </p:nvPr>
+        </p:nvSpPr>
+        <p:spPr>
+          <a:xfrm>
+            <a:off x="1136396" y="457201"/>
+            <a:ext cx="5814240" cy="1556870"/>
           </a:xfrm>
         </p:spPr>
         <p:txBody>
-          <a:bodyPr/>
+          <a:bodyPr anchor="b">
+            <a:normAutofit/>
+          </a:bodyPr>
+          <a:lstStyle/>
+          <a:p>
+            <a:r>
+              <a:rPr lang="en-GB" sz="4000"/>
+              <a:t>var vs new()</a:t>
+            </a:r>
+            <a:endParaRPr lang="en-NL" sz="4000"/>
+          </a:p>
+        </p:txBody>
+      </p:sp>
+      <p:sp>
+        <p:nvSpPr>
+          <p:cNvPr id="3" name="Content Placeholder 2">
+            <a:extLst>
+              <a:ext uri="{FF2B5EF4-FFF2-40B4-BE49-F238E27FC236}">
+                <a16:creationId xmlns:a16="http://schemas.microsoft.com/office/drawing/2014/main" id="{14A4DC80-4868-5885-71EB-B6553F1DF86C}"/>
+              </a:ext>
+            </a:extLst>
+          </p:cNvPr>
+          <p:cNvSpPr>
+            <a:spLocks noGrp="1"/>
+          </p:cNvSpPr>
+          <p:nvPr>
+            <p:ph idx="1"/>
+          </p:nvPr>
+        </p:nvSpPr>
+        <p:spPr>
+          <a:xfrm>
+            <a:off x="1136396" y="2277036"/>
+            <a:ext cx="5814239" cy="3461155"/>
+          </a:xfrm>
+        </p:spPr>
+        <p:txBody>
+          <a:bodyPr>
+            <a:normAutofit/>
+          </a:bodyPr>
           <a:lstStyle/>
           <a:p>
             <a:pPr marL="0" indent="0">
               <a:buNone/>
             </a:pPr>
             <a:r>
-              <a:rPr lang="en-GB" dirty="0"/>
-              <a:t>Initialization of collections such as lists and arrays can be simplified.</a:t>
-            </a:r>
+              <a:rPr lang="en-GB" sz="2000"/>
+              <a:t>Since C# 9.0 class initialization can be simplified</a:t>
+            </a:r>
+          </a:p>
+          <a:p>
+            <a:endParaRPr lang="en-GB" sz="2000"/>
+          </a:p>
+          <a:p>
+            <a:endParaRPr lang="en-GB" sz="2000"/>
+          </a:p>
+          <a:p>
+            <a:endParaRPr lang="en-GB" sz="2000"/>
           </a:p>
           <a:p>
             <a:pPr marL="0" indent="0">
               <a:buNone/>
             </a:pPr>
-            <a:endParaRPr lang="en-NL" dirty="0"/>
+            <a:endParaRPr lang="en-GB" sz="2000"/>
           </a:p>
         </p:txBody>
       </p:sp>
       <p:pic>
         <p:nvPicPr>
-          <p:cNvPr id="5" name="Picture 4">
-            <a:extLst>
-              <a:ext uri="{FF2B5EF4-FFF2-40B4-BE49-F238E27FC236}">
-                <a16:creationId xmlns:a16="http://schemas.microsoft.com/office/drawing/2014/main" id="{FBF9A715-C0F8-532A-FCE5-65DDD4EE3340}"/>
+          <p:cNvPr id="4" name="Picture 3">
+            <a:extLst>
+              <a:ext uri="{FF2B5EF4-FFF2-40B4-BE49-F238E27FC236}">
+                <a16:creationId xmlns:a16="http://schemas.microsoft.com/office/drawing/2014/main" id="{20383942-E7EC-812B-FC44-E108E7F8A033}"/>
               </a:ext>
             </a:extLst>
           </p:cNvPr>
@@ -4025,18 +5339,164 @@
         </p:blipFill>
         <p:spPr>
           <a:xfrm>
-            <a:off x="941574" y="2786976"/>
-            <a:ext cx="6984223" cy="1046731"/>
+            <a:off x="1237995" y="2993813"/>
+            <a:ext cx="6966856" cy="1097280"/>
           </a:xfrm>
           <a:prstGeom prst="rect">
             <a:avLst/>
           </a:prstGeom>
         </p:spPr>
       </p:pic>
+      <p:sp>
+        <p:nvSpPr>
+          <p:cNvPr id="11" name="Rectangle 10">
+            <a:extLst>
+              <a:ext uri="{FF2B5EF4-FFF2-40B4-BE49-F238E27FC236}">
+                <a16:creationId xmlns:a16="http://schemas.microsoft.com/office/drawing/2014/main" id="{5A65989E-BBD5-44D7-AA86-7AFD5D46BBC0}"/>
+              </a:ext>
+              <a:ext uri="{C183D7F6-B498-43B3-948B-1728B52AA6E4}">
+                <adec:decorative xmlns:adec="http://schemas.microsoft.com/office/drawing/2017/decorative" val="1"/>
+              </a:ext>
+            </a:extLst>
+          </p:cNvPr>
+          <p:cNvSpPr>
+            <a:spLocks noGrp="1" noRot="1" noChangeAspect="1" noMove="1" noResize="1" noEditPoints="1" noAdjustHandles="1" noChangeArrowheads="1" noChangeShapeType="1" noTextEdit="1"/>
+          </p:cNvSpPr>
+          <p:nvPr>
+            <p:extLst>
+              <p:ext uri="{386F3935-93C4-4BCD-93E2-E3B085C9AB24}">
+                <p16:designElem xmlns:p16="http://schemas.microsoft.com/office/powerpoint/2015/main" val="1"/>
+              </p:ext>
+            </p:extLst>
+          </p:nvPr>
+        </p:nvSpPr>
+        <p:spPr>
+          <a:xfrm rot="10800000" flipH="1">
+            <a:off x="0" y="6400799"/>
+            <a:ext cx="12192000" cy="456773"/>
+          </a:xfrm>
+          <a:prstGeom prst="rect">
+            <a:avLst/>
+          </a:prstGeom>
+          <a:gradFill>
+            <a:gsLst>
+              <a:gs pos="0">
+                <a:schemeClr val="accent1"/>
+              </a:gs>
+              <a:gs pos="66000">
+                <a:srgbClr val="000000"/>
+              </a:gs>
+            </a:gsLst>
+            <a:lin ang="10200000" scaled="0"/>
+          </a:gradFill>
+          <a:ln>
+            <a:noFill/>
+          </a:ln>
+        </p:spPr>
+        <p:style>
+          <a:lnRef idx="2">
+            <a:schemeClr val="accent1">
+              <a:shade val="50000"/>
+            </a:schemeClr>
+          </a:lnRef>
+          <a:fillRef idx="1">
+            <a:schemeClr val="accent1"/>
+          </a:fillRef>
+          <a:effectRef idx="0">
+            <a:schemeClr val="accent1"/>
+          </a:effectRef>
+          <a:fontRef idx="minor">
+            <a:schemeClr val="lt1"/>
+          </a:fontRef>
+        </p:style>
+        <p:txBody>
+          <a:bodyPr rtlCol="0" anchor="ctr"/>
+          <a:lstStyle/>
+          <a:p>
+            <a:pPr algn="ctr"/>
+            <a:endParaRPr lang="en-US"/>
+          </a:p>
+        </p:txBody>
+      </p:sp>
+      <p:sp>
+        <p:nvSpPr>
+          <p:cNvPr id="12" name="Rectangle 11">
+            <a:extLst>
+              <a:ext uri="{FF2B5EF4-FFF2-40B4-BE49-F238E27FC236}">
+                <a16:creationId xmlns:a16="http://schemas.microsoft.com/office/drawing/2014/main" id="{231A2881-D8D7-4A7D-ACA3-E9F849F853D8}"/>
+              </a:ext>
+              <a:ext uri="{C183D7F6-B498-43B3-948B-1728B52AA6E4}">
+                <adec:decorative xmlns:adec="http://schemas.microsoft.com/office/drawing/2017/decorative" val="1"/>
+              </a:ext>
+            </a:extLst>
+          </p:cNvPr>
+          <p:cNvSpPr>
+            <a:spLocks noGrp="1" noRot="1" noChangeAspect="1" noMove="1" noResize="1" noEditPoints="1" noAdjustHandles="1" noChangeArrowheads="1" noChangeShapeType="1" noTextEdit="1"/>
+          </p:cNvSpPr>
+          <p:nvPr>
+            <p:extLst>
+              <p:ext uri="{386F3935-93C4-4BCD-93E2-E3B085C9AB24}">
+                <p16:designElem xmlns:p16="http://schemas.microsoft.com/office/powerpoint/2015/main" val="1"/>
+              </p:ext>
+            </p:extLst>
+          </p:nvPr>
+        </p:nvSpPr>
+        <p:spPr>
+          <a:xfrm flipH="1">
+            <a:off x="1" y="6400800"/>
+            <a:ext cx="8153398" cy="456772"/>
+          </a:xfrm>
+          <a:prstGeom prst="rect">
+            <a:avLst/>
+          </a:prstGeom>
+          <a:gradFill>
+            <a:gsLst>
+              <a:gs pos="0">
+                <a:srgbClr val="000000">
+                  <a:alpha val="63000"/>
+                </a:srgbClr>
+              </a:gs>
+              <a:gs pos="100000">
+                <a:schemeClr val="accent1">
+                  <a:lumMod val="75000"/>
+                </a:schemeClr>
+              </a:gs>
+            </a:gsLst>
+            <a:lin ang="17400000" scaled="0"/>
+          </a:gradFill>
+          <a:ln>
+            <a:noFill/>
+          </a:ln>
+        </p:spPr>
+        <p:style>
+          <a:lnRef idx="2">
+            <a:schemeClr val="accent1">
+              <a:shade val="50000"/>
+            </a:schemeClr>
+          </a:lnRef>
+          <a:fillRef idx="1">
+            <a:schemeClr val="accent1"/>
+          </a:fillRef>
+          <a:effectRef idx="0">
+            <a:schemeClr val="accent1"/>
+          </a:effectRef>
+          <a:fontRef idx="minor">
+            <a:schemeClr val="lt1"/>
+          </a:fontRef>
+        </p:style>
+        <p:txBody>
+          <a:bodyPr rtlCol="0" anchor="ctr"/>
+          <a:lstStyle/>
+          <a:p>
+            <a:pPr algn="ctr"/>
+            <a:endParaRPr lang="en-US"/>
+          </a:p>
+        </p:txBody>
+      </p:sp>
     </p:spTree>
     <p:extLst>
       <p:ext uri="{BB962C8B-B14F-4D97-AF65-F5344CB8AC3E}">
-        <p14:creationId xmlns:p14="http://schemas.microsoft.com/office/powerpoint/2010/main" val="3229911202"/>
+        <p14:creationId xmlns:p14="http://schemas.microsoft.com/office/powerpoint/2010/main" val="3678909553"/>
       </p:ext>
     </p:extLst>
   </p:cSld>
@@ -4049,6 +5509,14 @@
 <file path=ppt/slides/slide6.xml><?xml version="1.0" encoding="utf-8"?>
 <p:sld xmlns:a="http://schemas.openxmlformats.org/drawingml/2006/main" xmlns:r="http://schemas.openxmlformats.org/officeDocument/2006/relationships" xmlns:p="http://schemas.openxmlformats.org/presentationml/2006/main">
   <p:cSld>
+    <p:bg>
+      <p:bgPr>
+        <a:solidFill>
+          <a:schemeClr val="bg1"/>
+        </a:solidFill>
+        <a:effectLst/>
+      </p:bgPr>
+    </p:bg>
     <p:spTree>
       <p:nvGrpSpPr>
         <p:cNvPr id="1" name=""/>
@@ -4063,12 +5531,88 @@
           <a:chExt cx="0" cy="0"/>
         </a:xfrm>
       </p:grpSpPr>
+      <p:sp useBgFill="1">
+        <p:nvSpPr>
+          <p:cNvPr id="10" name="Rectangle 9">
+            <a:extLst>
+              <a:ext uri="{FF2B5EF4-FFF2-40B4-BE49-F238E27FC236}">
+                <a16:creationId xmlns:a16="http://schemas.microsoft.com/office/drawing/2014/main" id="{B712E947-0734-45F9-9C4F-41114EC3A33E}"/>
+              </a:ext>
+              <a:ext uri="{C183D7F6-B498-43B3-948B-1728B52AA6E4}">
+                <adec:decorative xmlns:adec="http://schemas.microsoft.com/office/drawing/2017/decorative" val="1"/>
+              </a:ext>
+            </a:extLst>
+          </p:cNvPr>
+          <p:cNvSpPr>
+            <a:spLocks noGrp="1" noRot="1" noChangeAspect="1" noMove="1" noResize="1" noEditPoints="1" noAdjustHandles="1" noChangeArrowheads="1" noChangeShapeType="1" noTextEdit="1"/>
+          </p:cNvSpPr>
+          <p:nvPr>
+            <p:extLst>
+              <p:ext uri="{386F3935-93C4-4BCD-93E2-E3B085C9AB24}">
+                <p16:designElem xmlns:p16="http://schemas.microsoft.com/office/powerpoint/2015/main" val="1"/>
+              </p:ext>
+            </p:extLst>
+          </p:nvPr>
+        </p:nvSpPr>
+        <p:spPr>
+          <a:xfrm>
+            <a:off x="0" y="0"/>
+            <a:ext cx="12192000" cy="6858000"/>
+          </a:xfrm>
+          <a:prstGeom prst="rect">
+            <a:avLst/>
+          </a:prstGeom>
+          <a:ln w="12700" cap="flat" cmpd="sng" algn="ctr">
+            <a:noFill/>
+            <a:prstDash val="solid"/>
+            <a:miter lim="800000"/>
+          </a:ln>
+          <a:effectLst/>
+          <a:extLst>
+            <a:ext uri="{91240B29-F687-4F45-9708-019B960494DF}">
+              <a14:hiddenLine xmlns:a14="http://schemas.microsoft.com/office/drawing/2010/main" w="12700" cap="flat" cmpd="sng" algn="ctr">
+                <a:solidFill>
+                  <a:schemeClr val="accent1">
+                    <a:shade val="50000"/>
+                  </a:schemeClr>
+                </a:solidFill>
+                <a:prstDash val="solid"/>
+                <a:miter lim="800000"/>
+              </a14:hiddenLine>
+            </a:ext>
+          </a:extLst>
+        </p:spPr>
+        <p:style>
+          <a:lnRef idx="2">
+            <a:schemeClr val="accent1">
+              <a:shade val="50000"/>
+            </a:schemeClr>
+          </a:lnRef>
+          <a:fillRef idx="1">
+            <a:schemeClr val="accent1"/>
+          </a:fillRef>
+          <a:effectRef idx="0">
+            <a:schemeClr val="accent1"/>
+          </a:effectRef>
+          <a:fontRef idx="minor">
+            <a:schemeClr val="lt1"/>
+          </a:fontRef>
+        </p:style>
+        <p:txBody>
+          <a:bodyPr rtlCol="0" anchor="ctr"/>
+          <a:lstStyle/>
+          <a:p>
+            <a:pPr algn="ctr"/>
+            <a:endParaRPr lang="en-US"/>
+          </a:p>
+        </p:txBody>
+      </p:sp>
       <p:sp>
         <p:nvSpPr>
           <p:cNvPr id="2" name="Title 1">
             <a:extLst>
               <a:ext uri="{FF2B5EF4-FFF2-40B4-BE49-F238E27FC236}">
-                <a16:creationId xmlns:a16="http://schemas.microsoft.com/office/drawing/2014/main" id="{B6C4EF8B-9CBB-613B-03FC-1CECBCF2F744}"/>
+                <a16:creationId xmlns:a16="http://schemas.microsoft.com/office/drawing/2014/main" id="{BA2A60FF-5871-64A5-ABEB-6CC8D3D8BC61}"/>
               </a:ext>
             </a:extLst>
           </p:cNvPr>
@@ -4079,16 +5623,23 @@
             <p:ph type="title"/>
           </p:nvPr>
         </p:nvSpPr>
-        <p:spPr/>
-        <p:txBody>
-          <a:bodyPr/>
-          <a:lstStyle/>
-          <a:p>
-            <a:r>
-              <a:rPr lang="en-GB" dirty="0"/>
-              <a:t>Concatenation of collections</a:t>
-            </a:r>
-            <a:endParaRPr lang="en-NL" dirty="0"/>
+        <p:spPr>
+          <a:xfrm>
+            <a:off x="1136396" y="457201"/>
+            <a:ext cx="5814240" cy="1556870"/>
+          </a:xfrm>
+        </p:spPr>
+        <p:txBody>
+          <a:bodyPr anchor="b">
+            <a:normAutofit/>
+          </a:bodyPr>
+          <a:lstStyle/>
+          <a:p>
+            <a:r>
+              <a:rPr lang="en-GB" sz="4000" dirty="0"/>
+              <a:t>Collection initialization</a:t>
+            </a:r>
+            <a:endParaRPr lang="en-NL" sz="4000" dirty="0"/>
           </a:p>
         </p:txBody>
       </p:sp>
@@ -4097,7 +5648,7 @@
           <p:cNvPr id="3" name="Content Placeholder 2">
             <a:extLst>
               <a:ext uri="{FF2B5EF4-FFF2-40B4-BE49-F238E27FC236}">
-                <a16:creationId xmlns:a16="http://schemas.microsoft.com/office/drawing/2014/main" id="{1A49A3F4-1AFE-612A-C36D-73550A5FB4CA}"/>
+                <a16:creationId xmlns:a16="http://schemas.microsoft.com/office/drawing/2014/main" id="{14A4DC80-4868-5885-71EB-B6553F1DF86C}"/>
               </a:ext>
             </a:extLst>
           </p:cNvPr>
@@ -4108,19 +5659,186 @@
             <p:ph idx="1"/>
           </p:nvPr>
         </p:nvSpPr>
-        <p:spPr/>
-        <p:txBody>
-          <a:bodyPr/>
+        <p:spPr>
+          <a:xfrm>
+            <a:off x="1136396" y="2312504"/>
+            <a:ext cx="7994352" cy="3425687"/>
+          </a:xfrm>
+        </p:spPr>
+        <p:txBody>
+          <a:bodyPr>
+            <a:normAutofit/>
+          </a:bodyPr>
           <a:lstStyle/>
           <a:p>
             <a:pPr marL="0" indent="0">
               <a:buNone/>
             </a:pPr>
             <a:r>
-              <a:rPr lang="en-GB" dirty="0"/>
-              <a:t>Now it is possible to use the spread element “..” to concatenate lists/arrays.</a:t>
-            </a:r>
-            <a:endParaRPr lang="en-NL" dirty="0"/>
+              <a:rPr lang="en-GB" sz="2000" dirty="0"/>
+              <a:t>Initialization of collections such as lists and arrays can be simplified.</a:t>
+            </a:r>
+          </a:p>
+          <a:p>
+            <a:endParaRPr lang="en-GB" sz="2000" dirty="0"/>
+          </a:p>
+          <a:p>
+            <a:endParaRPr lang="en-GB" sz="2000" dirty="0"/>
+          </a:p>
+          <a:p>
+            <a:endParaRPr lang="en-GB" sz="2000" dirty="0"/>
+          </a:p>
+          <a:p>
+            <a:pPr marL="0" indent="0">
+              <a:buNone/>
+            </a:pPr>
+            <a:endParaRPr lang="en-GB" sz="2000" dirty="0"/>
+          </a:p>
+        </p:txBody>
+      </p:sp>
+      <p:sp>
+        <p:nvSpPr>
+          <p:cNvPr id="11" name="Rectangle 10">
+            <a:extLst>
+              <a:ext uri="{FF2B5EF4-FFF2-40B4-BE49-F238E27FC236}">
+                <a16:creationId xmlns:a16="http://schemas.microsoft.com/office/drawing/2014/main" id="{5A65989E-BBD5-44D7-AA86-7AFD5D46BBC0}"/>
+              </a:ext>
+              <a:ext uri="{C183D7F6-B498-43B3-948B-1728B52AA6E4}">
+                <adec:decorative xmlns:adec="http://schemas.microsoft.com/office/drawing/2017/decorative" val="1"/>
+              </a:ext>
+            </a:extLst>
+          </p:cNvPr>
+          <p:cNvSpPr>
+            <a:spLocks noGrp="1" noRot="1" noChangeAspect="1" noMove="1" noResize="1" noEditPoints="1" noAdjustHandles="1" noChangeArrowheads="1" noChangeShapeType="1" noTextEdit="1"/>
+          </p:cNvSpPr>
+          <p:nvPr>
+            <p:extLst>
+              <p:ext uri="{386F3935-93C4-4BCD-93E2-E3B085C9AB24}">
+                <p16:designElem xmlns:p16="http://schemas.microsoft.com/office/powerpoint/2015/main" val="1"/>
+              </p:ext>
+            </p:extLst>
+          </p:nvPr>
+        </p:nvSpPr>
+        <p:spPr>
+          <a:xfrm rot="10800000" flipH="1">
+            <a:off x="0" y="6400799"/>
+            <a:ext cx="12192000" cy="456773"/>
+          </a:xfrm>
+          <a:prstGeom prst="rect">
+            <a:avLst/>
+          </a:prstGeom>
+          <a:gradFill>
+            <a:gsLst>
+              <a:gs pos="0">
+                <a:schemeClr val="accent1"/>
+              </a:gs>
+              <a:gs pos="66000">
+                <a:srgbClr val="000000"/>
+              </a:gs>
+            </a:gsLst>
+            <a:lin ang="10200000" scaled="0"/>
+          </a:gradFill>
+          <a:ln>
+            <a:noFill/>
+          </a:ln>
+        </p:spPr>
+        <p:style>
+          <a:lnRef idx="2">
+            <a:schemeClr val="accent1">
+              <a:shade val="50000"/>
+            </a:schemeClr>
+          </a:lnRef>
+          <a:fillRef idx="1">
+            <a:schemeClr val="accent1"/>
+          </a:fillRef>
+          <a:effectRef idx="0">
+            <a:schemeClr val="accent1"/>
+          </a:effectRef>
+          <a:fontRef idx="minor">
+            <a:schemeClr val="lt1"/>
+          </a:fontRef>
+        </p:style>
+        <p:txBody>
+          <a:bodyPr rtlCol="0" anchor="ctr"/>
+          <a:lstStyle/>
+          <a:p>
+            <a:pPr algn="ctr"/>
+            <a:endParaRPr lang="en-US"/>
+          </a:p>
+        </p:txBody>
+      </p:sp>
+      <p:sp>
+        <p:nvSpPr>
+          <p:cNvPr id="12" name="Rectangle 11">
+            <a:extLst>
+              <a:ext uri="{FF2B5EF4-FFF2-40B4-BE49-F238E27FC236}">
+                <a16:creationId xmlns:a16="http://schemas.microsoft.com/office/drawing/2014/main" id="{231A2881-D8D7-4A7D-ACA3-E9F849F853D8}"/>
+              </a:ext>
+              <a:ext uri="{C183D7F6-B498-43B3-948B-1728B52AA6E4}">
+                <adec:decorative xmlns:adec="http://schemas.microsoft.com/office/drawing/2017/decorative" val="1"/>
+              </a:ext>
+            </a:extLst>
+          </p:cNvPr>
+          <p:cNvSpPr>
+            <a:spLocks noGrp="1" noRot="1" noChangeAspect="1" noMove="1" noResize="1" noEditPoints="1" noAdjustHandles="1" noChangeArrowheads="1" noChangeShapeType="1" noTextEdit="1"/>
+          </p:cNvSpPr>
+          <p:nvPr>
+            <p:extLst>
+              <p:ext uri="{386F3935-93C4-4BCD-93E2-E3B085C9AB24}">
+                <p16:designElem xmlns:p16="http://schemas.microsoft.com/office/powerpoint/2015/main" val="1"/>
+              </p:ext>
+            </p:extLst>
+          </p:nvPr>
+        </p:nvSpPr>
+        <p:spPr>
+          <a:xfrm flipH="1">
+            <a:off x="1" y="6400800"/>
+            <a:ext cx="8153398" cy="456772"/>
+          </a:xfrm>
+          <a:prstGeom prst="rect">
+            <a:avLst/>
+          </a:prstGeom>
+          <a:gradFill>
+            <a:gsLst>
+              <a:gs pos="0">
+                <a:srgbClr val="000000">
+                  <a:alpha val="63000"/>
+                </a:srgbClr>
+              </a:gs>
+              <a:gs pos="100000">
+                <a:schemeClr val="accent1">
+                  <a:lumMod val="75000"/>
+                </a:schemeClr>
+              </a:gs>
+            </a:gsLst>
+            <a:lin ang="17400000" scaled="0"/>
+          </a:gradFill>
+          <a:ln>
+            <a:noFill/>
+          </a:ln>
+        </p:spPr>
+        <p:style>
+          <a:lnRef idx="2">
+            <a:schemeClr val="accent1">
+              <a:shade val="50000"/>
+            </a:schemeClr>
+          </a:lnRef>
+          <a:fillRef idx="1">
+            <a:schemeClr val="accent1"/>
+          </a:fillRef>
+          <a:effectRef idx="0">
+            <a:schemeClr val="accent1"/>
+          </a:effectRef>
+          <a:fontRef idx="minor">
+            <a:schemeClr val="lt1"/>
+          </a:fontRef>
+        </p:style>
+        <p:txBody>
+          <a:bodyPr rtlCol="0" anchor="ctr"/>
+          <a:lstStyle/>
+          <a:p>
+            <a:pPr algn="ctr"/>
+            <a:endParaRPr lang="en-US"/>
           </a:p>
         </p:txBody>
       </p:sp>
@@ -4129,7 +5847,7 @@
           <p:cNvPr id="5" name="Picture 4">
             <a:extLst>
               <a:ext uri="{FF2B5EF4-FFF2-40B4-BE49-F238E27FC236}">
-                <a16:creationId xmlns:a16="http://schemas.microsoft.com/office/drawing/2014/main" id="{71FC10E6-2074-A79B-F6EC-770DD511D8A3}"/>
+                <a16:creationId xmlns:a16="http://schemas.microsoft.com/office/drawing/2014/main" id="{9AE0513E-7834-E42E-C784-C232A68DD92F}"/>
               </a:ext>
             </a:extLst>
           </p:cNvPr>
@@ -4146,7 +5864,387 @@
         </p:blipFill>
         <p:spPr>
           <a:xfrm>
-            <a:off x="939826" y="2814594"/>
+            <a:off x="1225259" y="2955139"/>
+            <a:ext cx="6323599" cy="947722"/>
+          </a:xfrm>
+          <a:prstGeom prst="rect">
+            <a:avLst/>
+          </a:prstGeom>
+        </p:spPr>
+      </p:pic>
+    </p:spTree>
+    <p:extLst>
+      <p:ext uri="{BB962C8B-B14F-4D97-AF65-F5344CB8AC3E}">
+        <p14:creationId xmlns:p14="http://schemas.microsoft.com/office/powerpoint/2010/main" val="1213797943"/>
+      </p:ext>
+    </p:extLst>
+  </p:cSld>
+  <p:clrMapOvr>
+    <a:masterClrMapping/>
+  </p:clrMapOvr>
+</p:sld>
+</file>
+
+<file path=ppt/slides/slide7.xml><?xml version="1.0" encoding="utf-8"?>
+<p:sld xmlns:a="http://schemas.openxmlformats.org/drawingml/2006/main" xmlns:r="http://schemas.openxmlformats.org/officeDocument/2006/relationships" xmlns:p="http://schemas.openxmlformats.org/presentationml/2006/main">
+  <p:cSld>
+    <p:bg>
+      <p:bgPr>
+        <a:solidFill>
+          <a:schemeClr val="bg1"/>
+        </a:solidFill>
+        <a:effectLst/>
+      </p:bgPr>
+    </p:bg>
+    <p:spTree>
+      <p:nvGrpSpPr>
+        <p:cNvPr id="1" name=""/>
+        <p:cNvGrpSpPr/>
+        <p:nvPr/>
+      </p:nvGrpSpPr>
+      <p:grpSpPr>
+        <a:xfrm>
+          <a:off x="0" y="0"/>
+          <a:ext cx="0" cy="0"/>
+          <a:chOff x="0" y="0"/>
+          <a:chExt cx="0" cy="0"/>
+        </a:xfrm>
+      </p:grpSpPr>
+      <p:sp useBgFill="1">
+        <p:nvSpPr>
+          <p:cNvPr id="10" name="Rectangle 9">
+            <a:extLst>
+              <a:ext uri="{FF2B5EF4-FFF2-40B4-BE49-F238E27FC236}">
+                <a16:creationId xmlns:a16="http://schemas.microsoft.com/office/drawing/2014/main" id="{B712E947-0734-45F9-9C4F-41114EC3A33E}"/>
+              </a:ext>
+              <a:ext uri="{C183D7F6-B498-43B3-948B-1728B52AA6E4}">
+                <adec:decorative xmlns:adec="http://schemas.microsoft.com/office/drawing/2017/decorative" val="1"/>
+              </a:ext>
+            </a:extLst>
+          </p:cNvPr>
+          <p:cNvSpPr>
+            <a:spLocks noGrp="1" noRot="1" noChangeAspect="1" noMove="1" noResize="1" noEditPoints="1" noAdjustHandles="1" noChangeArrowheads="1" noChangeShapeType="1" noTextEdit="1"/>
+          </p:cNvSpPr>
+          <p:nvPr>
+            <p:extLst>
+              <p:ext uri="{386F3935-93C4-4BCD-93E2-E3B085C9AB24}">
+                <p16:designElem xmlns:p16="http://schemas.microsoft.com/office/powerpoint/2015/main" val="1"/>
+              </p:ext>
+            </p:extLst>
+          </p:nvPr>
+        </p:nvSpPr>
+        <p:spPr>
+          <a:xfrm>
+            <a:off x="0" y="0"/>
+            <a:ext cx="12192000" cy="6858000"/>
+          </a:xfrm>
+          <a:prstGeom prst="rect">
+            <a:avLst/>
+          </a:prstGeom>
+          <a:ln w="12700" cap="flat" cmpd="sng" algn="ctr">
+            <a:noFill/>
+            <a:prstDash val="solid"/>
+            <a:miter lim="800000"/>
+          </a:ln>
+          <a:effectLst/>
+          <a:extLst>
+            <a:ext uri="{91240B29-F687-4F45-9708-019B960494DF}">
+              <a14:hiddenLine xmlns:a14="http://schemas.microsoft.com/office/drawing/2010/main" w="12700" cap="flat" cmpd="sng" algn="ctr">
+                <a:solidFill>
+                  <a:schemeClr val="accent1">
+                    <a:shade val="50000"/>
+                  </a:schemeClr>
+                </a:solidFill>
+                <a:prstDash val="solid"/>
+                <a:miter lim="800000"/>
+              </a14:hiddenLine>
+            </a:ext>
+          </a:extLst>
+        </p:spPr>
+        <p:style>
+          <a:lnRef idx="2">
+            <a:schemeClr val="accent1">
+              <a:shade val="50000"/>
+            </a:schemeClr>
+          </a:lnRef>
+          <a:fillRef idx="1">
+            <a:schemeClr val="accent1"/>
+          </a:fillRef>
+          <a:effectRef idx="0">
+            <a:schemeClr val="accent1"/>
+          </a:effectRef>
+          <a:fontRef idx="minor">
+            <a:schemeClr val="lt1"/>
+          </a:fontRef>
+        </p:style>
+        <p:txBody>
+          <a:bodyPr rtlCol="0" anchor="ctr"/>
+          <a:lstStyle/>
+          <a:p>
+            <a:pPr algn="ctr"/>
+            <a:endParaRPr lang="en-US"/>
+          </a:p>
+        </p:txBody>
+      </p:sp>
+      <p:sp>
+        <p:nvSpPr>
+          <p:cNvPr id="2" name="Title 1">
+            <a:extLst>
+              <a:ext uri="{FF2B5EF4-FFF2-40B4-BE49-F238E27FC236}">
+                <a16:creationId xmlns:a16="http://schemas.microsoft.com/office/drawing/2014/main" id="{BA2A60FF-5871-64A5-ABEB-6CC8D3D8BC61}"/>
+              </a:ext>
+            </a:extLst>
+          </p:cNvPr>
+          <p:cNvSpPr>
+            <a:spLocks noGrp="1"/>
+          </p:cNvSpPr>
+          <p:nvPr>
+            <p:ph type="title"/>
+          </p:nvPr>
+        </p:nvSpPr>
+        <p:spPr>
+          <a:xfrm>
+            <a:off x="1136396" y="457201"/>
+            <a:ext cx="6483604" cy="1563756"/>
+          </a:xfrm>
+        </p:spPr>
+        <p:txBody>
+          <a:bodyPr anchor="b">
+            <a:normAutofit/>
+          </a:bodyPr>
+          <a:lstStyle/>
+          <a:p>
+            <a:r>
+              <a:rPr lang="en-GB" sz="4000" dirty="0"/>
+              <a:t>Concatenation of collections</a:t>
+            </a:r>
+            <a:endParaRPr lang="en-NL" sz="4000" dirty="0"/>
+          </a:p>
+        </p:txBody>
+      </p:sp>
+      <p:sp>
+        <p:nvSpPr>
+          <p:cNvPr id="3" name="Content Placeholder 2">
+            <a:extLst>
+              <a:ext uri="{FF2B5EF4-FFF2-40B4-BE49-F238E27FC236}">
+                <a16:creationId xmlns:a16="http://schemas.microsoft.com/office/drawing/2014/main" id="{14A4DC80-4868-5885-71EB-B6553F1DF86C}"/>
+              </a:ext>
+            </a:extLst>
+          </p:cNvPr>
+          <p:cNvSpPr>
+            <a:spLocks noGrp="1"/>
+          </p:cNvSpPr>
+          <p:nvPr>
+            <p:ph idx="1"/>
+          </p:nvPr>
+        </p:nvSpPr>
+        <p:spPr>
+          <a:xfrm>
+            <a:off x="1136396" y="2339009"/>
+            <a:ext cx="8623830" cy="3399182"/>
+          </a:xfrm>
+        </p:spPr>
+        <p:txBody>
+          <a:bodyPr>
+            <a:normAutofit/>
+          </a:bodyPr>
+          <a:lstStyle/>
+          <a:p>
+            <a:pPr marL="0" indent="0">
+              <a:buNone/>
+            </a:pPr>
+            <a:r>
+              <a:rPr lang="en-GB" sz="2000" dirty="0"/>
+              <a:t>Now it is possible to use the spread element “..” to concatenate lists/arrays.</a:t>
+            </a:r>
+            <a:endParaRPr lang="en-NL" sz="2000" dirty="0"/>
+          </a:p>
+          <a:p>
+            <a:endParaRPr lang="en-GB" sz="2000" dirty="0"/>
+          </a:p>
+          <a:p>
+            <a:endParaRPr lang="en-GB" sz="2000" dirty="0"/>
+          </a:p>
+          <a:p>
+            <a:endParaRPr lang="en-GB" sz="2000" dirty="0"/>
+          </a:p>
+          <a:p>
+            <a:pPr marL="0" indent="0">
+              <a:buNone/>
+            </a:pPr>
+            <a:endParaRPr lang="en-GB" sz="2000" dirty="0"/>
+          </a:p>
+        </p:txBody>
+      </p:sp>
+      <p:sp>
+        <p:nvSpPr>
+          <p:cNvPr id="11" name="Rectangle 10">
+            <a:extLst>
+              <a:ext uri="{FF2B5EF4-FFF2-40B4-BE49-F238E27FC236}">
+                <a16:creationId xmlns:a16="http://schemas.microsoft.com/office/drawing/2014/main" id="{5A65989E-BBD5-44D7-AA86-7AFD5D46BBC0}"/>
+              </a:ext>
+              <a:ext uri="{C183D7F6-B498-43B3-948B-1728B52AA6E4}">
+                <adec:decorative xmlns:adec="http://schemas.microsoft.com/office/drawing/2017/decorative" val="1"/>
+              </a:ext>
+            </a:extLst>
+          </p:cNvPr>
+          <p:cNvSpPr>
+            <a:spLocks noGrp="1" noRot="1" noChangeAspect="1" noMove="1" noResize="1" noEditPoints="1" noAdjustHandles="1" noChangeArrowheads="1" noChangeShapeType="1" noTextEdit="1"/>
+          </p:cNvSpPr>
+          <p:nvPr>
+            <p:extLst>
+              <p:ext uri="{386F3935-93C4-4BCD-93E2-E3B085C9AB24}">
+                <p16:designElem xmlns:p16="http://schemas.microsoft.com/office/powerpoint/2015/main" val="1"/>
+              </p:ext>
+            </p:extLst>
+          </p:nvPr>
+        </p:nvSpPr>
+        <p:spPr>
+          <a:xfrm rot="10800000" flipH="1">
+            <a:off x="0" y="6400799"/>
+            <a:ext cx="12192000" cy="456773"/>
+          </a:xfrm>
+          <a:prstGeom prst="rect">
+            <a:avLst/>
+          </a:prstGeom>
+          <a:gradFill>
+            <a:gsLst>
+              <a:gs pos="0">
+                <a:schemeClr val="accent1"/>
+              </a:gs>
+              <a:gs pos="66000">
+                <a:srgbClr val="000000"/>
+              </a:gs>
+            </a:gsLst>
+            <a:lin ang="10200000" scaled="0"/>
+          </a:gradFill>
+          <a:ln>
+            <a:noFill/>
+          </a:ln>
+        </p:spPr>
+        <p:style>
+          <a:lnRef idx="2">
+            <a:schemeClr val="accent1">
+              <a:shade val="50000"/>
+            </a:schemeClr>
+          </a:lnRef>
+          <a:fillRef idx="1">
+            <a:schemeClr val="accent1"/>
+          </a:fillRef>
+          <a:effectRef idx="0">
+            <a:schemeClr val="accent1"/>
+          </a:effectRef>
+          <a:fontRef idx="minor">
+            <a:schemeClr val="lt1"/>
+          </a:fontRef>
+        </p:style>
+        <p:txBody>
+          <a:bodyPr rtlCol="0" anchor="ctr"/>
+          <a:lstStyle/>
+          <a:p>
+            <a:pPr algn="ctr"/>
+            <a:endParaRPr lang="en-US"/>
+          </a:p>
+        </p:txBody>
+      </p:sp>
+      <p:sp>
+        <p:nvSpPr>
+          <p:cNvPr id="12" name="Rectangle 11">
+            <a:extLst>
+              <a:ext uri="{FF2B5EF4-FFF2-40B4-BE49-F238E27FC236}">
+                <a16:creationId xmlns:a16="http://schemas.microsoft.com/office/drawing/2014/main" id="{231A2881-D8D7-4A7D-ACA3-E9F849F853D8}"/>
+              </a:ext>
+              <a:ext uri="{C183D7F6-B498-43B3-948B-1728B52AA6E4}">
+                <adec:decorative xmlns:adec="http://schemas.microsoft.com/office/drawing/2017/decorative" val="1"/>
+              </a:ext>
+            </a:extLst>
+          </p:cNvPr>
+          <p:cNvSpPr>
+            <a:spLocks noGrp="1" noRot="1" noChangeAspect="1" noMove="1" noResize="1" noEditPoints="1" noAdjustHandles="1" noChangeArrowheads="1" noChangeShapeType="1" noTextEdit="1"/>
+          </p:cNvSpPr>
+          <p:nvPr>
+            <p:extLst>
+              <p:ext uri="{386F3935-93C4-4BCD-93E2-E3B085C9AB24}">
+                <p16:designElem xmlns:p16="http://schemas.microsoft.com/office/powerpoint/2015/main" val="1"/>
+              </p:ext>
+            </p:extLst>
+          </p:nvPr>
+        </p:nvSpPr>
+        <p:spPr>
+          <a:xfrm flipH="1">
+            <a:off x="1" y="6400800"/>
+            <a:ext cx="8153398" cy="456772"/>
+          </a:xfrm>
+          <a:prstGeom prst="rect">
+            <a:avLst/>
+          </a:prstGeom>
+          <a:gradFill>
+            <a:gsLst>
+              <a:gs pos="0">
+                <a:srgbClr val="000000">
+                  <a:alpha val="63000"/>
+                </a:srgbClr>
+              </a:gs>
+              <a:gs pos="100000">
+                <a:schemeClr val="accent1">
+                  <a:lumMod val="75000"/>
+                </a:schemeClr>
+              </a:gs>
+            </a:gsLst>
+            <a:lin ang="17400000" scaled="0"/>
+          </a:gradFill>
+          <a:ln>
+            <a:noFill/>
+          </a:ln>
+        </p:spPr>
+        <p:style>
+          <a:lnRef idx="2">
+            <a:schemeClr val="accent1">
+              <a:shade val="50000"/>
+            </a:schemeClr>
+          </a:lnRef>
+          <a:fillRef idx="1">
+            <a:schemeClr val="accent1"/>
+          </a:fillRef>
+          <a:effectRef idx="0">
+            <a:schemeClr val="accent1"/>
+          </a:effectRef>
+          <a:fontRef idx="minor">
+            <a:schemeClr val="lt1"/>
+          </a:fontRef>
+        </p:style>
+        <p:txBody>
+          <a:bodyPr rtlCol="0" anchor="ctr"/>
+          <a:lstStyle/>
+          <a:p>
+            <a:pPr algn="ctr"/>
+            <a:endParaRPr lang="en-US"/>
+          </a:p>
+        </p:txBody>
+      </p:sp>
+      <p:pic>
+        <p:nvPicPr>
+          <p:cNvPr id="4" name="Picture 3">
+            <a:extLst>
+              <a:ext uri="{FF2B5EF4-FFF2-40B4-BE49-F238E27FC236}">
+                <a16:creationId xmlns:a16="http://schemas.microsoft.com/office/drawing/2014/main" id="{9B2BE1D9-3E16-9725-954E-B5335EAFF9E2}"/>
+              </a:ext>
+            </a:extLst>
+          </p:cNvPr>
+          <p:cNvPicPr>
+            <a:picLocks noChangeAspect="1"/>
+          </p:cNvPicPr>
+          <p:nvPr/>
+        </p:nvPicPr>
+        <p:blipFill>
+          <a:blip r:embed="rId2"/>
+          <a:stretch>
+            <a:fillRect/>
+          </a:stretch>
+        </p:blipFill>
+        <p:spPr>
+          <a:xfrm>
+            <a:off x="1224748" y="2887481"/>
             <a:ext cx="8195687" cy="849632"/>
           </a:xfrm>
           <a:prstGeom prst="rect">
@@ -4157,7 +6255,7 @@
     </p:spTree>
     <p:extLst>
       <p:ext uri="{BB962C8B-B14F-4D97-AF65-F5344CB8AC3E}">
-        <p14:creationId xmlns:p14="http://schemas.microsoft.com/office/powerpoint/2010/main" val="4006858124"/>
+        <p14:creationId xmlns:p14="http://schemas.microsoft.com/office/powerpoint/2010/main" val="2447242993"/>
       </p:ext>
     </p:extLst>
   </p:cSld>
@@ -4480,4 +6578,47 @@
     </a:ext>
   </a:extLst>
 </a:theme>
+</file>
+
+<file path=ppt/theme/themeOverride1.xml><?xml version="1.0" encoding="utf-8"?>
+<a:themeOverride xmlns:a="http://schemas.openxmlformats.org/drawingml/2006/main">
+  <a:clrScheme name="Office">
+    <a:dk1>
+      <a:sysClr val="windowText" lastClr="000000"/>
+    </a:dk1>
+    <a:lt1>
+      <a:sysClr val="window" lastClr="FFFFFF"/>
+    </a:lt1>
+    <a:dk2>
+      <a:srgbClr val="0E2841"/>
+    </a:dk2>
+    <a:lt2>
+      <a:srgbClr val="E8E8E8"/>
+    </a:lt2>
+    <a:accent1>
+      <a:srgbClr val="156082"/>
+    </a:accent1>
+    <a:accent2>
+      <a:srgbClr val="E97132"/>
+    </a:accent2>
+    <a:accent3>
+      <a:srgbClr val="196B24"/>
+    </a:accent3>
+    <a:accent4>
+      <a:srgbClr val="0F9ED5"/>
+    </a:accent4>
+    <a:accent5>
+      <a:srgbClr val="A02B93"/>
+    </a:accent5>
+    <a:accent6>
+      <a:srgbClr val="4EA72E"/>
+    </a:accent6>
+    <a:hlink>
+      <a:srgbClr val="467886"/>
+    </a:hlink>
+    <a:folHlink>
+      <a:srgbClr val="96607D"/>
+    </a:folHlink>
+  </a:clrScheme>
+</a:themeOverride>
 </file>
--- a/slides.pptx
+++ b/slides.pptx
@@ -6,12 +6,13 @@
   </p:sldMasterIdLst>
   <p:sldIdLst>
     <p:sldId id="256" r:id="rId2"/>
-    <p:sldId id="257" r:id="rId3"/>
-    <p:sldId id="258" r:id="rId4"/>
-    <p:sldId id="262" r:id="rId5"/>
-    <p:sldId id="259" r:id="rId6"/>
-    <p:sldId id="263" r:id="rId7"/>
-    <p:sldId id="264" r:id="rId8"/>
+    <p:sldId id="266" r:id="rId3"/>
+    <p:sldId id="265" r:id="rId4"/>
+    <p:sldId id="258" r:id="rId5"/>
+    <p:sldId id="262" r:id="rId6"/>
+    <p:sldId id="259" r:id="rId7"/>
+    <p:sldId id="263" r:id="rId8"/>
+    <p:sldId id="264" r:id="rId9"/>
   </p:sldIdLst>
   <p:sldSz cx="12192000" cy="6858000"/>
   <p:notesSz cx="6858000" cy="9144000"/>
@@ -130,28 +131,76 @@
 <pc:chgInfo xmlns:a="http://schemas.openxmlformats.org/drawingml/2006/main" xmlns:r="http://schemas.openxmlformats.org/officeDocument/2006/relationships" xmlns:ac="http://schemas.microsoft.com/office/drawing/2013/main/command" xmlns:pc="http://schemas.microsoft.com/office/powerpoint/2013/main/command">
   <pc:docChgLst>
     <pc:chgData name="Souto, LA (Luis)" userId="6293e4ac-383c-4cd2-a14b-39b4aa20a10f" providerId="ADAL" clId="{F1320959-C026-4817-A7A9-DCDF9DAD347B}"/>
-    <pc:docChg chg="undo custSel addSld delSld modSld">
-      <pc:chgData name="Souto, LA (Luis)" userId="6293e4ac-383c-4cd2-a14b-39b4aa20a10f" providerId="ADAL" clId="{F1320959-C026-4817-A7A9-DCDF9DAD347B}" dt="2024-09-17T13:40:47.565" v="1075"/>
+    <pc:docChg chg="undo custSel addSld delSld modSld sldOrd">
+      <pc:chgData name="Souto, LA (Luis)" userId="6293e4ac-383c-4cd2-a14b-39b4aa20a10f" providerId="ADAL" clId="{F1320959-C026-4817-A7A9-DCDF9DAD347B}" dt="2024-09-17T21:57:01.875" v="1798" actId="20577"/>
       <pc:docMkLst>
         <pc:docMk/>
       </pc:docMkLst>
-      <pc:sldChg chg="modSp mod">
-        <pc:chgData name="Souto, LA (Luis)" userId="6293e4ac-383c-4cd2-a14b-39b4aa20a10f" providerId="ADAL" clId="{F1320959-C026-4817-A7A9-DCDF9DAD347B}" dt="2024-09-17T07:35:23.708" v="38" actId="20577"/>
+      <pc:sldChg chg="addSp delSp modSp mod setBg">
+        <pc:chgData name="Souto, LA (Luis)" userId="6293e4ac-383c-4cd2-a14b-39b4aa20a10f" providerId="ADAL" clId="{F1320959-C026-4817-A7A9-DCDF9DAD347B}" dt="2024-09-17T21:57:01.875" v="1798" actId="20577"/>
         <pc:sldMkLst>
           <pc:docMk/>
           <pc:sldMk cId="3266916367" sldId="256"/>
         </pc:sldMkLst>
         <pc:spChg chg="mod">
-          <ac:chgData name="Souto, LA (Luis)" userId="6293e4ac-383c-4cd2-a14b-39b4aa20a10f" providerId="ADAL" clId="{F1320959-C026-4817-A7A9-DCDF9DAD347B}" dt="2024-09-17T07:35:23.708" v="38" actId="20577"/>
+          <ac:chgData name="Souto, LA (Luis)" userId="6293e4ac-383c-4cd2-a14b-39b4aa20a10f" providerId="ADAL" clId="{F1320959-C026-4817-A7A9-DCDF9DAD347B}" dt="2024-09-17T14:04:33.694" v="1251" actId="26606"/>
+          <ac:spMkLst>
+            <pc:docMk/>
+            <pc:sldMk cId="3266916367" sldId="256"/>
+            <ac:spMk id="2" creationId="{7E7EE8B5-C21D-579A-CC62-06F33B21C10A}"/>
+          </ac:spMkLst>
+        </pc:spChg>
+        <pc:spChg chg="mod">
+          <ac:chgData name="Souto, LA (Luis)" userId="6293e4ac-383c-4cd2-a14b-39b4aa20a10f" providerId="ADAL" clId="{F1320959-C026-4817-A7A9-DCDF9DAD347B}" dt="2024-09-17T21:57:01.875" v="1798" actId="20577"/>
           <ac:spMkLst>
             <pc:docMk/>
             <pc:sldMk cId="3266916367" sldId="256"/>
             <ac:spMk id="3" creationId="{6BE76AE3-A35A-FBB6-83E2-E5759C8001AE}"/>
           </ac:spMkLst>
         </pc:spChg>
+        <pc:spChg chg="add del">
+          <ac:chgData name="Souto, LA (Luis)" userId="6293e4ac-383c-4cd2-a14b-39b4aa20a10f" providerId="ADAL" clId="{F1320959-C026-4817-A7A9-DCDF9DAD347B}" dt="2024-09-17T14:04:33.694" v="1251" actId="26606"/>
+          <ac:spMkLst>
+            <pc:docMk/>
+            <pc:sldMk cId="3266916367" sldId="256"/>
+            <ac:spMk id="8" creationId="{43C48B49-6135-48B6-AC0F-97E5D8D1F03F}"/>
+          </ac:spMkLst>
+        </pc:spChg>
+        <pc:spChg chg="add del">
+          <ac:chgData name="Souto, LA (Luis)" userId="6293e4ac-383c-4cd2-a14b-39b4aa20a10f" providerId="ADAL" clId="{F1320959-C026-4817-A7A9-DCDF9DAD347B}" dt="2024-09-17T14:04:33.694" v="1251" actId="26606"/>
+          <ac:spMkLst>
+            <pc:docMk/>
+            <pc:sldMk cId="3266916367" sldId="256"/>
+            <ac:spMk id="10" creationId="{9715DAF0-AE1B-46C9-8A6B-DB2AA05AB91D}"/>
+          </ac:spMkLst>
+        </pc:spChg>
+        <pc:spChg chg="add del">
+          <ac:chgData name="Souto, LA (Luis)" userId="6293e4ac-383c-4cd2-a14b-39b4aa20a10f" providerId="ADAL" clId="{F1320959-C026-4817-A7A9-DCDF9DAD347B}" dt="2024-09-17T14:04:33.694" v="1251" actId="26606"/>
+          <ac:spMkLst>
+            <pc:docMk/>
+            <pc:sldMk cId="3266916367" sldId="256"/>
+            <ac:spMk id="12" creationId="{DC631C0B-6DA6-4E57-8231-CE32B3434A7E}"/>
+          </ac:spMkLst>
+        </pc:spChg>
+        <pc:spChg chg="add del">
+          <ac:chgData name="Souto, LA (Luis)" userId="6293e4ac-383c-4cd2-a14b-39b4aa20a10f" providerId="ADAL" clId="{F1320959-C026-4817-A7A9-DCDF9DAD347B}" dt="2024-09-17T14:04:33.694" v="1251" actId="26606"/>
+          <ac:spMkLst>
+            <pc:docMk/>
+            <pc:sldMk cId="3266916367" sldId="256"/>
+            <ac:spMk id="14" creationId="{F256AC18-FB41-4977-8B0C-F5082335AB7D}"/>
+          </ac:spMkLst>
+        </pc:spChg>
+        <pc:spChg chg="add del">
+          <ac:chgData name="Souto, LA (Luis)" userId="6293e4ac-383c-4cd2-a14b-39b4aa20a10f" providerId="ADAL" clId="{F1320959-C026-4817-A7A9-DCDF9DAD347B}" dt="2024-09-17T14:04:33.694" v="1251" actId="26606"/>
+          <ac:spMkLst>
+            <pc:docMk/>
+            <pc:sldMk cId="3266916367" sldId="256"/>
+            <ac:spMk id="16" creationId="{AFF4A713-7B75-4B21-90D7-5AB19547C728}"/>
+          </ac:spMkLst>
+        </pc:spChg>
       </pc:sldChg>
-      <pc:sldChg chg="modSp new mod setBg">
-        <pc:chgData name="Souto, LA (Luis)" userId="6293e4ac-383c-4cd2-a14b-39b4aa20a10f" providerId="ADAL" clId="{F1320959-C026-4817-A7A9-DCDF9DAD347B}" dt="2024-09-17T13:40:47.565" v="1075"/>
+      <pc:sldChg chg="modSp new del mod setBg">
+        <pc:chgData name="Souto, LA (Luis)" userId="6293e4ac-383c-4cd2-a14b-39b4aa20a10f" providerId="ADAL" clId="{F1320959-C026-4817-A7A9-DCDF9DAD347B}" dt="2024-09-17T21:56:19.187" v="1744" actId="2696"/>
         <pc:sldMkLst>
           <pc:docMk/>
           <pc:sldMk cId="265969760" sldId="257"/>
@@ -869,6 +918,60 @@
             <ac:picMk id="5" creationId="{9AE0513E-7834-E42E-C784-C232A68DD92F}"/>
           </ac:picMkLst>
         </pc:picChg>
+      </pc:sldChg>
+      <pc:sldChg chg="addSp modSp add mod ord">
+        <pc:chgData name="Souto, LA (Luis)" userId="6293e4ac-383c-4cd2-a14b-39b4aa20a10f" providerId="ADAL" clId="{F1320959-C026-4817-A7A9-DCDF9DAD347B}" dt="2024-09-17T14:04:55.155" v="1260" actId="1076"/>
+        <pc:sldMkLst>
+          <pc:docMk/>
+          <pc:sldMk cId="2086745952" sldId="265"/>
+        </pc:sldMkLst>
+        <pc:spChg chg="mod">
+          <ac:chgData name="Souto, LA (Luis)" userId="6293e4ac-383c-4cd2-a14b-39b4aa20a10f" providerId="ADAL" clId="{F1320959-C026-4817-A7A9-DCDF9DAD347B}" dt="2024-09-17T14:01:37.912" v="1108" actId="20577"/>
+          <ac:spMkLst>
+            <pc:docMk/>
+            <pc:sldMk cId="2086745952" sldId="265"/>
+            <ac:spMk id="2" creationId="{7B8D5DE6-52C5-3B41-C97C-8E651AC1DD85}"/>
+          </ac:spMkLst>
+        </pc:spChg>
+        <pc:spChg chg="mod">
+          <ac:chgData name="Souto, LA (Luis)" userId="6293e4ac-383c-4cd2-a14b-39b4aa20a10f" providerId="ADAL" clId="{F1320959-C026-4817-A7A9-DCDF9DAD347B}" dt="2024-09-17T14:04:40.077" v="1257" actId="20577"/>
+          <ac:spMkLst>
+            <pc:docMk/>
+            <pc:sldMk cId="2086745952" sldId="265"/>
+            <ac:spMk id="30" creationId="{F311C744-8B37-C1F3-9C6F-199A326778EC}"/>
+          </ac:spMkLst>
+        </pc:spChg>
+        <pc:picChg chg="add mod">
+          <ac:chgData name="Souto, LA (Luis)" userId="6293e4ac-383c-4cd2-a14b-39b4aa20a10f" providerId="ADAL" clId="{F1320959-C026-4817-A7A9-DCDF9DAD347B}" dt="2024-09-17T14:04:55.155" v="1260" actId="1076"/>
+          <ac:picMkLst>
+            <pc:docMk/>
+            <pc:sldMk cId="2086745952" sldId="265"/>
+            <ac:picMk id="4" creationId="{17CADE89-565D-D711-6B27-A0C00D4CFD5F}"/>
+          </ac:picMkLst>
+        </pc:picChg>
+      </pc:sldChg>
+      <pc:sldChg chg="modSp add mod ord">
+        <pc:chgData name="Souto, LA (Luis)" userId="6293e4ac-383c-4cd2-a14b-39b4aa20a10f" providerId="ADAL" clId="{F1320959-C026-4817-A7A9-DCDF9DAD347B}" dt="2024-09-17T21:56:52.622" v="1790" actId="20577"/>
+        <pc:sldMkLst>
+          <pc:docMk/>
+          <pc:sldMk cId="3402635475" sldId="266"/>
+        </pc:sldMkLst>
+        <pc:spChg chg="mod">
+          <ac:chgData name="Souto, LA (Luis)" userId="6293e4ac-383c-4cd2-a14b-39b4aa20a10f" providerId="ADAL" clId="{F1320959-C026-4817-A7A9-DCDF9DAD347B}" dt="2024-09-17T14:06:17.526" v="1274" actId="20577"/>
+          <ac:spMkLst>
+            <pc:docMk/>
+            <pc:sldMk cId="3402635475" sldId="266"/>
+            <ac:spMk id="2" creationId="{7B8D5DE6-52C5-3B41-C97C-8E651AC1DD85}"/>
+          </ac:spMkLst>
+        </pc:spChg>
+        <pc:spChg chg="mod">
+          <ac:chgData name="Souto, LA (Luis)" userId="6293e4ac-383c-4cd2-a14b-39b4aa20a10f" providerId="ADAL" clId="{F1320959-C026-4817-A7A9-DCDF9DAD347B}" dt="2024-09-17T21:56:52.622" v="1790" actId="20577"/>
+          <ac:spMkLst>
+            <pc:docMk/>
+            <pc:sldMk cId="3402635475" sldId="266"/>
+            <ac:spMk id="30" creationId="{F311C744-8B37-C1F3-9C6F-199A326778EC}"/>
+          </ac:spMkLst>
+        </pc:spChg>
       </pc:sldChg>
     </pc:docChg>
   </pc:docChgLst>
@@ -4162,7 +4265,7 @@
           <a:p>
             <a:r>
               <a:rPr lang="en-GB" dirty="0"/>
-              <a:t>Introduction of new features</a:t>
+              <a:t>Overview of new features</a:t>
             </a:r>
             <a:endParaRPr lang="en-NL" dirty="0"/>
           </a:p>
@@ -4206,112 +4309,12 @@
           <a:chExt cx="0" cy="0"/>
         </a:xfrm>
       </p:grpSpPr>
-      <p:sp>
-        <p:nvSpPr>
-          <p:cNvPr id="2" name="Title 1">
-            <a:extLst>
-              <a:ext uri="{FF2B5EF4-FFF2-40B4-BE49-F238E27FC236}">
-                <a16:creationId xmlns:a16="http://schemas.microsoft.com/office/drawing/2014/main" id="{501F0B1A-84F3-ADA6-1719-D3A524894D11}"/>
-              </a:ext>
-            </a:extLst>
-          </p:cNvPr>
-          <p:cNvSpPr>
-            <a:spLocks noGrp="1"/>
-          </p:cNvSpPr>
-          <p:nvPr>
-            <p:ph type="title"/>
-          </p:nvPr>
-        </p:nvSpPr>
-        <p:spPr/>
-        <p:txBody>
-          <a:bodyPr/>
-          <a:lstStyle/>
-          <a:p>
-            <a:r>
-              <a:rPr lang="en-GB" dirty="0"/>
-              <a:t>How to access .</a:t>
-            </a:r>
-            <a:r>
-              <a:rPr lang="en-GB" dirty="0" err="1"/>
-              <a:t>csproj</a:t>
-            </a:r>
-            <a:r>
-              <a:rPr lang="en-GB" dirty="0"/>
-              <a:t> files</a:t>
-            </a:r>
-            <a:endParaRPr lang="en-NL" dirty="0"/>
-          </a:p>
-        </p:txBody>
-      </p:sp>
-      <p:sp>
-        <p:nvSpPr>
-          <p:cNvPr id="3" name="Content Placeholder 2">
-            <a:extLst>
-              <a:ext uri="{FF2B5EF4-FFF2-40B4-BE49-F238E27FC236}">
-                <a16:creationId xmlns:a16="http://schemas.microsoft.com/office/drawing/2014/main" id="{7F1EAC36-36AB-72B5-84B7-11603C3317EA}"/>
-              </a:ext>
-            </a:extLst>
-          </p:cNvPr>
-          <p:cNvSpPr>
-            <a:spLocks noGrp="1"/>
-          </p:cNvSpPr>
-          <p:nvPr>
-            <p:ph idx="1"/>
-          </p:nvPr>
-        </p:nvSpPr>
-        <p:spPr/>
-        <p:txBody>
-          <a:bodyPr/>
-          <a:lstStyle/>
-          <a:p>
-            <a:endParaRPr lang="en-NL"/>
-          </a:p>
-        </p:txBody>
-      </p:sp>
-    </p:spTree>
-    <p:extLst>
-      <p:ext uri="{BB962C8B-B14F-4D97-AF65-F5344CB8AC3E}">
-        <p14:creationId xmlns:p14="http://schemas.microsoft.com/office/powerpoint/2010/main" val="265969760"/>
-      </p:ext>
-    </p:extLst>
-  </p:cSld>
-  <p:clrMapOvr>
-    <a:overrideClrMapping bg1="lt1" tx1="dk1" bg2="lt2" tx2="dk2" accent1="accent1" accent2="accent2" accent3="accent3" accent4="accent4" accent5="accent5" accent6="accent6" hlink="hlink" folHlink="folHlink"/>
-  </p:clrMapOvr>
-</p:sld>
-</file>
-
-<file path=ppt/slides/slide3.xml><?xml version="1.0" encoding="utf-8"?>
-<p:sld xmlns:a="http://schemas.openxmlformats.org/drawingml/2006/main" xmlns:r="http://schemas.openxmlformats.org/officeDocument/2006/relationships" xmlns:p="http://schemas.openxmlformats.org/presentationml/2006/main">
-  <p:cSld>
-    <p:bg>
-      <p:bgPr>
-        <a:solidFill>
-          <a:schemeClr val="bg1"/>
-        </a:solidFill>
-        <a:effectLst/>
-      </p:bgPr>
-    </p:bg>
-    <p:spTree>
-      <p:nvGrpSpPr>
-        <p:cNvPr id="1" name=""/>
-        <p:cNvGrpSpPr/>
-        <p:nvPr/>
-      </p:nvGrpSpPr>
-      <p:grpSpPr>
-        <a:xfrm>
-          <a:off x="0" y="0"/>
-          <a:ext cx="0" cy="0"/>
-          <a:chOff x="0" y="0"/>
-          <a:chExt cx="0" cy="0"/>
-        </a:xfrm>
-      </p:grpSpPr>
       <p:sp useBgFill="1">
         <p:nvSpPr>
-          <p:cNvPr id="22" name="Rectangle 21">
-            <a:extLst>
-              <a:ext uri="{FF2B5EF4-FFF2-40B4-BE49-F238E27FC236}">
-                <a16:creationId xmlns:a16="http://schemas.microsoft.com/office/drawing/2014/main" id="{B712E947-0734-45F9-9C4F-41114EC3A33E}"/>
+          <p:cNvPr id="29" name="Rectangle 28">
+            <a:extLst>
+              <a:ext uri="{FF2B5EF4-FFF2-40B4-BE49-F238E27FC236}">
+                <a16:creationId xmlns:a16="http://schemas.microsoft.com/office/drawing/2014/main" id="{979E27D9-03C7-44E2-9FF8-15D0C8506AF7}"/>
               </a:ext>
               <a:ext uri="{C183D7F6-B498-43B3-948B-1728B52AA6E4}">
                 <adec:decorative xmlns:adec="http://schemas.microsoft.com/office/drawing/2017/decorative" val="1"/>
@@ -4387,7 +4390,7 @@
           <p:cNvPr id="2" name="Title 1">
             <a:extLst>
               <a:ext uri="{FF2B5EF4-FFF2-40B4-BE49-F238E27FC236}">
-                <a16:creationId xmlns:a16="http://schemas.microsoft.com/office/drawing/2014/main" id="{EE6CFEBF-3B0B-49CF-AECB-82F91D455D13}"/>
+                <a16:creationId xmlns:a16="http://schemas.microsoft.com/office/drawing/2014/main" id="{7B8D5DE6-52C5-3B41-C97C-8E651AC1DD85}"/>
               </a:ext>
             </a:extLst>
           </p:cNvPr>
@@ -4400,8 +4403,8 @@
         </p:nvSpPr>
         <p:spPr>
           <a:xfrm>
-            <a:off x="1136396" y="457201"/>
-            <a:ext cx="5814240" cy="1556870"/>
+            <a:off x="1136397" y="502021"/>
+            <a:ext cx="9688296" cy="1642969"/>
           </a:xfrm>
         </p:spPr>
         <p:txBody>
@@ -4412,7 +4415,15 @@
           <a:p>
             <a:r>
               <a:rPr lang="en-GB" sz="4000" dirty="0"/>
-              <a:t>File-scoped namespaces</a:t>
+              <a:t>Modifying .</a:t>
+            </a:r>
+            <a:r>
+              <a:rPr lang="en-GB" sz="4000" dirty="0" err="1"/>
+              <a:t>csproj</a:t>
+            </a:r>
+            <a:r>
+              <a:rPr lang="en-GB" sz="4000" dirty="0"/>
+              <a:t> files</a:t>
             </a:r>
             <a:endParaRPr lang="en-NL" sz="4000" dirty="0"/>
           </a:p>
@@ -4420,10 +4431,10 @@
       </p:sp>
       <p:sp>
         <p:nvSpPr>
-          <p:cNvPr id="3" name="Content Placeholder 2">
-            <a:extLst>
-              <a:ext uri="{FF2B5EF4-FFF2-40B4-BE49-F238E27FC236}">
-                <a16:creationId xmlns:a16="http://schemas.microsoft.com/office/drawing/2014/main" id="{F78E95FE-D71E-F2BD-B9CC-83362D0976A7}"/>
+          <p:cNvPr id="30" name="Content Placeholder 2">
+            <a:extLst>
+              <a:ext uri="{FF2B5EF4-FFF2-40B4-BE49-F238E27FC236}">
+                <a16:creationId xmlns:a16="http://schemas.microsoft.com/office/drawing/2014/main" id="{F311C744-8B37-C1F3-9C6F-199A326778EC}"/>
               </a:ext>
             </a:extLst>
           </p:cNvPr>
@@ -4436,12 +4447,12 @@
         </p:nvSpPr>
         <p:spPr>
           <a:xfrm>
-            <a:off x="1136396" y="2277036"/>
-            <a:ext cx="5814239" cy="3461155"/>
+            <a:off x="1136397" y="2418409"/>
+            <a:ext cx="9688296" cy="3454358"/>
           </a:xfrm>
         </p:spPr>
         <p:txBody>
-          <a:bodyPr>
+          <a:bodyPr anchor="t">
             <a:normAutofit/>
           </a:bodyPr>
           <a:lstStyle/>
@@ -4451,78 +4462,34 @@
             </a:pPr>
             <a:r>
               <a:rPr lang="en-GB" sz="2000" dirty="0"/>
-              <a:t>If we only define one namespace inside a .cs file (which is what we always do) we can use file-scope namespaces to reduce indentation.</a:t>
-            </a:r>
-            <a:endParaRPr lang="en-NL" sz="2000" dirty="0"/>
-          </a:p>
-        </p:txBody>
-      </p:sp>
-      <p:pic>
-        <p:nvPicPr>
-          <p:cNvPr id="5" name="Picture 4">
-            <a:extLst>
-              <a:ext uri="{FF2B5EF4-FFF2-40B4-BE49-F238E27FC236}">
-                <a16:creationId xmlns:a16="http://schemas.microsoft.com/office/drawing/2014/main" id="{6F9048FC-A996-9113-213F-FEEA9CE75FFD}"/>
-              </a:ext>
-            </a:extLst>
-          </p:cNvPr>
-          <p:cNvPicPr>
-            <a:picLocks noChangeAspect="1"/>
-          </p:cNvPicPr>
-          <p:nvPr/>
-        </p:nvPicPr>
-        <p:blipFill>
-          <a:blip r:embed="rId2"/>
-          <a:stretch>
-            <a:fillRect/>
-          </a:stretch>
-        </p:blipFill>
-        <p:spPr>
-          <a:xfrm>
-            <a:off x="7679766" y="1261335"/>
-            <a:ext cx="3712869" cy="1286212"/>
-          </a:xfrm>
-          <a:prstGeom prst="rect">
-            <a:avLst/>
-          </a:prstGeom>
-        </p:spPr>
-      </p:pic>
-      <p:pic>
-        <p:nvPicPr>
-          <p:cNvPr id="7" name="Picture 6">
-            <a:extLst>
-              <a:ext uri="{FF2B5EF4-FFF2-40B4-BE49-F238E27FC236}">
-                <a16:creationId xmlns:a16="http://schemas.microsoft.com/office/drawing/2014/main" id="{3FDBA376-1C14-F0DC-4551-7647120274CB}"/>
-              </a:ext>
-            </a:extLst>
-          </p:cNvPr>
-          <p:cNvPicPr>
-            <a:picLocks noChangeAspect="1"/>
-          </p:cNvPicPr>
-          <p:nvPr/>
-        </p:nvPicPr>
-        <p:blipFill>
-          <a:blip r:embed="rId3"/>
-          <a:stretch>
-            <a:fillRect/>
-          </a:stretch>
-        </p:blipFill>
-        <p:spPr>
-          <a:xfrm>
-            <a:off x="7665410" y="3815827"/>
-            <a:ext cx="3712869" cy="1363256"/>
-          </a:xfrm>
-          <a:prstGeom prst="rect">
-            <a:avLst/>
-          </a:prstGeom>
-        </p:spPr>
-      </p:pic>
-      <p:sp>
-        <p:nvSpPr>
-          <p:cNvPr id="23" name="Rectangle 22">
-            <a:extLst>
-              <a:ext uri="{FF2B5EF4-FFF2-40B4-BE49-F238E27FC236}">
-                <a16:creationId xmlns:a16="http://schemas.microsoft.com/office/drawing/2014/main" id="{5A65989E-BBD5-44D7-AA86-7AFD5D46BBC0}"/>
+              <a:t>In .NET Core it is possible to directly modify the .</a:t>
+            </a:r>
+            <a:r>
+              <a:rPr lang="en-GB" sz="2000" dirty="0" err="1"/>
+              <a:t>csproj</a:t>
+            </a:r>
+            <a:r>
+              <a:rPr lang="en-GB" sz="2000" dirty="0"/>
+              <a:t> file by double clicking on the corresponding project from Visual Studio.</a:t>
+            </a:r>
+          </a:p>
+          <a:p>
+            <a:pPr marL="0" indent="0">
+              <a:buNone/>
+            </a:pPr>
+            <a:r>
+              <a:rPr lang="en-GB" sz="2000" dirty="0"/>
+              <a:t>Although we rarely do this for existing repos, it can be very useful when setting up a new project/solution, or to modify settings in an existing project.</a:t>
+            </a:r>
+          </a:p>
+        </p:txBody>
+      </p:sp>
+      <p:sp>
+        <p:nvSpPr>
+          <p:cNvPr id="31" name="Rectangle 30">
+            <a:extLst>
+              <a:ext uri="{FF2B5EF4-FFF2-40B4-BE49-F238E27FC236}">
+                <a16:creationId xmlns:a16="http://schemas.microsoft.com/office/drawing/2014/main" id="{EEBF1590-3B36-48EE-A89D-3B6F3CB256AB}"/>
               </a:ext>
               <a:ext uri="{C183D7F6-B498-43B3-948B-1728B52AA6E4}">
                 <adec:decorative xmlns:adec="http://schemas.microsoft.com/office/drawing/2017/decorative" val="1"/>
@@ -4553,11 +4520,11 @@
               <a:gs pos="0">
                 <a:schemeClr val="accent1"/>
               </a:gs>
-              <a:gs pos="66000">
+              <a:gs pos="78000">
                 <a:srgbClr val="000000"/>
               </a:gs>
             </a:gsLst>
-            <a:lin ang="10200000" scaled="0"/>
+            <a:lin ang="2400000" scaled="0"/>
           </a:gradFill>
           <a:ln>
             <a:noFill/>
@@ -4590,10 +4557,10 @@
       </p:sp>
       <p:sp>
         <p:nvSpPr>
-          <p:cNvPr id="24" name="Rectangle 23">
-            <a:extLst>
-              <a:ext uri="{FF2B5EF4-FFF2-40B4-BE49-F238E27FC236}">
-                <a16:creationId xmlns:a16="http://schemas.microsoft.com/office/drawing/2014/main" id="{231A2881-D8D7-4A7D-ACA3-E9F849F853D8}"/>
+          <p:cNvPr id="32" name="Rectangle 31">
+            <a:extLst>
+              <a:ext uri="{FF2B5EF4-FFF2-40B4-BE49-F238E27FC236}">
+                <a16:creationId xmlns:a16="http://schemas.microsoft.com/office/drawing/2014/main" id="{AC8F6C8C-AB5A-4548-942D-E3FD40ACBC49}"/>
               </a:ext>
               <a:ext uri="{C183D7F6-B498-43B3-948B-1728B52AA6E4}">
                 <adec:decorative xmlns:adec="http://schemas.microsoft.com/office/drawing/2017/decorative" val="1"/>
@@ -4613,7 +4580,7 @@
         </p:nvSpPr>
         <p:spPr>
           <a:xfrm flipH="1">
-            <a:off x="1" y="6400800"/>
+            <a:off x="4038600" y="6400799"/>
             <a:ext cx="8153398" cy="456772"/>
           </a:xfrm>
           <a:prstGeom prst="rect">
@@ -4632,7 +4599,7 @@
                 </a:schemeClr>
               </a:gs>
             </a:gsLst>
-            <a:lin ang="17400000" scaled="0"/>
+            <a:lin ang="13800000" scaled="0"/>
           </a:gradFill>
           <a:ln>
             <a:noFill/>
@@ -4663,84 +4630,10 @@
           </a:p>
         </p:txBody>
       </p:sp>
-      <p:sp>
-        <p:nvSpPr>
-          <p:cNvPr id="10" name="TextBox 9">
-            <a:extLst>
-              <a:ext uri="{FF2B5EF4-FFF2-40B4-BE49-F238E27FC236}">
-                <a16:creationId xmlns:a16="http://schemas.microsoft.com/office/drawing/2014/main" id="{F900671C-A125-787B-4DA4-0DACECBB88C8}"/>
-              </a:ext>
-            </a:extLst>
-          </p:cNvPr>
-          <p:cNvSpPr txBox="1"/>
-          <p:nvPr/>
-        </p:nvSpPr>
-        <p:spPr>
-          <a:xfrm>
-            <a:off x="8842432" y="3430693"/>
-            <a:ext cx="1457771" cy="369332"/>
-          </a:xfrm>
-          <a:prstGeom prst="rect">
-            <a:avLst/>
-          </a:prstGeom>
-          <a:noFill/>
-        </p:spPr>
-        <p:txBody>
-          <a:bodyPr wrap="none" rtlCol="0">
-            <a:spAutoFit/>
-          </a:bodyPr>
-          <a:lstStyle/>
-          <a:p>
-            <a:pPr algn="ctr"/>
-            <a:r>
-              <a:rPr lang="en-GB" dirty="0"/>
-              <a:t>Before C# 10</a:t>
-            </a:r>
-            <a:endParaRPr lang="en-NL" dirty="0"/>
-          </a:p>
-        </p:txBody>
-      </p:sp>
-      <p:sp>
-        <p:nvSpPr>
-          <p:cNvPr id="11" name="TextBox 10">
-            <a:extLst>
-              <a:ext uri="{FF2B5EF4-FFF2-40B4-BE49-F238E27FC236}">
-                <a16:creationId xmlns:a16="http://schemas.microsoft.com/office/drawing/2014/main" id="{508A1D37-608A-B8BE-C96C-5FF9A24C31BC}"/>
-              </a:ext>
-            </a:extLst>
-          </p:cNvPr>
-          <p:cNvSpPr txBox="1"/>
-          <p:nvPr/>
-        </p:nvSpPr>
-        <p:spPr>
-          <a:xfrm>
-            <a:off x="8816193" y="866304"/>
-            <a:ext cx="1411301" cy="369332"/>
-          </a:xfrm>
-          <a:prstGeom prst="rect">
-            <a:avLst/>
-          </a:prstGeom>
-          <a:noFill/>
-        </p:spPr>
-        <p:txBody>
-          <a:bodyPr wrap="square" rtlCol="0">
-            <a:spAutoFit/>
-          </a:bodyPr>
-          <a:lstStyle/>
-          <a:p>
-            <a:pPr algn="ctr"/>
-            <a:r>
-              <a:rPr lang="en-GB" dirty="0"/>
-              <a:t>Since C# 10</a:t>
-            </a:r>
-            <a:endParaRPr lang="en-NL" dirty="0"/>
-          </a:p>
-        </p:txBody>
-      </p:sp>
     </p:spTree>
     <p:extLst>
       <p:ext uri="{BB962C8B-B14F-4D97-AF65-F5344CB8AC3E}">
-        <p14:creationId xmlns:p14="http://schemas.microsoft.com/office/powerpoint/2010/main" val="682547770"/>
+        <p14:creationId xmlns:p14="http://schemas.microsoft.com/office/powerpoint/2010/main" val="3402635475"/>
       </p:ext>
     </p:extLst>
   </p:cSld>
@@ -4750,7 +4643,7 @@
 </p:sld>
 </file>
 
-<file path=ppt/slides/slide4.xml><?xml version="1.0" encoding="utf-8"?>
+<file path=ppt/slides/slide3.xml><?xml version="1.0" encoding="utf-8"?>
 <p:sld xmlns:a="http://schemas.openxmlformats.org/drawingml/2006/main" xmlns:r="http://schemas.openxmlformats.org/officeDocument/2006/relationships" xmlns:p="http://schemas.openxmlformats.org/presentationml/2006/main">
   <p:cSld>
     <p:bg>
@@ -4880,10 +4773,10 @@
           <a:lstStyle/>
           <a:p>
             <a:r>
-              <a:rPr lang="en-GB" sz="4000"/>
-              <a:t>Implicit usings</a:t>
-            </a:r>
-            <a:endParaRPr lang="en-NL" sz="4000"/>
+              <a:rPr lang="en-GB" sz="4000" dirty="0"/>
+              <a:t>Running tests individually</a:t>
+            </a:r>
+            <a:endParaRPr lang="en-NL" sz="4000" dirty="0"/>
           </a:p>
         </p:txBody>
       </p:sp>
@@ -4919,52 +4812,10 @@
               <a:buNone/>
             </a:pPr>
             <a:r>
-              <a:rPr lang="en-GB" sz="2000"/>
-              <a:t>By default, every .cs file uses the following namespaces:</a:t>
-            </a:r>
-          </a:p>
-          <a:p>
-            <a:r>
-              <a:rPr lang="en-US" sz="2000"/>
-              <a:t>System</a:t>
-            </a:r>
-          </a:p>
-          <a:p>
-            <a:r>
-              <a:rPr lang="en-US" sz="2000"/>
-              <a:t>System.Collections.Generic</a:t>
-            </a:r>
-          </a:p>
-          <a:p>
-            <a:r>
-              <a:rPr lang="en-US" sz="2000"/>
-              <a:t>System.IO</a:t>
-            </a:r>
-          </a:p>
-          <a:p>
-            <a:r>
-              <a:rPr lang="en-US" sz="2000"/>
-              <a:t>System.Linq</a:t>
-            </a:r>
-          </a:p>
-          <a:p>
-            <a:r>
-              <a:rPr lang="en-US" sz="2000"/>
-              <a:t>System.Net.Http</a:t>
-            </a:r>
-          </a:p>
-          <a:p>
-            <a:r>
-              <a:rPr lang="en-US" sz="2000"/>
-              <a:t>System.Threading</a:t>
-            </a:r>
-          </a:p>
-          <a:p>
-            <a:r>
-              <a:rPr lang="en-US" sz="2000"/>
-              <a:t>System.Threading.Tasks</a:t>
-            </a:r>
-            <a:endParaRPr lang="en-NL" sz="2000"/>
+              <a:rPr lang="en-GB" sz="2000" dirty="0"/>
+              <a:t>Now it is possible to run a single test from a .csv file without having to modify it.</a:t>
+            </a:r>
+            <a:endParaRPr lang="en-NL" sz="2000" dirty="0"/>
           </a:p>
         </p:txBody>
       </p:sp>
@@ -5114,10 +4965,40 @@
           </a:p>
         </p:txBody>
       </p:sp>
+      <p:pic>
+        <p:nvPicPr>
+          <p:cNvPr id="4" name="Picture 3">
+            <a:extLst>
+              <a:ext uri="{FF2B5EF4-FFF2-40B4-BE49-F238E27FC236}">
+                <a16:creationId xmlns:a16="http://schemas.microsoft.com/office/drawing/2014/main" id="{17CADE89-565D-D711-6B27-A0C00D4CFD5F}"/>
+              </a:ext>
+            </a:extLst>
+          </p:cNvPr>
+          <p:cNvPicPr>
+            <a:picLocks noChangeAspect="1"/>
+          </p:cNvPicPr>
+          <p:nvPr/>
+        </p:nvPicPr>
+        <p:blipFill>
+          <a:blip r:embed="rId2"/>
+          <a:stretch>
+            <a:fillRect/>
+          </a:stretch>
+        </p:blipFill>
+        <p:spPr>
+          <a:xfrm>
+            <a:off x="1250124" y="2961861"/>
+            <a:ext cx="4590615" cy="2081238"/>
+          </a:xfrm>
+          <a:prstGeom prst="rect">
+            <a:avLst/>
+          </a:prstGeom>
+        </p:spPr>
+      </p:pic>
     </p:spTree>
     <p:extLst>
       <p:ext uri="{BB962C8B-B14F-4D97-AF65-F5344CB8AC3E}">
-        <p14:creationId xmlns:p14="http://schemas.microsoft.com/office/powerpoint/2010/main" val="2231014413"/>
+        <p14:creationId xmlns:p14="http://schemas.microsoft.com/office/powerpoint/2010/main" val="2086745952"/>
       </p:ext>
     </p:extLst>
   </p:cSld>
@@ -5127,7 +5008,7 @@
 </p:sld>
 </file>
 
-<file path=ppt/slides/slide5.xml><?xml version="1.0" encoding="utf-8"?>
+<file path=ppt/slides/slide4.xml><?xml version="1.0" encoding="utf-8"?>
 <p:sld xmlns:a="http://schemas.openxmlformats.org/drawingml/2006/main" xmlns:r="http://schemas.openxmlformats.org/officeDocument/2006/relationships" xmlns:p="http://schemas.openxmlformats.org/presentationml/2006/main">
   <p:cSld>
     <p:bg>
@@ -5154,7 +5035,7 @@
       </p:grpSpPr>
       <p:sp useBgFill="1">
         <p:nvSpPr>
-          <p:cNvPr id="10" name="Rectangle 9">
+          <p:cNvPr id="22" name="Rectangle 21">
             <a:extLst>
               <a:ext uri="{FF2B5EF4-FFF2-40B4-BE49-F238E27FC236}">
                 <a16:creationId xmlns:a16="http://schemas.microsoft.com/office/drawing/2014/main" id="{B712E947-0734-45F9-9C4F-41114EC3A33E}"/>
@@ -5233,7 +5114,7 @@
           <p:cNvPr id="2" name="Title 1">
             <a:extLst>
               <a:ext uri="{FF2B5EF4-FFF2-40B4-BE49-F238E27FC236}">
-                <a16:creationId xmlns:a16="http://schemas.microsoft.com/office/drawing/2014/main" id="{BA2A60FF-5871-64A5-ABEB-6CC8D3D8BC61}"/>
+                <a16:creationId xmlns:a16="http://schemas.microsoft.com/office/drawing/2014/main" id="{EE6CFEBF-3B0B-49CF-AECB-82F91D455D13}"/>
               </a:ext>
             </a:extLst>
           </p:cNvPr>
@@ -5257,10 +5138,10 @@
           <a:lstStyle/>
           <a:p>
             <a:r>
-              <a:rPr lang="en-GB" sz="4000"/>
-              <a:t>var vs new()</a:t>
-            </a:r>
-            <a:endParaRPr lang="en-NL" sz="4000"/>
+              <a:rPr lang="en-GB" sz="4000" dirty="0"/>
+              <a:t>File-scoped namespaces</a:t>
+            </a:r>
+            <a:endParaRPr lang="en-NL" sz="4000" dirty="0"/>
           </a:p>
         </p:txBody>
       </p:sp>
@@ -5269,7 +5150,7 @@
           <p:cNvPr id="3" name="Content Placeholder 2">
             <a:extLst>
               <a:ext uri="{FF2B5EF4-FFF2-40B4-BE49-F238E27FC236}">
-                <a16:creationId xmlns:a16="http://schemas.microsoft.com/office/drawing/2014/main" id="{14A4DC80-4868-5885-71EB-B6553F1DF86C}"/>
+                <a16:creationId xmlns:a16="http://schemas.microsoft.com/office/drawing/2014/main" id="{F78E95FE-D71E-F2BD-B9CC-83362D0976A7}"/>
               </a:ext>
             </a:extLst>
           </p:cNvPr>
@@ -5296,33 +5177,19 @@
               <a:buNone/>
             </a:pPr>
             <a:r>
-              <a:rPr lang="en-GB" sz="2000"/>
-              <a:t>Since C# 9.0 class initialization can be simplified</a:t>
-            </a:r>
-          </a:p>
-          <a:p>
-            <a:endParaRPr lang="en-GB" sz="2000"/>
-          </a:p>
-          <a:p>
-            <a:endParaRPr lang="en-GB" sz="2000"/>
-          </a:p>
-          <a:p>
-            <a:endParaRPr lang="en-GB" sz="2000"/>
-          </a:p>
-          <a:p>
-            <a:pPr marL="0" indent="0">
-              <a:buNone/>
-            </a:pPr>
-            <a:endParaRPr lang="en-GB" sz="2000"/>
+              <a:rPr lang="en-GB" sz="2000" dirty="0"/>
+              <a:t>If we only define one namespace inside a .cs file (which is what we always do) we can use file-scope namespaces to reduce indentation.</a:t>
+            </a:r>
+            <a:endParaRPr lang="en-NL" sz="2000" dirty="0"/>
           </a:p>
         </p:txBody>
       </p:sp>
       <p:pic>
         <p:nvPicPr>
-          <p:cNvPr id="4" name="Picture 3">
-            <a:extLst>
-              <a:ext uri="{FF2B5EF4-FFF2-40B4-BE49-F238E27FC236}">
-                <a16:creationId xmlns:a16="http://schemas.microsoft.com/office/drawing/2014/main" id="{20383942-E7EC-812B-FC44-E108E7F8A033}"/>
+          <p:cNvPr id="5" name="Picture 4">
+            <a:extLst>
+              <a:ext uri="{FF2B5EF4-FFF2-40B4-BE49-F238E27FC236}">
+                <a16:creationId xmlns:a16="http://schemas.microsoft.com/office/drawing/2014/main" id="{6F9048FC-A996-9113-213F-FEEA9CE75FFD}"/>
               </a:ext>
             </a:extLst>
           </p:cNvPr>
@@ -5339,17 +5206,47 @@
         </p:blipFill>
         <p:spPr>
           <a:xfrm>
-            <a:off x="1237995" y="2993813"/>
-            <a:ext cx="6966856" cy="1097280"/>
+            <a:off x="7679766" y="1261335"/>
+            <a:ext cx="3712869" cy="1286212"/>
           </a:xfrm>
           <a:prstGeom prst="rect">
             <a:avLst/>
           </a:prstGeom>
         </p:spPr>
       </p:pic>
-      <p:sp>
-        <p:nvSpPr>
-          <p:cNvPr id="11" name="Rectangle 10">
+      <p:pic>
+        <p:nvPicPr>
+          <p:cNvPr id="7" name="Picture 6">
+            <a:extLst>
+              <a:ext uri="{FF2B5EF4-FFF2-40B4-BE49-F238E27FC236}">
+                <a16:creationId xmlns:a16="http://schemas.microsoft.com/office/drawing/2014/main" id="{3FDBA376-1C14-F0DC-4551-7647120274CB}"/>
+              </a:ext>
+            </a:extLst>
+          </p:cNvPr>
+          <p:cNvPicPr>
+            <a:picLocks noChangeAspect="1"/>
+          </p:cNvPicPr>
+          <p:nvPr/>
+        </p:nvPicPr>
+        <p:blipFill>
+          <a:blip r:embed="rId3"/>
+          <a:stretch>
+            <a:fillRect/>
+          </a:stretch>
+        </p:blipFill>
+        <p:spPr>
+          <a:xfrm>
+            <a:off x="7665410" y="3815827"/>
+            <a:ext cx="3712869" cy="1363256"/>
+          </a:xfrm>
+          <a:prstGeom prst="rect">
+            <a:avLst/>
+          </a:prstGeom>
+        </p:spPr>
+      </p:pic>
+      <p:sp>
+        <p:nvSpPr>
+          <p:cNvPr id="23" name="Rectangle 22">
             <a:extLst>
               <a:ext uri="{FF2B5EF4-FFF2-40B4-BE49-F238E27FC236}">
                 <a16:creationId xmlns:a16="http://schemas.microsoft.com/office/drawing/2014/main" id="{5A65989E-BBD5-44D7-AA86-7AFD5D46BBC0}"/>
@@ -5420,7 +5317,7 @@
       </p:sp>
       <p:sp>
         <p:nvSpPr>
-          <p:cNvPr id="12" name="Rectangle 11">
+          <p:cNvPr id="24" name="Rectangle 23">
             <a:extLst>
               <a:ext uri="{FF2B5EF4-FFF2-40B4-BE49-F238E27FC236}">
                 <a16:creationId xmlns:a16="http://schemas.microsoft.com/office/drawing/2014/main" id="{231A2881-D8D7-4A7D-ACA3-E9F849F853D8}"/>
@@ -5493,10 +5390,84 @@
           </a:p>
         </p:txBody>
       </p:sp>
+      <p:sp>
+        <p:nvSpPr>
+          <p:cNvPr id="10" name="TextBox 9">
+            <a:extLst>
+              <a:ext uri="{FF2B5EF4-FFF2-40B4-BE49-F238E27FC236}">
+                <a16:creationId xmlns:a16="http://schemas.microsoft.com/office/drawing/2014/main" id="{F900671C-A125-787B-4DA4-0DACECBB88C8}"/>
+              </a:ext>
+            </a:extLst>
+          </p:cNvPr>
+          <p:cNvSpPr txBox="1"/>
+          <p:nvPr/>
+        </p:nvSpPr>
+        <p:spPr>
+          <a:xfrm>
+            <a:off x="8842432" y="3430693"/>
+            <a:ext cx="1457771" cy="369332"/>
+          </a:xfrm>
+          <a:prstGeom prst="rect">
+            <a:avLst/>
+          </a:prstGeom>
+          <a:noFill/>
+        </p:spPr>
+        <p:txBody>
+          <a:bodyPr wrap="none" rtlCol="0">
+            <a:spAutoFit/>
+          </a:bodyPr>
+          <a:lstStyle/>
+          <a:p>
+            <a:pPr algn="ctr"/>
+            <a:r>
+              <a:rPr lang="en-GB" dirty="0"/>
+              <a:t>Before C# 10</a:t>
+            </a:r>
+            <a:endParaRPr lang="en-NL" dirty="0"/>
+          </a:p>
+        </p:txBody>
+      </p:sp>
+      <p:sp>
+        <p:nvSpPr>
+          <p:cNvPr id="11" name="TextBox 10">
+            <a:extLst>
+              <a:ext uri="{FF2B5EF4-FFF2-40B4-BE49-F238E27FC236}">
+                <a16:creationId xmlns:a16="http://schemas.microsoft.com/office/drawing/2014/main" id="{508A1D37-608A-B8BE-C96C-5FF9A24C31BC}"/>
+              </a:ext>
+            </a:extLst>
+          </p:cNvPr>
+          <p:cNvSpPr txBox="1"/>
+          <p:nvPr/>
+        </p:nvSpPr>
+        <p:spPr>
+          <a:xfrm>
+            <a:off x="8816193" y="866304"/>
+            <a:ext cx="1411301" cy="369332"/>
+          </a:xfrm>
+          <a:prstGeom prst="rect">
+            <a:avLst/>
+          </a:prstGeom>
+          <a:noFill/>
+        </p:spPr>
+        <p:txBody>
+          <a:bodyPr wrap="square" rtlCol="0">
+            <a:spAutoFit/>
+          </a:bodyPr>
+          <a:lstStyle/>
+          <a:p>
+            <a:pPr algn="ctr"/>
+            <a:r>
+              <a:rPr lang="en-GB" dirty="0"/>
+              <a:t>Since C# 10</a:t>
+            </a:r>
+            <a:endParaRPr lang="en-NL" dirty="0"/>
+          </a:p>
+        </p:txBody>
+      </p:sp>
     </p:spTree>
     <p:extLst>
       <p:ext uri="{BB962C8B-B14F-4D97-AF65-F5344CB8AC3E}">
-        <p14:creationId xmlns:p14="http://schemas.microsoft.com/office/powerpoint/2010/main" val="3678909553"/>
+        <p14:creationId xmlns:p14="http://schemas.microsoft.com/office/powerpoint/2010/main" val="682547770"/>
       </p:ext>
     </p:extLst>
   </p:cSld>
@@ -5506,7 +5477,7 @@
 </p:sld>
 </file>
 
-<file path=ppt/slides/slide6.xml><?xml version="1.0" encoding="utf-8"?>
+<file path=ppt/slides/slide5.xml><?xml version="1.0" encoding="utf-8"?>
 <p:sld xmlns:a="http://schemas.openxmlformats.org/drawingml/2006/main" xmlns:r="http://schemas.openxmlformats.org/officeDocument/2006/relationships" xmlns:p="http://schemas.openxmlformats.org/presentationml/2006/main">
   <p:cSld>
     <p:bg>
@@ -5533,10 +5504,10 @@
       </p:grpSpPr>
       <p:sp useBgFill="1">
         <p:nvSpPr>
-          <p:cNvPr id="10" name="Rectangle 9">
-            <a:extLst>
-              <a:ext uri="{FF2B5EF4-FFF2-40B4-BE49-F238E27FC236}">
-                <a16:creationId xmlns:a16="http://schemas.microsoft.com/office/drawing/2014/main" id="{B712E947-0734-45F9-9C4F-41114EC3A33E}"/>
+          <p:cNvPr id="29" name="Rectangle 28">
+            <a:extLst>
+              <a:ext uri="{FF2B5EF4-FFF2-40B4-BE49-F238E27FC236}">
+                <a16:creationId xmlns:a16="http://schemas.microsoft.com/office/drawing/2014/main" id="{979E27D9-03C7-44E2-9FF8-15D0C8506AF7}"/>
               </a:ext>
               <a:ext uri="{C183D7F6-B498-43B3-948B-1728B52AA6E4}">
                 <adec:decorative xmlns:adec="http://schemas.microsoft.com/office/drawing/2017/decorative" val="1"/>
@@ -5612,6 +5583,383 @@
           <p:cNvPr id="2" name="Title 1">
             <a:extLst>
               <a:ext uri="{FF2B5EF4-FFF2-40B4-BE49-F238E27FC236}">
+                <a16:creationId xmlns:a16="http://schemas.microsoft.com/office/drawing/2014/main" id="{7B8D5DE6-52C5-3B41-C97C-8E651AC1DD85}"/>
+              </a:ext>
+            </a:extLst>
+          </p:cNvPr>
+          <p:cNvSpPr>
+            <a:spLocks noGrp="1"/>
+          </p:cNvSpPr>
+          <p:nvPr>
+            <p:ph type="title"/>
+          </p:nvPr>
+        </p:nvSpPr>
+        <p:spPr>
+          <a:xfrm>
+            <a:off x="1136397" y="502021"/>
+            <a:ext cx="9688296" cy="1642969"/>
+          </a:xfrm>
+        </p:spPr>
+        <p:txBody>
+          <a:bodyPr anchor="b">
+            <a:normAutofit/>
+          </a:bodyPr>
+          <a:lstStyle/>
+          <a:p>
+            <a:r>
+              <a:rPr lang="en-GB" sz="4000" dirty="0"/>
+              <a:t>Implicit usings</a:t>
+            </a:r>
+            <a:endParaRPr lang="en-NL" sz="4000" dirty="0"/>
+          </a:p>
+        </p:txBody>
+      </p:sp>
+      <p:sp>
+        <p:nvSpPr>
+          <p:cNvPr id="30" name="Content Placeholder 2">
+            <a:extLst>
+              <a:ext uri="{FF2B5EF4-FFF2-40B4-BE49-F238E27FC236}">
+                <a16:creationId xmlns:a16="http://schemas.microsoft.com/office/drawing/2014/main" id="{F311C744-8B37-C1F3-9C6F-199A326778EC}"/>
+              </a:ext>
+            </a:extLst>
+          </p:cNvPr>
+          <p:cNvSpPr>
+            <a:spLocks noGrp="1"/>
+          </p:cNvSpPr>
+          <p:nvPr>
+            <p:ph idx="1"/>
+          </p:nvPr>
+        </p:nvSpPr>
+        <p:spPr>
+          <a:xfrm>
+            <a:off x="1136397" y="2418409"/>
+            <a:ext cx="9688296" cy="3454358"/>
+          </a:xfrm>
+        </p:spPr>
+        <p:txBody>
+          <a:bodyPr anchor="t">
+            <a:normAutofit/>
+          </a:bodyPr>
+          <a:lstStyle/>
+          <a:p>
+            <a:pPr marL="0" indent="0">
+              <a:buNone/>
+            </a:pPr>
+            <a:r>
+              <a:rPr lang="en-GB" sz="2000"/>
+              <a:t>By default, every .cs file uses the following namespaces:</a:t>
+            </a:r>
+          </a:p>
+          <a:p>
+            <a:r>
+              <a:rPr lang="en-US" sz="2000"/>
+              <a:t>System</a:t>
+            </a:r>
+          </a:p>
+          <a:p>
+            <a:r>
+              <a:rPr lang="en-US" sz="2000"/>
+              <a:t>System.Collections.Generic</a:t>
+            </a:r>
+          </a:p>
+          <a:p>
+            <a:r>
+              <a:rPr lang="en-US" sz="2000"/>
+              <a:t>System.IO</a:t>
+            </a:r>
+          </a:p>
+          <a:p>
+            <a:r>
+              <a:rPr lang="en-US" sz="2000"/>
+              <a:t>System.Linq</a:t>
+            </a:r>
+          </a:p>
+          <a:p>
+            <a:r>
+              <a:rPr lang="en-US" sz="2000"/>
+              <a:t>System.Net.Http</a:t>
+            </a:r>
+          </a:p>
+          <a:p>
+            <a:r>
+              <a:rPr lang="en-US" sz="2000"/>
+              <a:t>System.Threading</a:t>
+            </a:r>
+          </a:p>
+          <a:p>
+            <a:r>
+              <a:rPr lang="en-US" sz="2000"/>
+              <a:t>System.Threading.Tasks</a:t>
+            </a:r>
+            <a:endParaRPr lang="en-NL" sz="2000"/>
+          </a:p>
+        </p:txBody>
+      </p:sp>
+      <p:sp>
+        <p:nvSpPr>
+          <p:cNvPr id="31" name="Rectangle 30">
+            <a:extLst>
+              <a:ext uri="{FF2B5EF4-FFF2-40B4-BE49-F238E27FC236}">
+                <a16:creationId xmlns:a16="http://schemas.microsoft.com/office/drawing/2014/main" id="{EEBF1590-3B36-48EE-A89D-3B6F3CB256AB}"/>
+              </a:ext>
+              <a:ext uri="{C183D7F6-B498-43B3-948B-1728B52AA6E4}">
+                <adec:decorative xmlns:adec="http://schemas.microsoft.com/office/drawing/2017/decorative" val="1"/>
+              </a:ext>
+            </a:extLst>
+          </p:cNvPr>
+          <p:cNvSpPr>
+            <a:spLocks noGrp="1" noRot="1" noChangeAspect="1" noMove="1" noResize="1" noEditPoints="1" noAdjustHandles="1" noChangeArrowheads="1" noChangeShapeType="1" noTextEdit="1"/>
+          </p:cNvSpPr>
+          <p:nvPr>
+            <p:extLst>
+              <p:ext uri="{386F3935-93C4-4BCD-93E2-E3B085C9AB24}">
+                <p16:designElem xmlns:p16="http://schemas.microsoft.com/office/powerpoint/2015/main" val="1"/>
+              </p:ext>
+            </p:extLst>
+          </p:nvPr>
+        </p:nvSpPr>
+        <p:spPr>
+          <a:xfrm rot="10800000" flipH="1">
+            <a:off x="0" y="6400799"/>
+            <a:ext cx="12192000" cy="456773"/>
+          </a:xfrm>
+          <a:prstGeom prst="rect">
+            <a:avLst/>
+          </a:prstGeom>
+          <a:gradFill>
+            <a:gsLst>
+              <a:gs pos="0">
+                <a:schemeClr val="accent1"/>
+              </a:gs>
+              <a:gs pos="78000">
+                <a:srgbClr val="000000"/>
+              </a:gs>
+            </a:gsLst>
+            <a:lin ang="2400000" scaled="0"/>
+          </a:gradFill>
+          <a:ln>
+            <a:noFill/>
+          </a:ln>
+        </p:spPr>
+        <p:style>
+          <a:lnRef idx="2">
+            <a:schemeClr val="accent1">
+              <a:shade val="50000"/>
+            </a:schemeClr>
+          </a:lnRef>
+          <a:fillRef idx="1">
+            <a:schemeClr val="accent1"/>
+          </a:fillRef>
+          <a:effectRef idx="0">
+            <a:schemeClr val="accent1"/>
+          </a:effectRef>
+          <a:fontRef idx="minor">
+            <a:schemeClr val="lt1"/>
+          </a:fontRef>
+        </p:style>
+        <p:txBody>
+          <a:bodyPr rtlCol="0" anchor="ctr"/>
+          <a:lstStyle/>
+          <a:p>
+            <a:pPr algn="ctr"/>
+            <a:endParaRPr lang="en-US"/>
+          </a:p>
+        </p:txBody>
+      </p:sp>
+      <p:sp>
+        <p:nvSpPr>
+          <p:cNvPr id="32" name="Rectangle 31">
+            <a:extLst>
+              <a:ext uri="{FF2B5EF4-FFF2-40B4-BE49-F238E27FC236}">
+                <a16:creationId xmlns:a16="http://schemas.microsoft.com/office/drawing/2014/main" id="{AC8F6C8C-AB5A-4548-942D-E3FD40ACBC49}"/>
+              </a:ext>
+              <a:ext uri="{C183D7F6-B498-43B3-948B-1728B52AA6E4}">
+                <adec:decorative xmlns:adec="http://schemas.microsoft.com/office/drawing/2017/decorative" val="1"/>
+              </a:ext>
+            </a:extLst>
+          </p:cNvPr>
+          <p:cNvSpPr>
+            <a:spLocks noGrp="1" noRot="1" noChangeAspect="1" noMove="1" noResize="1" noEditPoints="1" noAdjustHandles="1" noChangeArrowheads="1" noChangeShapeType="1" noTextEdit="1"/>
+          </p:cNvSpPr>
+          <p:nvPr>
+            <p:extLst>
+              <p:ext uri="{386F3935-93C4-4BCD-93E2-E3B085C9AB24}">
+                <p16:designElem xmlns:p16="http://schemas.microsoft.com/office/powerpoint/2015/main" val="1"/>
+              </p:ext>
+            </p:extLst>
+          </p:nvPr>
+        </p:nvSpPr>
+        <p:spPr>
+          <a:xfrm flipH="1">
+            <a:off x="4038600" y="6400799"/>
+            <a:ext cx="8153398" cy="456772"/>
+          </a:xfrm>
+          <a:prstGeom prst="rect">
+            <a:avLst/>
+          </a:prstGeom>
+          <a:gradFill>
+            <a:gsLst>
+              <a:gs pos="0">
+                <a:srgbClr val="000000">
+                  <a:alpha val="63000"/>
+                </a:srgbClr>
+              </a:gs>
+              <a:gs pos="100000">
+                <a:schemeClr val="accent1">
+                  <a:lumMod val="75000"/>
+                </a:schemeClr>
+              </a:gs>
+            </a:gsLst>
+            <a:lin ang="13800000" scaled="0"/>
+          </a:gradFill>
+          <a:ln>
+            <a:noFill/>
+          </a:ln>
+        </p:spPr>
+        <p:style>
+          <a:lnRef idx="2">
+            <a:schemeClr val="accent1">
+              <a:shade val="50000"/>
+            </a:schemeClr>
+          </a:lnRef>
+          <a:fillRef idx="1">
+            <a:schemeClr val="accent1"/>
+          </a:fillRef>
+          <a:effectRef idx="0">
+            <a:schemeClr val="accent1"/>
+          </a:effectRef>
+          <a:fontRef idx="minor">
+            <a:schemeClr val="lt1"/>
+          </a:fontRef>
+        </p:style>
+        <p:txBody>
+          <a:bodyPr rtlCol="0" anchor="ctr"/>
+          <a:lstStyle/>
+          <a:p>
+            <a:pPr algn="ctr"/>
+            <a:endParaRPr lang="en-US"/>
+          </a:p>
+        </p:txBody>
+      </p:sp>
+    </p:spTree>
+    <p:extLst>
+      <p:ext uri="{BB962C8B-B14F-4D97-AF65-F5344CB8AC3E}">
+        <p14:creationId xmlns:p14="http://schemas.microsoft.com/office/powerpoint/2010/main" val="2231014413"/>
+      </p:ext>
+    </p:extLst>
+  </p:cSld>
+  <p:clrMapOvr>
+    <a:masterClrMapping/>
+  </p:clrMapOvr>
+</p:sld>
+</file>
+
+<file path=ppt/slides/slide6.xml><?xml version="1.0" encoding="utf-8"?>
+<p:sld xmlns:a="http://schemas.openxmlformats.org/drawingml/2006/main" xmlns:r="http://schemas.openxmlformats.org/officeDocument/2006/relationships" xmlns:p="http://schemas.openxmlformats.org/presentationml/2006/main">
+  <p:cSld>
+    <p:bg>
+      <p:bgPr>
+        <a:solidFill>
+          <a:schemeClr val="bg1"/>
+        </a:solidFill>
+        <a:effectLst/>
+      </p:bgPr>
+    </p:bg>
+    <p:spTree>
+      <p:nvGrpSpPr>
+        <p:cNvPr id="1" name=""/>
+        <p:cNvGrpSpPr/>
+        <p:nvPr/>
+      </p:nvGrpSpPr>
+      <p:grpSpPr>
+        <a:xfrm>
+          <a:off x="0" y="0"/>
+          <a:ext cx="0" cy="0"/>
+          <a:chOff x="0" y="0"/>
+          <a:chExt cx="0" cy="0"/>
+        </a:xfrm>
+      </p:grpSpPr>
+      <p:sp useBgFill="1">
+        <p:nvSpPr>
+          <p:cNvPr id="10" name="Rectangle 9">
+            <a:extLst>
+              <a:ext uri="{FF2B5EF4-FFF2-40B4-BE49-F238E27FC236}">
+                <a16:creationId xmlns:a16="http://schemas.microsoft.com/office/drawing/2014/main" id="{B712E947-0734-45F9-9C4F-41114EC3A33E}"/>
+              </a:ext>
+              <a:ext uri="{C183D7F6-B498-43B3-948B-1728B52AA6E4}">
+                <adec:decorative xmlns:adec="http://schemas.microsoft.com/office/drawing/2017/decorative" val="1"/>
+              </a:ext>
+            </a:extLst>
+          </p:cNvPr>
+          <p:cNvSpPr>
+            <a:spLocks noGrp="1" noRot="1" noChangeAspect="1" noMove="1" noResize="1" noEditPoints="1" noAdjustHandles="1" noChangeArrowheads="1" noChangeShapeType="1" noTextEdit="1"/>
+          </p:cNvSpPr>
+          <p:nvPr>
+            <p:extLst>
+              <p:ext uri="{386F3935-93C4-4BCD-93E2-E3B085C9AB24}">
+                <p16:designElem xmlns:p16="http://schemas.microsoft.com/office/powerpoint/2015/main" val="1"/>
+              </p:ext>
+            </p:extLst>
+          </p:nvPr>
+        </p:nvSpPr>
+        <p:spPr>
+          <a:xfrm>
+            <a:off x="0" y="0"/>
+            <a:ext cx="12192000" cy="6858000"/>
+          </a:xfrm>
+          <a:prstGeom prst="rect">
+            <a:avLst/>
+          </a:prstGeom>
+          <a:ln w="12700" cap="flat" cmpd="sng" algn="ctr">
+            <a:noFill/>
+            <a:prstDash val="solid"/>
+            <a:miter lim="800000"/>
+          </a:ln>
+          <a:effectLst/>
+          <a:extLst>
+            <a:ext uri="{91240B29-F687-4F45-9708-019B960494DF}">
+              <a14:hiddenLine xmlns:a14="http://schemas.microsoft.com/office/drawing/2010/main" w="12700" cap="flat" cmpd="sng" algn="ctr">
+                <a:solidFill>
+                  <a:schemeClr val="accent1">
+                    <a:shade val="50000"/>
+                  </a:schemeClr>
+                </a:solidFill>
+                <a:prstDash val="solid"/>
+                <a:miter lim="800000"/>
+              </a14:hiddenLine>
+            </a:ext>
+          </a:extLst>
+        </p:spPr>
+        <p:style>
+          <a:lnRef idx="2">
+            <a:schemeClr val="accent1">
+              <a:shade val="50000"/>
+            </a:schemeClr>
+          </a:lnRef>
+          <a:fillRef idx="1">
+            <a:schemeClr val="accent1"/>
+          </a:fillRef>
+          <a:effectRef idx="0">
+            <a:schemeClr val="accent1"/>
+          </a:effectRef>
+          <a:fontRef idx="minor">
+            <a:schemeClr val="lt1"/>
+          </a:fontRef>
+        </p:style>
+        <p:txBody>
+          <a:bodyPr rtlCol="0" anchor="ctr"/>
+          <a:lstStyle/>
+          <a:p>
+            <a:pPr algn="ctr"/>
+            <a:endParaRPr lang="en-US"/>
+          </a:p>
+        </p:txBody>
+      </p:sp>
+      <p:sp>
+        <p:nvSpPr>
+          <p:cNvPr id="2" name="Title 1">
+            <a:extLst>
+              <a:ext uri="{FF2B5EF4-FFF2-40B4-BE49-F238E27FC236}">
                 <a16:creationId xmlns:a16="http://schemas.microsoft.com/office/drawing/2014/main" id="{BA2A60FF-5871-64A5-ABEB-6CC8D3D8BC61}"/>
               </a:ext>
             </a:extLst>
@@ -5636,10 +5984,10 @@
           <a:lstStyle/>
           <a:p>
             <a:r>
-              <a:rPr lang="en-GB" sz="4000" dirty="0"/>
-              <a:t>Collection initialization</a:t>
-            </a:r>
-            <a:endParaRPr lang="en-NL" sz="4000" dirty="0"/>
+              <a:rPr lang="en-GB" sz="4000"/>
+              <a:t>var vs new()</a:t>
+            </a:r>
+            <a:endParaRPr lang="en-NL" sz="4000"/>
           </a:p>
         </p:txBody>
       </p:sp>
@@ -5661,8 +6009,8 @@
         </p:nvSpPr>
         <p:spPr>
           <a:xfrm>
-            <a:off x="1136396" y="2312504"/>
-            <a:ext cx="7994352" cy="3425687"/>
+            <a:off x="1136396" y="2277036"/>
+            <a:ext cx="5814239" cy="3461155"/>
           </a:xfrm>
         </p:spPr>
         <p:txBody>
@@ -5675,27 +6023,57 @@
               <a:buNone/>
             </a:pPr>
             <a:r>
-              <a:rPr lang="en-GB" sz="2000" dirty="0"/>
-              <a:t>Initialization of collections such as lists and arrays can be simplified.</a:t>
-            </a:r>
-          </a:p>
-          <a:p>
-            <a:endParaRPr lang="en-GB" sz="2000" dirty="0"/>
-          </a:p>
-          <a:p>
-            <a:endParaRPr lang="en-GB" sz="2000" dirty="0"/>
-          </a:p>
-          <a:p>
-            <a:endParaRPr lang="en-GB" sz="2000" dirty="0"/>
+              <a:rPr lang="en-GB" sz="2000"/>
+              <a:t>Since C# 9.0 class initialization can be simplified</a:t>
+            </a:r>
+          </a:p>
+          <a:p>
+            <a:endParaRPr lang="en-GB" sz="2000"/>
+          </a:p>
+          <a:p>
+            <a:endParaRPr lang="en-GB" sz="2000"/>
+          </a:p>
+          <a:p>
+            <a:endParaRPr lang="en-GB" sz="2000"/>
           </a:p>
           <a:p>
             <a:pPr marL="0" indent="0">
               <a:buNone/>
             </a:pPr>
-            <a:endParaRPr lang="en-GB" sz="2000" dirty="0"/>
-          </a:p>
-        </p:txBody>
-      </p:sp>
+            <a:endParaRPr lang="en-GB" sz="2000"/>
+          </a:p>
+        </p:txBody>
+      </p:sp>
+      <p:pic>
+        <p:nvPicPr>
+          <p:cNvPr id="4" name="Picture 3">
+            <a:extLst>
+              <a:ext uri="{FF2B5EF4-FFF2-40B4-BE49-F238E27FC236}">
+                <a16:creationId xmlns:a16="http://schemas.microsoft.com/office/drawing/2014/main" id="{20383942-E7EC-812B-FC44-E108E7F8A033}"/>
+              </a:ext>
+            </a:extLst>
+          </p:cNvPr>
+          <p:cNvPicPr>
+            <a:picLocks noChangeAspect="1"/>
+          </p:cNvPicPr>
+          <p:nvPr/>
+        </p:nvPicPr>
+        <p:blipFill>
+          <a:blip r:embed="rId2"/>
+          <a:stretch>
+            <a:fillRect/>
+          </a:stretch>
+        </p:blipFill>
+        <p:spPr>
+          <a:xfrm>
+            <a:off x="1237995" y="2993813"/>
+            <a:ext cx="6966856" cy="1097280"/>
+          </a:xfrm>
+          <a:prstGeom prst="rect">
+            <a:avLst/>
+          </a:prstGeom>
+        </p:spPr>
+      </p:pic>
       <p:sp>
         <p:nvSpPr>
           <p:cNvPr id="11" name="Rectangle 10">
@@ -5842,6 +6220,355 @@
           </a:p>
         </p:txBody>
       </p:sp>
+    </p:spTree>
+    <p:extLst>
+      <p:ext uri="{BB962C8B-B14F-4D97-AF65-F5344CB8AC3E}">
+        <p14:creationId xmlns:p14="http://schemas.microsoft.com/office/powerpoint/2010/main" val="3678909553"/>
+      </p:ext>
+    </p:extLst>
+  </p:cSld>
+  <p:clrMapOvr>
+    <a:masterClrMapping/>
+  </p:clrMapOvr>
+</p:sld>
+</file>
+
+<file path=ppt/slides/slide7.xml><?xml version="1.0" encoding="utf-8"?>
+<p:sld xmlns:a="http://schemas.openxmlformats.org/drawingml/2006/main" xmlns:r="http://schemas.openxmlformats.org/officeDocument/2006/relationships" xmlns:p="http://schemas.openxmlformats.org/presentationml/2006/main">
+  <p:cSld>
+    <p:bg>
+      <p:bgPr>
+        <a:solidFill>
+          <a:schemeClr val="bg1"/>
+        </a:solidFill>
+        <a:effectLst/>
+      </p:bgPr>
+    </p:bg>
+    <p:spTree>
+      <p:nvGrpSpPr>
+        <p:cNvPr id="1" name=""/>
+        <p:cNvGrpSpPr/>
+        <p:nvPr/>
+      </p:nvGrpSpPr>
+      <p:grpSpPr>
+        <a:xfrm>
+          <a:off x="0" y="0"/>
+          <a:ext cx="0" cy="0"/>
+          <a:chOff x="0" y="0"/>
+          <a:chExt cx="0" cy="0"/>
+        </a:xfrm>
+      </p:grpSpPr>
+      <p:sp useBgFill="1">
+        <p:nvSpPr>
+          <p:cNvPr id="10" name="Rectangle 9">
+            <a:extLst>
+              <a:ext uri="{FF2B5EF4-FFF2-40B4-BE49-F238E27FC236}">
+                <a16:creationId xmlns:a16="http://schemas.microsoft.com/office/drawing/2014/main" id="{B712E947-0734-45F9-9C4F-41114EC3A33E}"/>
+              </a:ext>
+              <a:ext uri="{C183D7F6-B498-43B3-948B-1728B52AA6E4}">
+                <adec:decorative xmlns:adec="http://schemas.microsoft.com/office/drawing/2017/decorative" val="1"/>
+              </a:ext>
+            </a:extLst>
+          </p:cNvPr>
+          <p:cNvSpPr>
+            <a:spLocks noGrp="1" noRot="1" noChangeAspect="1" noMove="1" noResize="1" noEditPoints="1" noAdjustHandles="1" noChangeArrowheads="1" noChangeShapeType="1" noTextEdit="1"/>
+          </p:cNvSpPr>
+          <p:nvPr>
+            <p:extLst>
+              <p:ext uri="{386F3935-93C4-4BCD-93E2-E3B085C9AB24}">
+                <p16:designElem xmlns:p16="http://schemas.microsoft.com/office/powerpoint/2015/main" val="1"/>
+              </p:ext>
+            </p:extLst>
+          </p:nvPr>
+        </p:nvSpPr>
+        <p:spPr>
+          <a:xfrm>
+            <a:off x="0" y="0"/>
+            <a:ext cx="12192000" cy="6858000"/>
+          </a:xfrm>
+          <a:prstGeom prst="rect">
+            <a:avLst/>
+          </a:prstGeom>
+          <a:ln w="12700" cap="flat" cmpd="sng" algn="ctr">
+            <a:noFill/>
+            <a:prstDash val="solid"/>
+            <a:miter lim="800000"/>
+          </a:ln>
+          <a:effectLst/>
+          <a:extLst>
+            <a:ext uri="{91240B29-F687-4F45-9708-019B960494DF}">
+              <a14:hiddenLine xmlns:a14="http://schemas.microsoft.com/office/drawing/2010/main" w="12700" cap="flat" cmpd="sng" algn="ctr">
+                <a:solidFill>
+                  <a:schemeClr val="accent1">
+                    <a:shade val="50000"/>
+                  </a:schemeClr>
+                </a:solidFill>
+                <a:prstDash val="solid"/>
+                <a:miter lim="800000"/>
+              </a14:hiddenLine>
+            </a:ext>
+          </a:extLst>
+        </p:spPr>
+        <p:style>
+          <a:lnRef idx="2">
+            <a:schemeClr val="accent1">
+              <a:shade val="50000"/>
+            </a:schemeClr>
+          </a:lnRef>
+          <a:fillRef idx="1">
+            <a:schemeClr val="accent1"/>
+          </a:fillRef>
+          <a:effectRef idx="0">
+            <a:schemeClr val="accent1"/>
+          </a:effectRef>
+          <a:fontRef idx="minor">
+            <a:schemeClr val="lt1"/>
+          </a:fontRef>
+        </p:style>
+        <p:txBody>
+          <a:bodyPr rtlCol="0" anchor="ctr"/>
+          <a:lstStyle/>
+          <a:p>
+            <a:pPr algn="ctr"/>
+            <a:endParaRPr lang="en-US"/>
+          </a:p>
+        </p:txBody>
+      </p:sp>
+      <p:sp>
+        <p:nvSpPr>
+          <p:cNvPr id="2" name="Title 1">
+            <a:extLst>
+              <a:ext uri="{FF2B5EF4-FFF2-40B4-BE49-F238E27FC236}">
+                <a16:creationId xmlns:a16="http://schemas.microsoft.com/office/drawing/2014/main" id="{BA2A60FF-5871-64A5-ABEB-6CC8D3D8BC61}"/>
+              </a:ext>
+            </a:extLst>
+          </p:cNvPr>
+          <p:cNvSpPr>
+            <a:spLocks noGrp="1"/>
+          </p:cNvSpPr>
+          <p:nvPr>
+            <p:ph type="title"/>
+          </p:nvPr>
+        </p:nvSpPr>
+        <p:spPr>
+          <a:xfrm>
+            <a:off x="1136396" y="457201"/>
+            <a:ext cx="5814240" cy="1556870"/>
+          </a:xfrm>
+        </p:spPr>
+        <p:txBody>
+          <a:bodyPr anchor="b">
+            <a:normAutofit/>
+          </a:bodyPr>
+          <a:lstStyle/>
+          <a:p>
+            <a:r>
+              <a:rPr lang="en-GB" sz="4000" dirty="0"/>
+              <a:t>Collection initialization</a:t>
+            </a:r>
+            <a:endParaRPr lang="en-NL" sz="4000" dirty="0"/>
+          </a:p>
+        </p:txBody>
+      </p:sp>
+      <p:sp>
+        <p:nvSpPr>
+          <p:cNvPr id="3" name="Content Placeholder 2">
+            <a:extLst>
+              <a:ext uri="{FF2B5EF4-FFF2-40B4-BE49-F238E27FC236}">
+                <a16:creationId xmlns:a16="http://schemas.microsoft.com/office/drawing/2014/main" id="{14A4DC80-4868-5885-71EB-B6553F1DF86C}"/>
+              </a:ext>
+            </a:extLst>
+          </p:cNvPr>
+          <p:cNvSpPr>
+            <a:spLocks noGrp="1"/>
+          </p:cNvSpPr>
+          <p:nvPr>
+            <p:ph idx="1"/>
+          </p:nvPr>
+        </p:nvSpPr>
+        <p:spPr>
+          <a:xfrm>
+            <a:off x="1136396" y="2312504"/>
+            <a:ext cx="7994352" cy="3425687"/>
+          </a:xfrm>
+        </p:spPr>
+        <p:txBody>
+          <a:bodyPr>
+            <a:normAutofit/>
+          </a:bodyPr>
+          <a:lstStyle/>
+          <a:p>
+            <a:pPr marL="0" indent="0">
+              <a:buNone/>
+            </a:pPr>
+            <a:r>
+              <a:rPr lang="en-GB" sz="2000" dirty="0"/>
+              <a:t>Initialization of collections such as lists and arrays can be simplified.</a:t>
+            </a:r>
+          </a:p>
+          <a:p>
+            <a:endParaRPr lang="en-GB" sz="2000" dirty="0"/>
+          </a:p>
+          <a:p>
+            <a:endParaRPr lang="en-GB" sz="2000" dirty="0"/>
+          </a:p>
+          <a:p>
+            <a:endParaRPr lang="en-GB" sz="2000" dirty="0"/>
+          </a:p>
+          <a:p>
+            <a:pPr marL="0" indent="0">
+              <a:buNone/>
+            </a:pPr>
+            <a:endParaRPr lang="en-GB" sz="2000" dirty="0"/>
+          </a:p>
+        </p:txBody>
+      </p:sp>
+      <p:sp>
+        <p:nvSpPr>
+          <p:cNvPr id="11" name="Rectangle 10">
+            <a:extLst>
+              <a:ext uri="{FF2B5EF4-FFF2-40B4-BE49-F238E27FC236}">
+                <a16:creationId xmlns:a16="http://schemas.microsoft.com/office/drawing/2014/main" id="{5A65989E-BBD5-44D7-AA86-7AFD5D46BBC0}"/>
+              </a:ext>
+              <a:ext uri="{C183D7F6-B498-43B3-948B-1728B52AA6E4}">
+                <adec:decorative xmlns:adec="http://schemas.microsoft.com/office/drawing/2017/decorative" val="1"/>
+              </a:ext>
+            </a:extLst>
+          </p:cNvPr>
+          <p:cNvSpPr>
+            <a:spLocks noGrp="1" noRot="1" noChangeAspect="1" noMove="1" noResize="1" noEditPoints="1" noAdjustHandles="1" noChangeArrowheads="1" noChangeShapeType="1" noTextEdit="1"/>
+          </p:cNvSpPr>
+          <p:nvPr>
+            <p:extLst>
+              <p:ext uri="{386F3935-93C4-4BCD-93E2-E3B085C9AB24}">
+                <p16:designElem xmlns:p16="http://schemas.microsoft.com/office/powerpoint/2015/main" val="1"/>
+              </p:ext>
+            </p:extLst>
+          </p:nvPr>
+        </p:nvSpPr>
+        <p:spPr>
+          <a:xfrm rot="10800000" flipH="1">
+            <a:off x="0" y="6400799"/>
+            <a:ext cx="12192000" cy="456773"/>
+          </a:xfrm>
+          <a:prstGeom prst="rect">
+            <a:avLst/>
+          </a:prstGeom>
+          <a:gradFill>
+            <a:gsLst>
+              <a:gs pos="0">
+                <a:schemeClr val="accent1"/>
+              </a:gs>
+              <a:gs pos="66000">
+                <a:srgbClr val="000000"/>
+              </a:gs>
+            </a:gsLst>
+            <a:lin ang="10200000" scaled="0"/>
+          </a:gradFill>
+          <a:ln>
+            <a:noFill/>
+          </a:ln>
+        </p:spPr>
+        <p:style>
+          <a:lnRef idx="2">
+            <a:schemeClr val="accent1">
+              <a:shade val="50000"/>
+            </a:schemeClr>
+          </a:lnRef>
+          <a:fillRef idx="1">
+            <a:schemeClr val="accent1"/>
+          </a:fillRef>
+          <a:effectRef idx="0">
+            <a:schemeClr val="accent1"/>
+          </a:effectRef>
+          <a:fontRef idx="minor">
+            <a:schemeClr val="lt1"/>
+          </a:fontRef>
+        </p:style>
+        <p:txBody>
+          <a:bodyPr rtlCol="0" anchor="ctr"/>
+          <a:lstStyle/>
+          <a:p>
+            <a:pPr algn="ctr"/>
+            <a:endParaRPr lang="en-US"/>
+          </a:p>
+        </p:txBody>
+      </p:sp>
+      <p:sp>
+        <p:nvSpPr>
+          <p:cNvPr id="12" name="Rectangle 11">
+            <a:extLst>
+              <a:ext uri="{FF2B5EF4-FFF2-40B4-BE49-F238E27FC236}">
+                <a16:creationId xmlns:a16="http://schemas.microsoft.com/office/drawing/2014/main" id="{231A2881-D8D7-4A7D-ACA3-E9F849F853D8}"/>
+              </a:ext>
+              <a:ext uri="{C183D7F6-B498-43B3-948B-1728B52AA6E4}">
+                <adec:decorative xmlns:adec="http://schemas.microsoft.com/office/drawing/2017/decorative" val="1"/>
+              </a:ext>
+            </a:extLst>
+          </p:cNvPr>
+          <p:cNvSpPr>
+            <a:spLocks noGrp="1" noRot="1" noChangeAspect="1" noMove="1" noResize="1" noEditPoints="1" noAdjustHandles="1" noChangeArrowheads="1" noChangeShapeType="1" noTextEdit="1"/>
+          </p:cNvSpPr>
+          <p:nvPr>
+            <p:extLst>
+              <p:ext uri="{386F3935-93C4-4BCD-93E2-E3B085C9AB24}">
+                <p16:designElem xmlns:p16="http://schemas.microsoft.com/office/powerpoint/2015/main" val="1"/>
+              </p:ext>
+            </p:extLst>
+          </p:nvPr>
+        </p:nvSpPr>
+        <p:spPr>
+          <a:xfrm flipH="1">
+            <a:off x="1" y="6400800"/>
+            <a:ext cx="8153398" cy="456772"/>
+          </a:xfrm>
+          <a:prstGeom prst="rect">
+            <a:avLst/>
+          </a:prstGeom>
+          <a:gradFill>
+            <a:gsLst>
+              <a:gs pos="0">
+                <a:srgbClr val="000000">
+                  <a:alpha val="63000"/>
+                </a:srgbClr>
+              </a:gs>
+              <a:gs pos="100000">
+                <a:schemeClr val="accent1">
+                  <a:lumMod val="75000"/>
+                </a:schemeClr>
+              </a:gs>
+            </a:gsLst>
+            <a:lin ang="17400000" scaled="0"/>
+          </a:gradFill>
+          <a:ln>
+            <a:noFill/>
+          </a:ln>
+        </p:spPr>
+        <p:style>
+          <a:lnRef idx="2">
+            <a:schemeClr val="accent1">
+              <a:shade val="50000"/>
+            </a:schemeClr>
+          </a:lnRef>
+          <a:fillRef idx="1">
+            <a:schemeClr val="accent1"/>
+          </a:fillRef>
+          <a:effectRef idx="0">
+            <a:schemeClr val="accent1"/>
+          </a:effectRef>
+          <a:fontRef idx="minor">
+            <a:schemeClr val="lt1"/>
+          </a:fontRef>
+        </p:style>
+        <p:txBody>
+          <a:bodyPr rtlCol="0" anchor="ctr"/>
+          <a:lstStyle/>
+          <a:p>
+            <a:pPr algn="ctr"/>
+            <a:endParaRPr lang="en-US"/>
+          </a:p>
+        </p:txBody>
+      </p:sp>
       <p:pic>
         <p:nvPicPr>
           <p:cNvPr id="5" name="Picture 4">
@@ -5885,7 +6612,7 @@
 </p:sld>
 </file>
 
-<file path=ppt/slides/slide7.xml><?xml version="1.0" encoding="utf-8"?>
+<file path=ppt/slides/slide8.xml><?xml version="1.0" encoding="utf-8"?>
 <p:sld xmlns:a="http://schemas.openxmlformats.org/drawingml/2006/main" xmlns:r="http://schemas.openxmlformats.org/officeDocument/2006/relationships" xmlns:p="http://schemas.openxmlformats.org/presentationml/2006/main">
   <p:cSld>
     <p:bg>
@@ -6578,47 +7305,4 @@
     </a:ext>
   </a:extLst>
 </a:theme>
-</file>
-
-<file path=ppt/theme/themeOverride1.xml><?xml version="1.0" encoding="utf-8"?>
-<a:themeOverride xmlns:a="http://schemas.openxmlformats.org/drawingml/2006/main">
-  <a:clrScheme name="Office">
-    <a:dk1>
-      <a:sysClr val="windowText" lastClr="000000"/>
-    </a:dk1>
-    <a:lt1>
-      <a:sysClr val="window" lastClr="FFFFFF"/>
-    </a:lt1>
-    <a:dk2>
-      <a:srgbClr val="0E2841"/>
-    </a:dk2>
-    <a:lt2>
-      <a:srgbClr val="E8E8E8"/>
-    </a:lt2>
-    <a:accent1>
-      <a:srgbClr val="156082"/>
-    </a:accent1>
-    <a:accent2>
-      <a:srgbClr val="E97132"/>
-    </a:accent2>
-    <a:accent3>
-      <a:srgbClr val="196B24"/>
-    </a:accent3>
-    <a:accent4>
-      <a:srgbClr val="0F9ED5"/>
-    </a:accent4>
-    <a:accent5>
-      <a:srgbClr val="A02B93"/>
-    </a:accent5>
-    <a:accent6>
-      <a:srgbClr val="4EA72E"/>
-    </a:accent6>
-    <a:hlink>
-      <a:srgbClr val="467886"/>
-    </a:hlink>
-    <a:folHlink>
-      <a:srgbClr val="96607D"/>
-    </a:folHlink>
-  </a:clrScheme>
-</a:themeOverride>
 </file>
--- a/slides.pptx
+++ b/slides.pptx
@@ -11,6 +11,14 @@
     <p:sldId id="259" r:id="rId5"/>
     <p:sldId id="260" r:id="rId6"/>
     <p:sldId id="261" r:id="rId7"/>
+    <p:sldId id="262" r:id="rId8"/>
+    <p:sldId id="263" r:id="rId9"/>
+    <p:sldId id="264" r:id="rId10"/>
+    <p:sldId id="265" r:id="rId11"/>
+    <p:sldId id="266" r:id="rId12"/>
+    <p:sldId id="267" r:id="rId13"/>
+    <p:sldId id="268" r:id="rId14"/>
+    <p:sldId id="269" r:id="rId15"/>
   </p:sldIdLst>
   <p:sldSz cx="12192000" cy="6858000"/>
   <p:notesSz cx="6858000" cy="9144000"/>
@@ -442,7 +450,7 @@
           <a:p>
             <a:fld id="{19B0A787-578D-48EC-8B53-5DC15E44E951}" type="datetimeFigureOut">
               <a:rPr lang="en-NL" smtClean="0"/>
-              <a:t>17/09/2024</a:t>
+              <a:t>18/09/2024</a:t>
             </a:fld>
             <a:endParaRPr lang="en-NL"/>
           </a:p>
@@ -642,7 +650,7 @@
           <a:p>
             <a:fld id="{19B0A787-578D-48EC-8B53-5DC15E44E951}" type="datetimeFigureOut">
               <a:rPr lang="en-NL" smtClean="0"/>
-              <a:t>17/09/2024</a:t>
+              <a:t>18/09/2024</a:t>
             </a:fld>
             <a:endParaRPr lang="en-NL"/>
           </a:p>
@@ -852,7 +860,7 @@
           <a:p>
             <a:fld id="{19B0A787-578D-48EC-8B53-5DC15E44E951}" type="datetimeFigureOut">
               <a:rPr lang="en-NL" smtClean="0"/>
-              <a:t>17/09/2024</a:t>
+              <a:t>18/09/2024</a:t>
             </a:fld>
             <a:endParaRPr lang="en-NL"/>
           </a:p>
@@ -1052,7 +1060,7 @@
           <a:p>
             <a:fld id="{19B0A787-578D-48EC-8B53-5DC15E44E951}" type="datetimeFigureOut">
               <a:rPr lang="en-NL" smtClean="0"/>
-              <a:t>17/09/2024</a:t>
+              <a:t>18/09/2024</a:t>
             </a:fld>
             <a:endParaRPr lang="en-NL"/>
           </a:p>
@@ -1328,7 +1336,7 @@
           <a:p>
             <a:fld id="{19B0A787-578D-48EC-8B53-5DC15E44E951}" type="datetimeFigureOut">
               <a:rPr lang="en-NL" smtClean="0"/>
-              <a:t>17/09/2024</a:t>
+              <a:t>18/09/2024</a:t>
             </a:fld>
             <a:endParaRPr lang="en-NL"/>
           </a:p>
@@ -1596,7 +1604,7 @@
           <a:p>
             <a:fld id="{19B0A787-578D-48EC-8B53-5DC15E44E951}" type="datetimeFigureOut">
               <a:rPr lang="en-NL" smtClean="0"/>
-              <a:t>17/09/2024</a:t>
+              <a:t>18/09/2024</a:t>
             </a:fld>
             <a:endParaRPr lang="en-NL"/>
           </a:p>
@@ -2011,7 +2019,7 @@
           <a:p>
             <a:fld id="{19B0A787-578D-48EC-8B53-5DC15E44E951}" type="datetimeFigureOut">
               <a:rPr lang="en-NL" smtClean="0"/>
-              <a:t>17/09/2024</a:t>
+              <a:t>18/09/2024</a:t>
             </a:fld>
             <a:endParaRPr lang="en-NL"/>
           </a:p>
@@ -2153,7 +2161,7 @@
           <a:p>
             <a:fld id="{19B0A787-578D-48EC-8B53-5DC15E44E951}" type="datetimeFigureOut">
               <a:rPr lang="en-NL" smtClean="0"/>
-              <a:t>17/09/2024</a:t>
+              <a:t>18/09/2024</a:t>
             </a:fld>
             <a:endParaRPr lang="en-NL"/>
           </a:p>
@@ -2266,7 +2274,7 @@
           <a:p>
             <a:fld id="{19B0A787-578D-48EC-8B53-5DC15E44E951}" type="datetimeFigureOut">
               <a:rPr lang="en-NL" smtClean="0"/>
-              <a:t>17/09/2024</a:t>
+              <a:t>18/09/2024</a:t>
             </a:fld>
             <a:endParaRPr lang="en-NL"/>
           </a:p>
@@ -2579,7 +2587,7 @@
           <a:p>
             <a:fld id="{19B0A787-578D-48EC-8B53-5DC15E44E951}" type="datetimeFigureOut">
               <a:rPr lang="en-NL" smtClean="0"/>
-              <a:t>17/09/2024</a:t>
+              <a:t>18/09/2024</a:t>
             </a:fld>
             <a:endParaRPr lang="en-NL"/>
           </a:p>
@@ -2868,7 +2876,7 @@
           <a:p>
             <a:fld id="{19B0A787-578D-48EC-8B53-5DC15E44E951}" type="datetimeFigureOut">
               <a:rPr lang="en-NL" smtClean="0"/>
-              <a:t>17/09/2024</a:t>
+              <a:t>18/09/2024</a:t>
             </a:fld>
             <a:endParaRPr lang="en-NL"/>
           </a:p>
@@ -3111,7 +3119,7 @@
           <a:p>
             <a:fld id="{19B0A787-578D-48EC-8B53-5DC15E44E951}" type="datetimeFigureOut">
               <a:rPr lang="en-NL" smtClean="0"/>
-              <a:t>17/09/2024</a:t>
+              <a:t>18/09/2024</a:t>
             </a:fld>
             <a:endParaRPr lang="en-NL"/>
           </a:p>
@@ -3599,6 +3607,578 @@
 </p:sld>
 </file>
 
+<file path=ppt/slides/slide10.xml><?xml version="1.0" encoding="utf-8"?>
+<p:sld xmlns:a="http://schemas.openxmlformats.org/drawingml/2006/main" xmlns:r="http://schemas.openxmlformats.org/officeDocument/2006/relationships" xmlns:p="http://schemas.openxmlformats.org/presentationml/2006/main">
+  <p:cSld>
+    <p:spTree>
+      <p:nvGrpSpPr>
+        <p:cNvPr id="1" name=""/>
+        <p:cNvGrpSpPr/>
+        <p:nvPr/>
+      </p:nvGrpSpPr>
+      <p:grpSpPr>
+        <a:xfrm>
+          <a:off x="0" y="0"/>
+          <a:ext cx="0" cy="0"/>
+          <a:chOff x="0" y="0"/>
+          <a:chExt cx="0" cy="0"/>
+        </a:xfrm>
+      </p:grpSpPr>
+      <p:sp>
+        <p:nvSpPr>
+          <p:cNvPr id="2" name="Title 1"/>
+          <p:cNvSpPr>
+            <a:spLocks noGrp="1"/>
+          </p:cNvSpPr>
+          <p:nvPr>
+            <p:ph type="title"/>
+          </p:nvPr>
+        </p:nvSpPr>
+        <p:spPr/>
+        <p:txBody>
+          <a:bodyPr/>
+          <a:lstStyle/>
+          <a:p>
+            <a:r>
+              <a:rPr dirty="0"/>
+              <a:t>Primary Constructors in C#</a:t>
+            </a:r>
+          </a:p>
+        </p:txBody>
+      </p:sp>
+      <p:sp>
+        <p:nvSpPr>
+          <p:cNvPr id="3" name="Content Placeholder 2"/>
+          <p:cNvSpPr>
+            <a:spLocks noGrp="1"/>
+          </p:cNvSpPr>
+          <p:nvPr>
+            <p:ph idx="1"/>
+          </p:nvPr>
+        </p:nvSpPr>
+        <p:spPr/>
+        <p:txBody>
+          <a:bodyPr/>
+          <a:lstStyle/>
+          <a:p>
+            <a:r>
+              <a:rPr dirty="0"/>
+              <a:t>Primary constructors allow a class to define its fields and properties directly in the constructor signature.</a:t>
+            </a:r>
+          </a:p>
+          <a:p>
+            <a:r>
+              <a:rPr dirty="0"/>
+              <a:t>This makes the code cleaner and more concise.</a:t>
+            </a:r>
+          </a:p>
+        </p:txBody>
+      </p:sp>
+      <p:sp>
+        <p:nvSpPr>
+          <p:cNvPr id="4" name="TextBox 3"/>
+          <p:cNvSpPr txBox="1"/>
+          <p:nvPr/>
+        </p:nvSpPr>
+        <p:spPr>
+          <a:xfrm>
+            <a:off x="1981201" y="5029201"/>
+            <a:ext cx="3298147" cy="646331"/>
+          </a:xfrm>
+          <a:prstGeom prst="rect">
+            <a:avLst/>
+          </a:prstGeom>
+          <a:noFill/>
+        </p:spPr>
+        <p:txBody>
+          <a:bodyPr wrap="none">
+            <a:spAutoFit/>
+          </a:bodyPr>
+          <a:lstStyle/>
+          <a:p>
+            <a:endParaRPr dirty="0"/>
+          </a:p>
+          <a:p>
+            <a:r>
+              <a:rPr dirty="0"/>
+              <a:t>Primary Constructors</a:t>
+            </a:r>
+            <a:r>
+              <a:rPr sz="1400" dirty="0">
+                <a:hlinkClick r:id="rId2"/>
+              </a:rPr>
+              <a:t> (Read more)</a:t>
+            </a:r>
+          </a:p>
+        </p:txBody>
+      </p:sp>
+    </p:spTree>
+  </p:cSld>
+  <p:clrMapOvr>
+    <a:masterClrMapping/>
+  </p:clrMapOvr>
+</p:sld>
+</file>
+
+<file path=ppt/slides/slide11.xml><?xml version="1.0" encoding="utf-8"?>
+<p:sld xmlns:a="http://schemas.openxmlformats.org/drawingml/2006/main" xmlns:r="http://schemas.openxmlformats.org/officeDocument/2006/relationships" xmlns:p="http://schemas.openxmlformats.org/presentationml/2006/main">
+  <p:cSld>
+    <p:spTree>
+      <p:nvGrpSpPr>
+        <p:cNvPr id="1" name=""/>
+        <p:cNvGrpSpPr/>
+        <p:nvPr/>
+      </p:nvGrpSpPr>
+      <p:grpSpPr>
+        <a:xfrm>
+          <a:off x="0" y="0"/>
+          <a:ext cx="0" cy="0"/>
+          <a:chOff x="0" y="0"/>
+          <a:chExt cx="0" cy="0"/>
+        </a:xfrm>
+      </p:grpSpPr>
+      <p:sp>
+        <p:nvSpPr>
+          <p:cNvPr id="2" name="Title 1"/>
+          <p:cNvSpPr>
+            <a:spLocks noGrp="1"/>
+          </p:cNvSpPr>
+          <p:nvPr>
+            <p:ph type="title"/>
+          </p:nvPr>
+        </p:nvSpPr>
+        <p:spPr/>
+        <p:txBody>
+          <a:bodyPr>
+            <a:normAutofit/>
+          </a:bodyPr>
+          <a:lstStyle/>
+          <a:p>
+            <a:r>
+              <a:t>Null Coalescing (??=) Operator in C#</a:t>
+            </a:r>
+          </a:p>
+        </p:txBody>
+      </p:sp>
+      <p:sp>
+        <p:nvSpPr>
+          <p:cNvPr id="3" name="Content Placeholder 2"/>
+          <p:cNvSpPr>
+            <a:spLocks noGrp="1"/>
+          </p:cNvSpPr>
+          <p:nvPr>
+            <p:ph idx="1"/>
+          </p:nvPr>
+        </p:nvSpPr>
+        <p:spPr/>
+        <p:txBody>
+          <a:bodyPr/>
+          <a:lstStyle/>
+          <a:p>
+            <a:r>
+              <a:rPr dirty="0"/>
+              <a:t>The null coalescing operator (??=) assigns a value to a variable only if it is null.</a:t>
+            </a:r>
+          </a:p>
+          <a:p>
+            <a:r>
+              <a:rPr dirty="0"/>
+              <a:t>This is useful for default initialization.</a:t>
+            </a:r>
+          </a:p>
+          <a:p>
+            <a:r>
+              <a:rPr lang="en-GB" dirty="0"/>
+              <a:t>Example:</a:t>
+            </a:r>
+            <a:br>
+              <a:rPr lang="en-GB" dirty="0"/>
+            </a:br>
+            <a:r>
+              <a:rPr lang="en-GB" dirty="0"/>
+              <a:t>name ??= "Default Name";</a:t>
+            </a:r>
+          </a:p>
+        </p:txBody>
+      </p:sp>
+      <p:sp>
+        <p:nvSpPr>
+          <p:cNvPr id="7" name="TextBox 6">
+            <a:extLst>
+              <a:ext uri="{FF2B5EF4-FFF2-40B4-BE49-F238E27FC236}">
+                <a16:creationId xmlns:a16="http://schemas.microsoft.com/office/drawing/2014/main" id="{BE7DBF9D-46FF-E4A1-1062-07E5AF17D974}"/>
+              </a:ext>
+            </a:extLst>
+          </p:cNvPr>
+          <p:cNvSpPr txBox="1"/>
+          <p:nvPr/>
+        </p:nvSpPr>
+        <p:spPr>
+          <a:xfrm>
+            <a:off x="2111229" y="5148635"/>
+            <a:ext cx="4572000" cy="369332"/>
+          </a:xfrm>
+          <a:prstGeom prst="rect">
+            <a:avLst/>
+          </a:prstGeom>
+          <a:noFill/>
+        </p:spPr>
+        <p:txBody>
+          <a:bodyPr wrap="square">
+            <a:spAutoFit/>
+          </a:bodyPr>
+          <a:lstStyle/>
+          <a:p>
+            <a:r>
+              <a:rPr lang="en-US" dirty="0"/>
+              <a:t>Null Coalescing Operator</a:t>
+            </a:r>
+            <a:r>
+              <a:rPr lang="en-US" sz="1400" dirty="0">
+                <a:hlinkClick r:id="rId2"/>
+              </a:rPr>
+              <a:t> (Read more)</a:t>
+            </a:r>
+          </a:p>
+        </p:txBody>
+      </p:sp>
+    </p:spTree>
+  </p:cSld>
+  <p:clrMapOvr>
+    <a:masterClrMapping/>
+  </p:clrMapOvr>
+</p:sld>
+</file>
+
+<file path=ppt/slides/slide12.xml><?xml version="1.0" encoding="utf-8"?>
+<p:sld xmlns:a="http://schemas.openxmlformats.org/drawingml/2006/main" xmlns:r="http://schemas.openxmlformats.org/officeDocument/2006/relationships" xmlns:p="http://schemas.openxmlformats.org/presentationml/2006/main">
+  <p:cSld>
+    <p:spTree>
+      <p:nvGrpSpPr>
+        <p:cNvPr id="1" name=""/>
+        <p:cNvGrpSpPr/>
+        <p:nvPr/>
+      </p:nvGrpSpPr>
+      <p:grpSpPr>
+        <a:xfrm>
+          <a:off x="0" y="0"/>
+          <a:ext cx="0" cy="0"/>
+          <a:chOff x="0" y="0"/>
+          <a:chExt cx="0" cy="0"/>
+        </a:xfrm>
+      </p:grpSpPr>
+      <p:sp>
+        <p:nvSpPr>
+          <p:cNvPr id="2" name="Title 1"/>
+          <p:cNvSpPr>
+            <a:spLocks noGrp="1"/>
+          </p:cNvSpPr>
+          <p:nvPr>
+            <p:ph type="title"/>
+          </p:nvPr>
+        </p:nvSpPr>
+        <p:spPr/>
+        <p:txBody>
+          <a:bodyPr/>
+          <a:lstStyle/>
+          <a:p>
+            <a:r>
+              <a:t>Null Handling in C#</a:t>
+            </a:r>
+          </a:p>
+        </p:txBody>
+      </p:sp>
+      <p:sp>
+        <p:nvSpPr>
+          <p:cNvPr id="3" name="Content Placeholder 2"/>
+          <p:cNvSpPr>
+            <a:spLocks noGrp="1"/>
+          </p:cNvSpPr>
+          <p:nvPr>
+            <p:ph idx="1"/>
+          </p:nvPr>
+        </p:nvSpPr>
+        <p:spPr/>
+        <p:txBody>
+          <a:bodyPr/>
+          <a:lstStyle/>
+          <a:p>
+            <a:r>
+              <a:rPr dirty="0"/>
+              <a:t>C# provides various ways to handle null values safely:</a:t>
+            </a:r>
+          </a:p>
+          <a:p>
+            <a:r>
+              <a:rPr dirty="0"/>
+              <a:t>- Null conditional operator (?.)</a:t>
+            </a:r>
+          </a:p>
+          <a:p>
+            <a:r>
+              <a:rPr dirty="0"/>
+              <a:t>- Null coalescing operator (??)</a:t>
+            </a:r>
+          </a:p>
+          <a:p>
+            <a:r>
+              <a:rPr dirty="0"/>
+              <a:t>- Null-forgiving operator (!)</a:t>
+            </a:r>
+          </a:p>
+          <a:p>
+            <a:r>
+              <a:rPr dirty="0"/>
+              <a:t>These operators help to avoid null reference exceptions.</a:t>
+            </a:r>
+          </a:p>
+        </p:txBody>
+      </p:sp>
+    </p:spTree>
+  </p:cSld>
+  <p:clrMapOvr>
+    <a:masterClrMapping/>
+  </p:clrMapOvr>
+</p:sld>
+</file>
+
+<file path=ppt/slides/slide13.xml><?xml version="1.0" encoding="utf-8"?>
+<p:sld xmlns:a="http://schemas.openxmlformats.org/drawingml/2006/main" xmlns:r="http://schemas.openxmlformats.org/officeDocument/2006/relationships" xmlns:p="http://schemas.openxmlformats.org/presentationml/2006/main">
+  <p:cSld>
+    <p:spTree>
+      <p:nvGrpSpPr>
+        <p:cNvPr id="1" name=""/>
+        <p:cNvGrpSpPr/>
+        <p:nvPr/>
+      </p:nvGrpSpPr>
+      <p:grpSpPr>
+        <a:xfrm>
+          <a:off x="0" y="0"/>
+          <a:ext cx="0" cy="0"/>
+          <a:chOff x="0" y="0"/>
+          <a:chExt cx="0" cy="0"/>
+        </a:xfrm>
+      </p:grpSpPr>
+      <p:sp>
+        <p:nvSpPr>
+          <p:cNvPr id="2" name="Title 1"/>
+          <p:cNvSpPr>
+            <a:spLocks noGrp="1"/>
+          </p:cNvSpPr>
+          <p:nvPr>
+            <p:ph type="title"/>
+          </p:nvPr>
+        </p:nvSpPr>
+        <p:spPr/>
+        <p:txBody>
+          <a:bodyPr>
+            <a:normAutofit/>
+          </a:bodyPr>
+          <a:lstStyle/>
+          <a:p>
+            <a:r>
+              <a:t>Default Implementation in Interfaces</a:t>
+            </a:r>
+          </a:p>
+        </p:txBody>
+      </p:sp>
+      <p:sp>
+        <p:nvSpPr>
+          <p:cNvPr id="3" name="Content Placeholder 2"/>
+          <p:cNvSpPr>
+            <a:spLocks noGrp="1"/>
+          </p:cNvSpPr>
+          <p:nvPr>
+            <p:ph idx="1"/>
+          </p:nvPr>
+        </p:nvSpPr>
+        <p:spPr/>
+        <p:txBody>
+          <a:bodyPr/>
+          <a:lstStyle/>
+          <a:p>
+            <a:r>
+              <a:rPr dirty="0"/>
+              <a:t>Interfaces in C# can now provide default method implementations.</a:t>
+            </a:r>
+          </a:p>
+          <a:p>
+            <a:r>
+              <a:rPr dirty="0"/>
+              <a:t>This allows developers to add new methods to interfaces without breaking existing implementations.</a:t>
+            </a:r>
+          </a:p>
+        </p:txBody>
+      </p:sp>
+      <p:sp>
+        <p:nvSpPr>
+          <p:cNvPr id="6" name="TextBox 5"/>
+          <p:cNvSpPr txBox="1"/>
+          <p:nvPr/>
+        </p:nvSpPr>
+        <p:spPr>
+          <a:xfrm>
+            <a:off x="2065089" y="4530056"/>
+            <a:ext cx="4816640" cy="646331"/>
+          </a:xfrm>
+          <a:prstGeom prst="rect">
+            <a:avLst/>
+          </a:prstGeom>
+          <a:noFill/>
+        </p:spPr>
+        <p:txBody>
+          <a:bodyPr wrap="none">
+            <a:spAutoFit/>
+          </a:bodyPr>
+          <a:lstStyle/>
+          <a:p>
+            <a:endParaRPr lang="en-NL" dirty="0"/>
+          </a:p>
+          <a:p>
+            <a:r>
+              <a:rPr lang="en-US" dirty="0"/>
+              <a:t>Default Implementation in Interfaces</a:t>
+            </a:r>
+            <a:r>
+              <a:rPr lang="en-US" sz="1400" dirty="0">
+                <a:hlinkClick r:id="rId2"/>
+              </a:rPr>
+              <a:t> (Read more)</a:t>
+            </a:r>
+          </a:p>
+        </p:txBody>
+      </p:sp>
+    </p:spTree>
+  </p:cSld>
+  <p:clrMapOvr>
+    <a:masterClrMapping/>
+  </p:clrMapOvr>
+</p:sld>
+</file>
+
+<file path=ppt/slides/slide14.xml><?xml version="1.0" encoding="utf-8"?>
+<p:sld xmlns:a="http://schemas.openxmlformats.org/drawingml/2006/main" xmlns:r="http://schemas.openxmlformats.org/officeDocument/2006/relationships" xmlns:p="http://schemas.openxmlformats.org/presentationml/2006/main">
+  <p:cSld>
+    <p:spTree>
+      <p:nvGrpSpPr>
+        <p:cNvPr id="1" name=""/>
+        <p:cNvGrpSpPr/>
+        <p:nvPr/>
+      </p:nvGrpSpPr>
+      <p:grpSpPr>
+        <a:xfrm>
+          <a:off x="0" y="0"/>
+          <a:ext cx="0" cy="0"/>
+          <a:chOff x="0" y="0"/>
+          <a:chExt cx="0" cy="0"/>
+        </a:xfrm>
+      </p:grpSpPr>
+      <p:sp>
+        <p:nvSpPr>
+          <p:cNvPr id="2" name="Title 1"/>
+          <p:cNvSpPr>
+            <a:spLocks noGrp="1"/>
+          </p:cNvSpPr>
+          <p:nvPr>
+            <p:ph type="title"/>
+          </p:nvPr>
+        </p:nvSpPr>
+        <p:spPr/>
+        <p:txBody>
+          <a:bodyPr/>
+          <a:lstStyle/>
+          <a:p>
+            <a:r>
+              <a:t>Generic Math Support in C#</a:t>
+            </a:r>
+          </a:p>
+        </p:txBody>
+      </p:sp>
+      <p:sp>
+        <p:nvSpPr>
+          <p:cNvPr id="3" name="Content Placeholder 2"/>
+          <p:cNvSpPr>
+            <a:spLocks noGrp="1"/>
+          </p:cNvSpPr>
+          <p:nvPr>
+            <p:ph idx="1"/>
+          </p:nvPr>
+        </p:nvSpPr>
+        <p:spPr/>
+        <p:txBody>
+          <a:bodyPr>
+            <a:normAutofit/>
+          </a:bodyPr>
+          <a:lstStyle/>
+          <a:p>
+            <a:r>
+              <a:rPr dirty="0"/>
+              <a:t>C# 10 and later versions provide generic math support, enabling the use of generic types in mathematical operations.</a:t>
+            </a:r>
+          </a:p>
+          <a:p>
+            <a:r>
+              <a:rPr dirty="0"/>
+              <a:t>With generic math, you can write type-agnostic code that works with numeric types, such as int, double, or float, while maintaining type safety.</a:t>
+            </a:r>
+          </a:p>
+        </p:txBody>
+      </p:sp>
+      <p:sp>
+        <p:nvSpPr>
+          <p:cNvPr id="4" name="TextBox 3">
+            <a:extLst>
+              <a:ext uri="{FF2B5EF4-FFF2-40B4-BE49-F238E27FC236}">
+                <a16:creationId xmlns:a16="http://schemas.microsoft.com/office/drawing/2014/main" id="{A9884DD7-A5D0-CF0D-2F17-9D01E4FF289C}"/>
+              </a:ext>
+            </a:extLst>
+          </p:cNvPr>
+          <p:cNvSpPr txBox="1"/>
+          <p:nvPr/>
+        </p:nvSpPr>
+        <p:spPr>
+          <a:xfrm>
+            <a:off x="2211897" y="5257801"/>
+            <a:ext cx="3344505" cy="646331"/>
+          </a:xfrm>
+          <a:prstGeom prst="rect">
+            <a:avLst/>
+          </a:prstGeom>
+          <a:noFill/>
+        </p:spPr>
+        <p:txBody>
+          <a:bodyPr wrap="none">
+            <a:spAutoFit/>
+          </a:bodyPr>
+          <a:lstStyle/>
+          <a:p>
+            <a:endParaRPr lang="en-NL" dirty="0"/>
+          </a:p>
+          <a:p>
+            <a:r>
+              <a:rPr lang="en-US" dirty="0"/>
+              <a:t>Generic Math support </a:t>
+            </a:r>
+            <a:r>
+              <a:rPr lang="en-US" sz="1400" dirty="0">
+                <a:hlinkClick r:id="rId2"/>
+              </a:rPr>
+              <a:t>(Read more)</a:t>
+            </a:r>
+            <a:endParaRPr lang="en-US" sz="1400" dirty="0">
+              <a:hlinkClick r:id="rId3"/>
+            </a:endParaRPr>
+          </a:p>
+        </p:txBody>
+      </p:sp>
+    </p:spTree>
+  </p:cSld>
+  <p:clrMapOvr>
+    <a:masterClrMapping/>
+  </p:clrMapOvr>
+</p:sld>
+</file>
+
 <file path=ppt/slides/slide2.xml><?xml version="1.0" encoding="utf-8"?>
 <p:sld xmlns:a="http://schemas.openxmlformats.org/drawingml/2006/main" xmlns:r="http://schemas.openxmlformats.org/officeDocument/2006/relationships" xmlns:p="http://schemas.openxmlformats.org/presentationml/2006/main">
   <p:cSld>
@@ -4160,6 +4740,369 @@
         <p14:creationId xmlns:p14="http://schemas.microsoft.com/office/powerpoint/2010/main" val="4006858124"/>
       </p:ext>
     </p:extLst>
+  </p:cSld>
+  <p:clrMapOvr>
+    <a:masterClrMapping/>
+  </p:clrMapOvr>
+</p:sld>
+</file>
+
+<file path=ppt/slides/slide7.xml><?xml version="1.0" encoding="utf-8"?>
+<p:sld xmlns:a="http://schemas.openxmlformats.org/drawingml/2006/main" xmlns:r="http://schemas.openxmlformats.org/officeDocument/2006/relationships" xmlns:p="http://schemas.openxmlformats.org/presentationml/2006/main">
+  <p:cSld>
+    <p:spTree>
+      <p:nvGrpSpPr>
+        <p:cNvPr id="1" name=""/>
+        <p:cNvGrpSpPr/>
+        <p:nvPr/>
+      </p:nvGrpSpPr>
+      <p:grpSpPr>
+        <a:xfrm>
+          <a:off x="0" y="0"/>
+          <a:ext cx="0" cy="0"/>
+          <a:chOff x="0" y="0"/>
+          <a:chExt cx="0" cy="0"/>
+        </a:xfrm>
+      </p:grpSpPr>
+      <p:sp>
+        <p:nvSpPr>
+          <p:cNvPr id="2" name="Title 1"/>
+          <p:cNvSpPr>
+            <a:spLocks noGrp="1"/>
+          </p:cNvSpPr>
+          <p:nvPr>
+            <p:ph type="title"/>
+          </p:nvPr>
+        </p:nvSpPr>
+        <p:spPr/>
+        <p:txBody>
+          <a:bodyPr/>
+          <a:lstStyle/>
+          <a:p>
+            <a:r>
+              <a:t>What is an Expression in C#</a:t>
+            </a:r>
+          </a:p>
+        </p:txBody>
+      </p:sp>
+      <p:sp>
+        <p:nvSpPr>
+          <p:cNvPr id="3" name="Content Placeholder 2"/>
+          <p:cNvSpPr>
+            <a:spLocks noGrp="1"/>
+          </p:cNvSpPr>
+          <p:nvPr>
+            <p:ph idx="1"/>
+          </p:nvPr>
+        </p:nvSpPr>
+        <p:spPr/>
+        <p:txBody>
+          <a:bodyPr/>
+          <a:lstStyle/>
+          <a:p>
+            <a:r>
+              <a:rPr dirty="0"/>
+              <a:t>An expression in C# is a sequence of operators and operands that evaluates to a single value.</a:t>
+            </a:r>
+          </a:p>
+          <a:p>
+            <a:r>
+              <a:rPr dirty="0"/>
+              <a:t>Examples: Arithmetic, logical, and method call expressions.</a:t>
+            </a:r>
+            <a:endParaRPr lang="en-GB" dirty="0"/>
+          </a:p>
+          <a:p>
+            <a:r>
+              <a:rPr lang="en-GB" dirty="0"/>
+              <a:t>Alternative definition: anything that can be at the right of an equal sign.</a:t>
+            </a:r>
+            <a:endParaRPr dirty="0"/>
+          </a:p>
+        </p:txBody>
+      </p:sp>
+      <p:sp>
+        <p:nvSpPr>
+          <p:cNvPr id="4" name="TextBox 3"/>
+          <p:cNvSpPr txBox="1"/>
+          <p:nvPr/>
+        </p:nvSpPr>
+        <p:spPr>
+          <a:xfrm>
+            <a:off x="1981201" y="5029201"/>
+            <a:ext cx="2816027" cy="646331"/>
+          </a:xfrm>
+          <a:prstGeom prst="rect">
+            <a:avLst/>
+          </a:prstGeom>
+          <a:noFill/>
+        </p:spPr>
+        <p:txBody>
+          <a:bodyPr wrap="none">
+            <a:spAutoFit/>
+          </a:bodyPr>
+          <a:lstStyle/>
+          <a:p>
+            <a:endParaRPr/>
+          </a:p>
+          <a:p>
+            <a:r>
+              <a:t>Expression in C#</a:t>
+            </a:r>
+            <a:r>
+              <a:rPr sz="1400">
+                <a:hlinkClick r:id="rId2"/>
+              </a:rPr>
+              <a:t> (Read more)</a:t>
+            </a:r>
+          </a:p>
+        </p:txBody>
+      </p:sp>
+    </p:spTree>
+  </p:cSld>
+  <p:clrMapOvr>
+    <a:masterClrMapping/>
+  </p:clrMapOvr>
+</p:sld>
+</file>
+
+<file path=ppt/slides/slide8.xml><?xml version="1.0" encoding="utf-8"?>
+<p:sld xmlns:a="http://schemas.openxmlformats.org/drawingml/2006/main" xmlns:r="http://schemas.openxmlformats.org/officeDocument/2006/relationships" xmlns:p="http://schemas.openxmlformats.org/presentationml/2006/main">
+  <p:cSld>
+    <p:spTree>
+      <p:nvGrpSpPr>
+        <p:cNvPr id="1" name=""/>
+        <p:cNvGrpSpPr/>
+        <p:nvPr/>
+      </p:nvGrpSpPr>
+      <p:grpSpPr>
+        <a:xfrm>
+          <a:off x="0" y="0"/>
+          <a:ext cx="0" cy="0"/>
+          <a:chOff x="0" y="0"/>
+          <a:chExt cx="0" cy="0"/>
+        </a:xfrm>
+      </p:grpSpPr>
+      <p:sp>
+        <p:nvSpPr>
+          <p:cNvPr id="2" name="Title 1"/>
+          <p:cNvSpPr>
+            <a:spLocks noGrp="1"/>
+          </p:cNvSpPr>
+          <p:nvPr>
+            <p:ph type="title"/>
+          </p:nvPr>
+        </p:nvSpPr>
+        <p:spPr/>
+        <p:txBody>
+          <a:bodyPr/>
+          <a:lstStyle/>
+          <a:p>
+            <a:r>
+              <a:t>Switch Expressions</a:t>
+            </a:r>
+          </a:p>
+        </p:txBody>
+      </p:sp>
+      <p:sp>
+        <p:nvSpPr>
+          <p:cNvPr id="3" name="Content Placeholder 2"/>
+          <p:cNvSpPr>
+            <a:spLocks noGrp="1"/>
+          </p:cNvSpPr>
+          <p:nvPr>
+            <p:ph idx="1"/>
+          </p:nvPr>
+        </p:nvSpPr>
+        <p:spPr/>
+        <p:txBody>
+          <a:bodyPr/>
+          <a:lstStyle/>
+          <a:p>
+            <a:r>
+              <a:rPr dirty="0"/>
+              <a:t>Switch expressions are a more concise and readable alternative to traditional switch statements.</a:t>
+            </a:r>
+          </a:p>
+          <a:p>
+            <a:r>
+              <a:rPr dirty="0"/>
+              <a:t>They evaluate a single expression and return a value based on the match.</a:t>
+            </a:r>
+          </a:p>
+        </p:txBody>
+      </p:sp>
+      <p:sp>
+        <p:nvSpPr>
+          <p:cNvPr id="4" name="TextBox 3"/>
+          <p:cNvSpPr txBox="1"/>
+          <p:nvPr/>
+        </p:nvSpPr>
+        <p:spPr>
+          <a:xfrm>
+            <a:off x="1981201" y="5029201"/>
+            <a:ext cx="3091167" cy="646331"/>
+          </a:xfrm>
+          <a:prstGeom prst="rect">
+            <a:avLst/>
+          </a:prstGeom>
+          <a:noFill/>
+        </p:spPr>
+        <p:txBody>
+          <a:bodyPr wrap="none">
+            <a:spAutoFit/>
+          </a:bodyPr>
+          <a:lstStyle/>
+          <a:p>
+            <a:endParaRPr/>
+          </a:p>
+          <a:p>
+            <a:r>
+              <a:t>Switch Expressions</a:t>
+            </a:r>
+            <a:r>
+              <a:rPr sz="1400">
+                <a:hlinkClick r:id="rId2"/>
+              </a:rPr>
+              <a:t> (Read more)</a:t>
+            </a:r>
+          </a:p>
+        </p:txBody>
+      </p:sp>
+    </p:spTree>
+  </p:cSld>
+  <p:clrMapOvr>
+    <a:masterClrMapping/>
+  </p:clrMapOvr>
+</p:sld>
+</file>
+
+<file path=ppt/slides/slide9.xml><?xml version="1.0" encoding="utf-8"?>
+<p:sld xmlns:a="http://schemas.openxmlformats.org/drawingml/2006/main" xmlns:r="http://schemas.openxmlformats.org/officeDocument/2006/relationships" xmlns:p="http://schemas.openxmlformats.org/presentationml/2006/main">
+  <p:cSld>
+    <p:spTree>
+      <p:nvGrpSpPr>
+        <p:cNvPr id="1" name=""/>
+        <p:cNvGrpSpPr/>
+        <p:nvPr/>
+      </p:nvGrpSpPr>
+      <p:grpSpPr>
+        <a:xfrm>
+          <a:off x="0" y="0"/>
+          <a:ext cx="0" cy="0"/>
+          <a:chOff x="0" y="0"/>
+          <a:chExt cx="0" cy="0"/>
+        </a:xfrm>
+      </p:grpSpPr>
+      <p:sp>
+        <p:nvSpPr>
+          <p:cNvPr id="2" name="Title 1"/>
+          <p:cNvSpPr>
+            <a:spLocks noGrp="1"/>
+          </p:cNvSpPr>
+          <p:nvPr>
+            <p:ph type="title"/>
+          </p:nvPr>
+        </p:nvSpPr>
+        <p:spPr/>
+        <p:txBody>
+          <a:bodyPr/>
+          <a:lstStyle/>
+          <a:p>
+            <a:r>
+              <a:t>Records in C#</a:t>
+            </a:r>
+          </a:p>
+        </p:txBody>
+      </p:sp>
+      <p:sp>
+        <p:nvSpPr>
+          <p:cNvPr id="3" name="Content Placeholder 2"/>
+          <p:cNvSpPr>
+            <a:spLocks noGrp="1"/>
+          </p:cNvSpPr>
+          <p:nvPr>
+            <p:ph idx="1"/>
+          </p:nvPr>
+        </p:nvSpPr>
+        <p:spPr/>
+        <p:txBody>
+          <a:bodyPr/>
+          <a:lstStyle/>
+          <a:p>
+            <a:r>
+              <a:rPr dirty="0"/>
+              <a:t>Records are a reference type that provide built-in functionality for encapsulating data.</a:t>
+            </a:r>
+          </a:p>
+          <a:p>
+            <a:r>
+              <a:rPr dirty="0"/>
+              <a:t>They are used for immutable data models.</a:t>
+            </a:r>
+          </a:p>
+          <a:p>
+            <a:r>
+              <a:rPr dirty="0"/>
+              <a:t>Example:</a:t>
+            </a:r>
+            <a:br>
+              <a:rPr dirty="0"/>
+            </a:br>
+            <a:r>
+              <a:rPr dirty="0"/>
+              <a:t>public record Person(string FirstName, string </a:t>
+            </a:r>
+            <a:r>
+              <a:rPr dirty="0" err="1"/>
+              <a:t>LastName</a:t>
+            </a:r>
+            <a:r>
+              <a:rPr dirty="0"/>
+              <a:t>);</a:t>
+            </a:r>
+          </a:p>
+        </p:txBody>
+      </p:sp>
+      <p:sp>
+        <p:nvSpPr>
+          <p:cNvPr id="5" name="TextBox 4"/>
+          <p:cNvSpPr txBox="1"/>
+          <p:nvPr/>
+        </p:nvSpPr>
+        <p:spPr>
+          <a:xfrm>
+            <a:off x="1981201" y="5029201"/>
+            <a:ext cx="2553135" cy="646331"/>
+          </a:xfrm>
+          <a:prstGeom prst="rect">
+            <a:avLst/>
+          </a:prstGeom>
+          <a:noFill/>
+        </p:spPr>
+        <p:txBody>
+          <a:bodyPr wrap="none">
+            <a:spAutoFit/>
+          </a:bodyPr>
+          <a:lstStyle/>
+          <a:p>
+            <a:endParaRPr dirty="0"/>
+          </a:p>
+          <a:p>
+            <a:r>
+              <a:rPr dirty="0"/>
+              <a:t>Records in C#</a:t>
+            </a:r>
+            <a:r>
+              <a:rPr sz="1400" dirty="0">
+                <a:hlinkClick r:id="rId2"/>
+              </a:rPr>
+              <a:t> (Read more)</a:t>
+            </a:r>
+          </a:p>
+        </p:txBody>
+      </p:sp>
+    </p:spTree>
   </p:cSld>
   <p:clrMapOvr>
     <a:masterClrMapping/>

--- a/slides.pptx
+++ b/slides.pptx
@@ -11,14 +11,6 @@
     <p:sldId id="259" r:id="rId5"/>
     <p:sldId id="260" r:id="rId6"/>
     <p:sldId id="261" r:id="rId7"/>
-    <p:sldId id="262" r:id="rId8"/>
-    <p:sldId id="263" r:id="rId9"/>
-    <p:sldId id="264" r:id="rId10"/>
-    <p:sldId id="265" r:id="rId11"/>
-    <p:sldId id="266" r:id="rId12"/>
-    <p:sldId id="267" r:id="rId13"/>
-    <p:sldId id="268" r:id="rId14"/>
-    <p:sldId id="269" r:id="rId15"/>
   </p:sldIdLst>
   <p:sldSz cx="12192000" cy="6858000"/>
   <p:notesSz cx="6858000" cy="9144000"/>
@@ -3607,578 +3599,6 @@
 </p:sld>
 </file>
 
-<file path=ppt/slides/slide10.xml><?xml version="1.0" encoding="utf-8"?>
-<p:sld xmlns:a="http://schemas.openxmlformats.org/drawingml/2006/main" xmlns:r="http://schemas.openxmlformats.org/officeDocument/2006/relationships" xmlns:p="http://schemas.openxmlformats.org/presentationml/2006/main">
-  <p:cSld>
-    <p:spTree>
-      <p:nvGrpSpPr>
-        <p:cNvPr id="1" name=""/>
-        <p:cNvGrpSpPr/>
-        <p:nvPr/>
-      </p:nvGrpSpPr>
-      <p:grpSpPr>
-        <a:xfrm>
-          <a:off x="0" y="0"/>
-          <a:ext cx="0" cy="0"/>
-          <a:chOff x="0" y="0"/>
-          <a:chExt cx="0" cy="0"/>
-        </a:xfrm>
-      </p:grpSpPr>
-      <p:sp>
-        <p:nvSpPr>
-          <p:cNvPr id="2" name="Title 1"/>
-          <p:cNvSpPr>
-            <a:spLocks noGrp="1"/>
-          </p:cNvSpPr>
-          <p:nvPr>
-            <p:ph type="title"/>
-          </p:nvPr>
-        </p:nvSpPr>
-        <p:spPr/>
-        <p:txBody>
-          <a:bodyPr/>
-          <a:lstStyle/>
-          <a:p>
-            <a:r>
-              <a:rPr dirty="0"/>
-              <a:t>Primary Constructors in C#</a:t>
-            </a:r>
-          </a:p>
-        </p:txBody>
-      </p:sp>
-      <p:sp>
-        <p:nvSpPr>
-          <p:cNvPr id="3" name="Content Placeholder 2"/>
-          <p:cNvSpPr>
-            <a:spLocks noGrp="1"/>
-          </p:cNvSpPr>
-          <p:nvPr>
-            <p:ph idx="1"/>
-          </p:nvPr>
-        </p:nvSpPr>
-        <p:spPr/>
-        <p:txBody>
-          <a:bodyPr/>
-          <a:lstStyle/>
-          <a:p>
-            <a:r>
-              <a:rPr dirty="0"/>
-              <a:t>Primary constructors allow a class to define its fields and properties directly in the constructor signature.</a:t>
-            </a:r>
-          </a:p>
-          <a:p>
-            <a:r>
-              <a:rPr dirty="0"/>
-              <a:t>This makes the code cleaner and more concise.</a:t>
-            </a:r>
-          </a:p>
-        </p:txBody>
-      </p:sp>
-      <p:sp>
-        <p:nvSpPr>
-          <p:cNvPr id="4" name="TextBox 3"/>
-          <p:cNvSpPr txBox="1"/>
-          <p:nvPr/>
-        </p:nvSpPr>
-        <p:spPr>
-          <a:xfrm>
-            <a:off x="1981201" y="5029201"/>
-            <a:ext cx="3298147" cy="646331"/>
-          </a:xfrm>
-          <a:prstGeom prst="rect">
-            <a:avLst/>
-          </a:prstGeom>
-          <a:noFill/>
-        </p:spPr>
-        <p:txBody>
-          <a:bodyPr wrap="none">
-            <a:spAutoFit/>
-          </a:bodyPr>
-          <a:lstStyle/>
-          <a:p>
-            <a:endParaRPr dirty="0"/>
-          </a:p>
-          <a:p>
-            <a:r>
-              <a:rPr dirty="0"/>
-              <a:t>Primary Constructors</a:t>
-            </a:r>
-            <a:r>
-              <a:rPr sz="1400" dirty="0">
-                <a:hlinkClick r:id="rId2"/>
-              </a:rPr>
-              <a:t> (Read more)</a:t>
-            </a:r>
-          </a:p>
-        </p:txBody>
-      </p:sp>
-    </p:spTree>
-  </p:cSld>
-  <p:clrMapOvr>
-    <a:masterClrMapping/>
-  </p:clrMapOvr>
-</p:sld>
-</file>
-
-<file path=ppt/slides/slide11.xml><?xml version="1.0" encoding="utf-8"?>
-<p:sld xmlns:a="http://schemas.openxmlformats.org/drawingml/2006/main" xmlns:r="http://schemas.openxmlformats.org/officeDocument/2006/relationships" xmlns:p="http://schemas.openxmlformats.org/presentationml/2006/main">
-  <p:cSld>
-    <p:spTree>
-      <p:nvGrpSpPr>
-        <p:cNvPr id="1" name=""/>
-        <p:cNvGrpSpPr/>
-        <p:nvPr/>
-      </p:nvGrpSpPr>
-      <p:grpSpPr>
-        <a:xfrm>
-          <a:off x="0" y="0"/>
-          <a:ext cx="0" cy="0"/>
-          <a:chOff x="0" y="0"/>
-          <a:chExt cx="0" cy="0"/>
-        </a:xfrm>
-      </p:grpSpPr>
-      <p:sp>
-        <p:nvSpPr>
-          <p:cNvPr id="2" name="Title 1"/>
-          <p:cNvSpPr>
-            <a:spLocks noGrp="1"/>
-          </p:cNvSpPr>
-          <p:nvPr>
-            <p:ph type="title"/>
-          </p:nvPr>
-        </p:nvSpPr>
-        <p:spPr/>
-        <p:txBody>
-          <a:bodyPr>
-            <a:normAutofit/>
-          </a:bodyPr>
-          <a:lstStyle/>
-          <a:p>
-            <a:r>
-              <a:t>Null Coalescing (??=) Operator in C#</a:t>
-            </a:r>
-          </a:p>
-        </p:txBody>
-      </p:sp>
-      <p:sp>
-        <p:nvSpPr>
-          <p:cNvPr id="3" name="Content Placeholder 2"/>
-          <p:cNvSpPr>
-            <a:spLocks noGrp="1"/>
-          </p:cNvSpPr>
-          <p:nvPr>
-            <p:ph idx="1"/>
-          </p:nvPr>
-        </p:nvSpPr>
-        <p:spPr/>
-        <p:txBody>
-          <a:bodyPr/>
-          <a:lstStyle/>
-          <a:p>
-            <a:r>
-              <a:rPr dirty="0"/>
-              <a:t>The null coalescing operator (??=) assigns a value to a variable only if it is null.</a:t>
-            </a:r>
-          </a:p>
-          <a:p>
-            <a:r>
-              <a:rPr dirty="0"/>
-              <a:t>This is useful for default initialization.</a:t>
-            </a:r>
-          </a:p>
-          <a:p>
-            <a:r>
-              <a:rPr lang="en-GB" dirty="0"/>
-              <a:t>Example:</a:t>
-            </a:r>
-            <a:br>
-              <a:rPr lang="en-GB" dirty="0"/>
-            </a:br>
-            <a:r>
-              <a:rPr lang="en-GB" dirty="0"/>
-              <a:t>name ??= "Default Name";</a:t>
-            </a:r>
-          </a:p>
-        </p:txBody>
-      </p:sp>
-      <p:sp>
-        <p:nvSpPr>
-          <p:cNvPr id="7" name="TextBox 6">
-            <a:extLst>
-              <a:ext uri="{FF2B5EF4-FFF2-40B4-BE49-F238E27FC236}">
-                <a16:creationId xmlns:a16="http://schemas.microsoft.com/office/drawing/2014/main" id="{BE7DBF9D-46FF-E4A1-1062-07E5AF17D974}"/>
-              </a:ext>
-            </a:extLst>
-          </p:cNvPr>
-          <p:cNvSpPr txBox="1"/>
-          <p:nvPr/>
-        </p:nvSpPr>
-        <p:spPr>
-          <a:xfrm>
-            <a:off x="2111229" y="5148635"/>
-            <a:ext cx="4572000" cy="369332"/>
-          </a:xfrm>
-          <a:prstGeom prst="rect">
-            <a:avLst/>
-          </a:prstGeom>
-          <a:noFill/>
-        </p:spPr>
-        <p:txBody>
-          <a:bodyPr wrap="square">
-            <a:spAutoFit/>
-          </a:bodyPr>
-          <a:lstStyle/>
-          <a:p>
-            <a:r>
-              <a:rPr lang="en-US" dirty="0"/>
-              <a:t>Null Coalescing Operator</a:t>
-            </a:r>
-            <a:r>
-              <a:rPr lang="en-US" sz="1400" dirty="0">
-                <a:hlinkClick r:id="rId2"/>
-              </a:rPr>
-              <a:t> (Read more)</a:t>
-            </a:r>
-          </a:p>
-        </p:txBody>
-      </p:sp>
-    </p:spTree>
-  </p:cSld>
-  <p:clrMapOvr>
-    <a:masterClrMapping/>
-  </p:clrMapOvr>
-</p:sld>
-</file>
-
-<file path=ppt/slides/slide12.xml><?xml version="1.0" encoding="utf-8"?>
-<p:sld xmlns:a="http://schemas.openxmlformats.org/drawingml/2006/main" xmlns:r="http://schemas.openxmlformats.org/officeDocument/2006/relationships" xmlns:p="http://schemas.openxmlformats.org/presentationml/2006/main">
-  <p:cSld>
-    <p:spTree>
-      <p:nvGrpSpPr>
-        <p:cNvPr id="1" name=""/>
-        <p:cNvGrpSpPr/>
-        <p:nvPr/>
-      </p:nvGrpSpPr>
-      <p:grpSpPr>
-        <a:xfrm>
-          <a:off x="0" y="0"/>
-          <a:ext cx="0" cy="0"/>
-          <a:chOff x="0" y="0"/>
-          <a:chExt cx="0" cy="0"/>
-        </a:xfrm>
-      </p:grpSpPr>
-      <p:sp>
-        <p:nvSpPr>
-          <p:cNvPr id="2" name="Title 1"/>
-          <p:cNvSpPr>
-            <a:spLocks noGrp="1"/>
-          </p:cNvSpPr>
-          <p:nvPr>
-            <p:ph type="title"/>
-          </p:nvPr>
-        </p:nvSpPr>
-        <p:spPr/>
-        <p:txBody>
-          <a:bodyPr/>
-          <a:lstStyle/>
-          <a:p>
-            <a:r>
-              <a:t>Null Handling in C#</a:t>
-            </a:r>
-          </a:p>
-        </p:txBody>
-      </p:sp>
-      <p:sp>
-        <p:nvSpPr>
-          <p:cNvPr id="3" name="Content Placeholder 2"/>
-          <p:cNvSpPr>
-            <a:spLocks noGrp="1"/>
-          </p:cNvSpPr>
-          <p:nvPr>
-            <p:ph idx="1"/>
-          </p:nvPr>
-        </p:nvSpPr>
-        <p:spPr/>
-        <p:txBody>
-          <a:bodyPr/>
-          <a:lstStyle/>
-          <a:p>
-            <a:r>
-              <a:rPr dirty="0"/>
-              <a:t>C# provides various ways to handle null values safely:</a:t>
-            </a:r>
-          </a:p>
-          <a:p>
-            <a:r>
-              <a:rPr dirty="0"/>
-              <a:t>- Null conditional operator (?.)</a:t>
-            </a:r>
-          </a:p>
-          <a:p>
-            <a:r>
-              <a:rPr dirty="0"/>
-              <a:t>- Null coalescing operator (??)</a:t>
-            </a:r>
-          </a:p>
-          <a:p>
-            <a:r>
-              <a:rPr dirty="0"/>
-              <a:t>- Null-forgiving operator (!)</a:t>
-            </a:r>
-          </a:p>
-          <a:p>
-            <a:r>
-              <a:rPr dirty="0"/>
-              <a:t>These operators help to avoid null reference exceptions.</a:t>
-            </a:r>
-          </a:p>
-        </p:txBody>
-      </p:sp>
-    </p:spTree>
-  </p:cSld>
-  <p:clrMapOvr>
-    <a:masterClrMapping/>
-  </p:clrMapOvr>
-</p:sld>
-</file>
-
-<file path=ppt/slides/slide13.xml><?xml version="1.0" encoding="utf-8"?>
-<p:sld xmlns:a="http://schemas.openxmlformats.org/drawingml/2006/main" xmlns:r="http://schemas.openxmlformats.org/officeDocument/2006/relationships" xmlns:p="http://schemas.openxmlformats.org/presentationml/2006/main">
-  <p:cSld>
-    <p:spTree>
-      <p:nvGrpSpPr>
-        <p:cNvPr id="1" name=""/>
-        <p:cNvGrpSpPr/>
-        <p:nvPr/>
-      </p:nvGrpSpPr>
-      <p:grpSpPr>
-        <a:xfrm>
-          <a:off x="0" y="0"/>
-          <a:ext cx="0" cy="0"/>
-          <a:chOff x="0" y="0"/>
-          <a:chExt cx="0" cy="0"/>
-        </a:xfrm>
-      </p:grpSpPr>
-      <p:sp>
-        <p:nvSpPr>
-          <p:cNvPr id="2" name="Title 1"/>
-          <p:cNvSpPr>
-            <a:spLocks noGrp="1"/>
-          </p:cNvSpPr>
-          <p:nvPr>
-            <p:ph type="title"/>
-          </p:nvPr>
-        </p:nvSpPr>
-        <p:spPr/>
-        <p:txBody>
-          <a:bodyPr>
-            <a:normAutofit/>
-          </a:bodyPr>
-          <a:lstStyle/>
-          <a:p>
-            <a:r>
-              <a:t>Default Implementation in Interfaces</a:t>
-            </a:r>
-          </a:p>
-        </p:txBody>
-      </p:sp>
-      <p:sp>
-        <p:nvSpPr>
-          <p:cNvPr id="3" name="Content Placeholder 2"/>
-          <p:cNvSpPr>
-            <a:spLocks noGrp="1"/>
-          </p:cNvSpPr>
-          <p:nvPr>
-            <p:ph idx="1"/>
-          </p:nvPr>
-        </p:nvSpPr>
-        <p:spPr/>
-        <p:txBody>
-          <a:bodyPr/>
-          <a:lstStyle/>
-          <a:p>
-            <a:r>
-              <a:rPr dirty="0"/>
-              <a:t>Interfaces in C# can now provide default method implementations.</a:t>
-            </a:r>
-          </a:p>
-          <a:p>
-            <a:r>
-              <a:rPr dirty="0"/>
-              <a:t>This allows developers to add new methods to interfaces without breaking existing implementations.</a:t>
-            </a:r>
-          </a:p>
-        </p:txBody>
-      </p:sp>
-      <p:sp>
-        <p:nvSpPr>
-          <p:cNvPr id="6" name="TextBox 5"/>
-          <p:cNvSpPr txBox="1"/>
-          <p:nvPr/>
-        </p:nvSpPr>
-        <p:spPr>
-          <a:xfrm>
-            <a:off x="2065089" y="4530056"/>
-            <a:ext cx="4816640" cy="646331"/>
-          </a:xfrm>
-          <a:prstGeom prst="rect">
-            <a:avLst/>
-          </a:prstGeom>
-          <a:noFill/>
-        </p:spPr>
-        <p:txBody>
-          <a:bodyPr wrap="none">
-            <a:spAutoFit/>
-          </a:bodyPr>
-          <a:lstStyle/>
-          <a:p>
-            <a:endParaRPr lang="en-NL" dirty="0"/>
-          </a:p>
-          <a:p>
-            <a:r>
-              <a:rPr lang="en-US" dirty="0"/>
-              <a:t>Default Implementation in Interfaces</a:t>
-            </a:r>
-            <a:r>
-              <a:rPr lang="en-US" sz="1400" dirty="0">
-                <a:hlinkClick r:id="rId2"/>
-              </a:rPr>
-              <a:t> (Read more)</a:t>
-            </a:r>
-          </a:p>
-        </p:txBody>
-      </p:sp>
-    </p:spTree>
-  </p:cSld>
-  <p:clrMapOvr>
-    <a:masterClrMapping/>
-  </p:clrMapOvr>
-</p:sld>
-</file>
-
-<file path=ppt/slides/slide14.xml><?xml version="1.0" encoding="utf-8"?>
-<p:sld xmlns:a="http://schemas.openxmlformats.org/drawingml/2006/main" xmlns:r="http://schemas.openxmlformats.org/officeDocument/2006/relationships" xmlns:p="http://schemas.openxmlformats.org/presentationml/2006/main">
-  <p:cSld>
-    <p:spTree>
-      <p:nvGrpSpPr>
-        <p:cNvPr id="1" name=""/>
-        <p:cNvGrpSpPr/>
-        <p:nvPr/>
-      </p:nvGrpSpPr>
-      <p:grpSpPr>
-        <a:xfrm>
-          <a:off x="0" y="0"/>
-          <a:ext cx="0" cy="0"/>
-          <a:chOff x="0" y="0"/>
-          <a:chExt cx="0" cy="0"/>
-        </a:xfrm>
-      </p:grpSpPr>
-      <p:sp>
-        <p:nvSpPr>
-          <p:cNvPr id="2" name="Title 1"/>
-          <p:cNvSpPr>
-            <a:spLocks noGrp="1"/>
-          </p:cNvSpPr>
-          <p:nvPr>
-            <p:ph type="title"/>
-          </p:nvPr>
-        </p:nvSpPr>
-        <p:spPr/>
-        <p:txBody>
-          <a:bodyPr/>
-          <a:lstStyle/>
-          <a:p>
-            <a:r>
-              <a:t>Generic Math Support in C#</a:t>
-            </a:r>
-          </a:p>
-        </p:txBody>
-      </p:sp>
-      <p:sp>
-        <p:nvSpPr>
-          <p:cNvPr id="3" name="Content Placeholder 2"/>
-          <p:cNvSpPr>
-            <a:spLocks noGrp="1"/>
-          </p:cNvSpPr>
-          <p:nvPr>
-            <p:ph idx="1"/>
-          </p:nvPr>
-        </p:nvSpPr>
-        <p:spPr/>
-        <p:txBody>
-          <a:bodyPr>
-            <a:normAutofit/>
-          </a:bodyPr>
-          <a:lstStyle/>
-          <a:p>
-            <a:r>
-              <a:rPr dirty="0"/>
-              <a:t>C# 10 and later versions provide generic math support, enabling the use of generic types in mathematical operations.</a:t>
-            </a:r>
-          </a:p>
-          <a:p>
-            <a:r>
-              <a:rPr dirty="0"/>
-              <a:t>With generic math, you can write type-agnostic code that works with numeric types, such as int, double, or float, while maintaining type safety.</a:t>
-            </a:r>
-          </a:p>
-        </p:txBody>
-      </p:sp>
-      <p:sp>
-        <p:nvSpPr>
-          <p:cNvPr id="4" name="TextBox 3">
-            <a:extLst>
-              <a:ext uri="{FF2B5EF4-FFF2-40B4-BE49-F238E27FC236}">
-                <a16:creationId xmlns:a16="http://schemas.microsoft.com/office/drawing/2014/main" id="{A9884DD7-A5D0-CF0D-2F17-9D01E4FF289C}"/>
-              </a:ext>
-            </a:extLst>
-          </p:cNvPr>
-          <p:cNvSpPr txBox="1"/>
-          <p:nvPr/>
-        </p:nvSpPr>
-        <p:spPr>
-          <a:xfrm>
-            <a:off x="2211897" y="5257801"/>
-            <a:ext cx="3344505" cy="646331"/>
-          </a:xfrm>
-          <a:prstGeom prst="rect">
-            <a:avLst/>
-          </a:prstGeom>
-          <a:noFill/>
-        </p:spPr>
-        <p:txBody>
-          <a:bodyPr wrap="none">
-            <a:spAutoFit/>
-          </a:bodyPr>
-          <a:lstStyle/>
-          <a:p>
-            <a:endParaRPr lang="en-NL" dirty="0"/>
-          </a:p>
-          <a:p>
-            <a:r>
-              <a:rPr lang="en-US" dirty="0"/>
-              <a:t>Generic Math support </a:t>
-            </a:r>
-            <a:r>
-              <a:rPr lang="en-US" sz="1400" dirty="0">
-                <a:hlinkClick r:id="rId2"/>
-              </a:rPr>
-              <a:t>(Read more)</a:t>
-            </a:r>
-            <a:endParaRPr lang="en-US" sz="1400" dirty="0">
-              <a:hlinkClick r:id="rId3"/>
-            </a:endParaRPr>
-          </a:p>
-        </p:txBody>
-      </p:sp>
-    </p:spTree>
-  </p:cSld>
-  <p:clrMapOvr>
-    <a:masterClrMapping/>
-  </p:clrMapOvr>
-</p:sld>
-</file>
-
 <file path=ppt/slides/slide2.xml><?xml version="1.0" encoding="utf-8"?>
 <p:sld xmlns:a="http://schemas.openxmlformats.org/drawingml/2006/main" xmlns:r="http://schemas.openxmlformats.org/officeDocument/2006/relationships" xmlns:p="http://schemas.openxmlformats.org/presentationml/2006/main">
   <p:cSld>
@@ -4740,369 +4160,6 @@
         <p14:creationId xmlns:p14="http://schemas.microsoft.com/office/powerpoint/2010/main" val="4006858124"/>
       </p:ext>
     </p:extLst>
-  </p:cSld>
-  <p:clrMapOvr>
-    <a:masterClrMapping/>
-  </p:clrMapOvr>
-</p:sld>
-</file>
-
-<file path=ppt/slides/slide7.xml><?xml version="1.0" encoding="utf-8"?>
-<p:sld xmlns:a="http://schemas.openxmlformats.org/drawingml/2006/main" xmlns:r="http://schemas.openxmlformats.org/officeDocument/2006/relationships" xmlns:p="http://schemas.openxmlformats.org/presentationml/2006/main">
-  <p:cSld>
-    <p:spTree>
-      <p:nvGrpSpPr>
-        <p:cNvPr id="1" name=""/>
-        <p:cNvGrpSpPr/>
-        <p:nvPr/>
-      </p:nvGrpSpPr>
-      <p:grpSpPr>
-        <a:xfrm>
-          <a:off x="0" y="0"/>
-          <a:ext cx="0" cy="0"/>
-          <a:chOff x="0" y="0"/>
-          <a:chExt cx="0" cy="0"/>
-        </a:xfrm>
-      </p:grpSpPr>
-      <p:sp>
-        <p:nvSpPr>
-          <p:cNvPr id="2" name="Title 1"/>
-          <p:cNvSpPr>
-            <a:spLocks noGrp="1"/>
-          </p:cNvSpPr>
-          <p:nvPr>
-            <p:ph type="title"/>
-          </p:nvPr>
-        </p:nvSpPr>
-        <p:spPr/>
-        <p:txBody>
-          <a:bodyPr/>
-          <a:lstStyle/>
-          <a:p>
-            <a:r>
-              <a:t>What is an Expression in C#</a:t>
-            </a:r>
-          </a:p>
-        </p:txBody>
-      </p:sp>
-      <p:sp>
-        <p:nvSpPr>
-          <p:cNvPr id="3" name="Content Placeholder 2"/>
-          <p:cNvSpPr>
-            <a:spLocks noGrp="1"/>
-          </p:cNvSpPr>
-          <p:nvPr>
-            <p:ph idx="1"/>
-          </p:nvPr>
-        </p:nvSpPr>
-        <p:spPr/>
-        <p:txBody>
-          <a:bodyPr/>
-          <a:lstStyle/>
-          <a:p>
-            <a:r>
-              <a:rPr dirty="0"/>
-              <a:t>An expression in C# is a sequence of operators and operands that evaluates to a single value.</a:t>
-            </a:r>
-          </a:p>
-          <a:p>
-            <a:r>
-              <a:rPr dirty="0"/>
-              <a:t>Examples: Arithmetic, logical, and method call expressions.</a:t>
-            </a:r>
-            <a:endParaRPr lang="en-GB" dirty="0"/>
-          </a:p>
-          <a:p>
-            <a:r>
-              <a:rPr lang="en-GB" dirty="0"/>
-              <a:t>Alternative definition: anything that can be at the right of an equal sign.</a:t>
-            </a:r>
-            <a:endParaRPr dirty="0"/>
-          </a:p>
-        </p:txBody>
-      </p:sp>
-      <p:sp>
-        <p:nvSpPr>
-          <p:cNvPr id="4" name="TextBox 3"/>
-          <p:cNvSpPr txBox="1"/>
-          <p:nvPr/>
-        </p:nvSpPr>
-        <p:spPr>
-          <a:xfrm>
-            <a:off x="1981201" y="5029201"/>
-            <a:ext cx="2816027" cy="646331"/>
-          </a:xfrm>
-          <a:prstGeom prst="rect">
-            <a:avLst/>
-          </a:prstGeom>
-          <a:noFill/>
-        </p:spPr>
-        <p:txBody>
-          <a:bodyPr wrap="none">
-            <a:spAutoFit/>
-          </a:bodyPr>
-          <a:lstStyle/>
-          <a:p>
-            <a:endParaRPr/>
-          </a:p>
-          <a:p>
-            <a:r>
-              <a:t>Expression in C#</a:t>
-            </a:r>
-            <a:r>
-              <a:rPr sz="1400">
-                <a:hlinkClick r:id="rId2"/>
-              </a:rPr>
-              <a:t> (Read more)</a:t>
-            </a:r>
-          </a:p>
-        </p:txBody>
-      </p:sp>
-    </p:spTree>
-  </p:cSld>
-  <p:clrMapOvr>
-    <a:masterClrMapping/>
-  </p:clrMapOvr>
-</p:sld>
-</file>
-
-<file path=ppt/slides/slide8.xml><?xml version="1.0" encoding="utf-8"?>
-<p:sld xmlns:a="http://schemas.openxmlformats.org/drawingml/2006/main" xmlns:r="http://schemas.openxmlformats.org/officeDocument/2006/relationships" xmlns:p="http://schemas.openxmlformats.org/presentationml/2006/main">
-  <p:cSld>
-    <p:spTree>
-      <p:nvGrpSpPr>
-        <p:cNvPr id="1" name=""/>
-        <p:cNvGrpSpPr/>
-        <p:nvPr/>
-      </p:nvGrpSpPr>
-      <p:grpSpPr>
-        <a:xfrm>
-          <a:off x="0" y="0"/>
-          <a:ext cx="0" cy="0"/>
-          <a:chOff x="0" y="0"/>
-          <a:chExt cx="0" cy="0"/>
-        </a:xfrm>
-      </p:grpSpPr>
-      <p:sp>
-        <p:nvSpPr>
-          <p:cNvPr id="2" name="Title 1"/>
-          <p:cNvSpPr>
-            <a:spLocks noGrp="1"/>
-          </p:cNvSpPr>
-          <p:nvPr>
-            <p:ph type="title"/>
-          </p:nvPr>
-        </p:nvSpPr>
-        <p:spPr/>
-        <p:txBody>
-          <a:bodyPr/>
-          <a:lstStyle/>
-          <a:p>
-            <a:r>
-              <a:t>Switch Expressions</a:t>
-            </a:r>
-          </a:p>
-        </p:txBody>
-      </p:sp>
-      <p:sp>
-        <p:nvSpPr>
-          <p:cNvPr id="3" name="Content Placeholder 2"/>
-          <p:cNvSpPr>
-            <a:spLocks noGrp="1"/>
-          </p:cNvSpPr>
-          <p:nvPr>
-            <p:ph idx="1"/>
-          </p:nvPr>
-        </p:nvSpPr>
-        <p:spPr/>
-        <p:txBody>
-          <a:bodyPr/>
-          <a:lstStyle/>
-          <a:p>
-            <a:r>
-              <a:rPr dirty="0"/>
-              <a:t>Switch expressions are a more concise and readable alternative to traditional switch statements.</a:t>
-            </a:r>
-          </a:p>
-          <a:p>
-            <a:r>
-              <a:rPr dirty="0"/>
-              <a:t>They evaluate a single expression and return a value based on the match.</a:t>
-            </a:r>
-          </a:p>
-        </p:txBody>
-      </p:sp>
-      <p:sp>
-        <p:nvSpPr>
-          <p:cNvPr id="4" name="TextBox 3"/>
-          <p:cNvSpPr txBox="1"/>
-          <p:nvPr/>
-        </p:nvSpPr>
-        <p:spPr>
-          <a:xfrm>
-            <a:off x="1981201" y="5029201"/>
-            <a:ext cx="3091167" cy="646331"/>
-          </a:xfrm>
-          <a:prstGeom prst="rect">
-            <a:avLst/>
-          </a:prstGeom>
-          <a:noFill/>
-        </p:spPr>
-        <p:txBody>
-          <a:bodyPr wrap="none">
-            <a:spAutoFit/>
-          </a:bodyPr>
-          <a:lstStyle/>
-          <a:p>
-            <a:endParaRPr/>
-          </a:p>
-          <a:p>
-            <a:r>
-              <a:t>Switch Expressions</a:t>
-            </a:r>
-            <a:r>
-              <a:rPr sz="1400">
-                <a:hlinkClick r:id="rId2"/>
-              </a:rPr>
-              <a:t> (Read more)</a:t>
-            </a:r>
-          </a:p>
-        </p:txBody>
-      </p:sp>
-    </p:spTree>
-  </p:cSld>
-  <p:clrMapOvr>
-    <a:masterClrMapping/>
-  </p:clrMapOvr>
-</p:sld>
-</file>
-
-<file path=ppt/slides/slide9.xml><?xml version="1.0" encoding="utf-8"?>
-<p:sld xmlns:a="http://schemas.openxmlformats.org/drawingml/2006/main" xmlns:r="http://schemas.openxmlformats.org/officeDocument/2006/relationships" xmlns:p="http://schemas.openxmlformats.org/presentationml/2006/main">
-  <p:cSld>
-    <p:spTree>
-      <p:nvGrpSpPr>
-        <p:cNvPr id="1" name=""/>
-        <p:cNvGrpSpPr/>
-        <p:nvPr/>
-      </p:nvGrpSpPr>
-      <p:grpSpPr>
-        <a:xfrm>
-          <a:off x="0" y="0"/>
-          <a:ext cx="0" cy="0"/>
-          <a:chOff x="0" y="0"/>
-          <a:chExt cx="0" cy="0"/>
-        </a:xfrm>
-      </p:grpSpPr>
-      <p:sp>
-        <p:nvSpPr>
-          <p:cNvPr id="2" name="Title 1"/>
-          <p:cNvSpPr>
-            <a:spLocks noGrp="1"/>
-          </p:cNvSpPr>
-          <p:nvPr>
-            <p:ph type="title"/>
-          </p:nvPr>
-        </p:nvSpPr>
-        <p:spPr/>
-        <p:txBody>
-          <a:bodyPr/>
-          <a:lstStyle/>
-          <a:p>
-            <a:r>
-              <a:t>Records in C#</a:t>
-            </a:r>
-          </a:p>
-        </p:txBody>
-      </p:sp>
-      <p:sp>
-        <p:nvSpPr>
-          <p:cNvPr id="3" name="Content Placeholder 2"/>
-          <p:cNvSpPr>
-            <a:spLocks noGrp="1"/>
-          </p:cNvSpPr>
-          <p:nvPr>
-            <p:ph idx="1"/>
-          </p:nvPr>
-        </p:nvSpPr>
-        <p:spPr/>
-        <p:txBody>
-          <a:bodyPr/>
-          <a:lstStyle/>
-          <a:p>
-            <a:r>
-              <a:rPr dirty="0"/>
-              <a:t>Records are a reference type that provide built-in functionality for encapsulating data.</a:t>
-            </a:r>
-          </a:p>
-          <a:p>
-            <a:r>
-              <a:rPr dirty="0"/>
-              <a:t>They are used for immutable data models.</a:t>
-            </a:r>
-          </a:p>
-          <a:p>
-            <a:r>
-              <a:rPr dirty="0"/>
-              <a:t>Example:</a:t>
-            </a:r>
-            <a:br>
-              <a:rPr dirty="0"/>
-            </a:br>
-            <a:r>
-              <a:rPr dirty="0"/>
-              <a:t>public record Person(string FirstName, string </a:t>
-            </a:r>
-            <a:r>
-              <a:rPr dirty="0" err="1"/>
-              <a:t>LastName</a:t>
-            </a:r>
-            <a:r>
-              <a:rPr dirty="0"/>
-              <a:t>);</a:t>
-            </a:r>
-          </a:p>
-        </p:txBody>
-      </p:sp>
-      <p:sp>
-        <p:nvSpPr>
-          <p:cNvPr id="5" name="TextBox 4"/>
-          <p:cNvSpPr txBox="1"/>
-          <p:nvPr/>
-        </p:nvSpPr>
-        <p:spPr>
-          <a:xfrm>
-            <a:off x="1981201" y="5029201"/>
-            <a:ext cx="2553135" cy="646331"/>
-          </a:xfrm>
-          <a:prstGeom prst="rect">
-            <a:avLst/>
-          </a:prstGeom>
-          <a:noFill/>
-        </p:spPr>
-        <p:txBody>
-          <a:bodyPr wrap="none">
-            <a:spAutoFit/>
-          </a:bodyPr>
-          <a:lstStyle/>
-          <a:p>
-            <a:endParaRPr dirty="0"/>
-          </a:p>
-          <a:p>
-            <a:r>
-              <a:rPr dirty="0"/>
-              <a:t>Records in C#</a:t>
-            </a:r>
-            <a:r>
-              <a:rPr sz="1400" dirty="0">
-                <a:hlinkClick r:id="rId2"/>
-              </a:rPr>
-              <a:t> (Read more)</a:t>
-            </a:r>
-          </a:p>
-        </p:txBody>
-      </p:sp>
-    </p:spTree>
   </p:cSld>
   <p:clrMapOvr>
     <a:masterClrMapping/>
